--- a/docs/diagrams/UserGuide Drawings.pptx
+++ b/docs/diagrams/UserGuide Drawings.pptx
@@ -6,6 +6,8 @@
   </p:sldMasterIdLst>
   <p:sldIdLst>
     <p:sldId id="256" r:id="rId2"/>
+    <p:sldId id="257" r:id="rId3"/>
+    <p:sldId id="258" r:id="rId4"/>
   </p:sldIdLst>
   <p:sldSz cx="12192000" cy="6858000"/>
   <p:notesSz cx="6858000" cy="9144000"/>
@@ -104,6 +106,11 @@
       </a:defRPr>
     </a:lvl9pPr>
   </p:defaultTextStyle>
+  <p:extLst>
+    <p:ext uri="{EFAFB233-063F-42B5-8137-9DF3F51BA10A}">
+      <p15:sldGuideLst xmlns:p15="http://schemas.microsoft.com/office/powerpoint/2012/main"/>
+    </p:ext>
+  </p:extLst>
 </p:presentation>
 </file>
 
@@ -238,7 +245,7 @@
           <a:p>
             <a:fld id="{3798F79D-4DD3-4E11-8073-015D66C43647}" type="datetimeFigureOut">
               <a:rPr lang="en-SG" smtClean="0"/>
-              <a:t>3/10/2016</a:t>
+              <a:t>4/10/2016</a:t>
             </a:fld>
             <a:endParaRPr lang="en-SG"/>
           </a:p>
@@ -408,7 +415,7 @@
           <a:p>
             <a:fld id="{3798F79D-4DD3-4E11-8073-015D66C43647}" type="datetimeFigureOut">
               <a:rPr lang="en-SG" smtClean="0"/>
-              <a:t>3/10/2016</a:t>
+              <a:t>4/10/2016</a:t>
             </a:fld>
             <a:endParaRPr lang="en-SG"/>
           </a:p>
@@ -588,7 +595,7 @@
           <a:p>
             <a:fld id="{3798F79D-4DD3-4E11-8073-015D66C43647}" type="datetimeFigureOut">
               <a:rPr lang="en-SG" smtClean="0"/>
-              <a:t>3/10/2016</a:t>
+              <a:t>4/10/2016</a:t>
             </a:fld>
             <a:endParaRPr lang="en-SG"/>
           </a:p>
@@ -758,7 +765,7 @@
           <a:p>
             <a:fld id="{3798F79D-4DD3-4E11-8073-015D66C43647}" type="datetimeFigureOut">
               <a:rPr lang="en-SG" smtClean="0"/>
-              <a:t>3/10/2016</a:t>
+              <a:t>4/10/2016</a:t>
             </a:fld>
             <a:endParaRPr lang="en-SG"/>
           </a:p>
@@ -1004,7 +1011,7 @@
           <a:p>
             <a:fld id="{3798F79D-4DD3-4E11-8073-015D66C43647}" type="datetimeFigureOut">
               <a:rPr lang="en-SG" smtClean="0"/>
-              <a:t>3/10/2016</a:t>
+              <a:t>4/10/2016</a:t>
             </a:fld>
             <a:endParaRPr lang="en-SG"/>
           </a:p>
@@ -1236,7 +1243,7 @@
           <a:p>
             <a:fld id="{3798F79D-4DD3-4E11-8073-015D66C43647}" type="datetimeFigureOut">
               <a:rPr lang="en-SG" smtClean="0"/>
-              <a:t>3/10/2016</a:t>
+              <a:t>4/10/2016</a:t>
             </a:fld>
             <a:endParaRPr lang="en-SG"/>
           </a:p>
@@ -1603,7 +1610,7 @@
           <a:p>
             <a:fld id="{3798F79D-4DD3-4E11-8073-015D66C43647}" type="datetimeFigureOut">
               <a:rPr lang="en-SG" smtClean="0"/>
-              <a:t>3/10/2016</a:t>
+              <a:t>4/10/2016</a:t>
             </a:fld>
             <a:endParaRPr lang="en-SG"/>
           </a:p>
@@ -1721,7 +1728,7 @@
           <a:p>
             <a:fld id="{3798F79D-4DD3-4E11-8073-015D66C43647}" type="datetimeFigureOut">
               <a:rPr lang="en-SG" smtClean="0"/>
-              <a:t>3/10/2016</a:t>
+              <a:t>4/10/2016</a:t>
             </a:fld>
             <a:endParaRPr lang="en-SG"/>
           </a:p>
@@ -1816,7 +1823,7 @@
           <a:p>
             <a:fld id="{3798F79D-4DD3-4E11-8073-015D66C43647}" type="datetimeFigureOut">
               <a:rPr lang="en-SG" smtClean="0"/>
-              <a:t>3/10/2016</a:t>
+              <a:t>4/10/2016</a:t>
             </a:fld>
             <a:endParaRPr lang="en-SG"/>
           </a:p>
@@ -2093,7 +2100,7 @@
           <a:p>
             <a:fld id="{3798F79D-4DD3-4E11-8073-015D66C43647}" type="datetimeFigureOut">
               <a:rPr lang="en-SG" smtClean="0"/>
-              <a:t>3/10/2016</a:t>
+              <a:t>4/10/2016</a:t>
             </a:fld>
             <a:endParaRPr lang="en-SG"/>
           </a:p>
@@ -2346,7 +2353,7 @@
           <a:p>
             <a:fld id="{3798F79D-4DD3-4E11-8073-015D66C43647}" type="datetimeFigureOut">
               <a:rPr lang="en-SG" smtClean="0"/>
-              <a:t>3/10/2016</a:t>
+              <a:t>4/10/2016</a:t>
             </a:fld>
             <a:endParaRPr lang="en-SG"/>
           </a:p>
@@ -2559,7 +2566,7 @@
           <a:p>
             <a:fld id="{3798F79D-4DD3-4E11-8073-015D66C43647}" type="datetimeFigureOut">
               <a:rPr lang="en-SG" smtClean="0"/>
-              <a:t>3/10/2016</a:t>
+              <a:t>4/10/2016</a:t>
             </a:fld>
             <a:endParaRPr lang="en-SG"/>
           </a:p>
@@ -2972,7 +2979,7 @@
         </p:nvGrpSpPr>
         <p:grpSpPr>
           <a:xfrm>
-            <a:off x="1528224" y="154304"/>
+            <a:off x="735010" y="-121117"/>
             <a:ext cx="7745408" cy="6490336"/>
             <a:chOff x="2488344" y="901064"/>
             <a:chExt cx="7745408" cy="6490336"/>
@@ -3391,6 +3398,863 @@
 </p:sld>
 </file>
 
+<file path=ppt/slides/slide2.xml><?xml version="1.0" encoding="utf-8"?>
+<p:sld xmlns:a="http://schemas.openxmlformats.org/drawingml/2006/main" xmlns:r="http://schemas.openxmlformats.org/officeDocument/2006/relationships" xmlns:p="http://schemas.openxmlformats.org/presentationml/2006/main">
+  <p:cSld>
+    <p:spTree>
+      <p:nvGrpSpPr>
+        <p:cNvPr id="1" name=""/>
+        <p:cNvGrpSpPr/>
+        <p:nvPr/>
+      </p:nvGrpSpPr>
+      <p:grpSpPr>
+        <a:xfrm>
+          <a:off x="0" y="0"/>
+          <a:ext cx="0" cy="0"/>
+          <a:chOff x="0" y="0"/>
+          <a:chExt cx="0" cy="0"/>
+        </a:xfrm>
+      </p:grpSpPr>
+      <p:graphicFrame>
+        <p:nvGraphicFramePr>
+          <p:cNvPr id="5" name="Table 4"/>
+          <p:cNvGraphicFramePr>
+            <a:graphicFrameLocks noGrp="1"/>
+          </p:cNvGraphicFramePr>
+          <p:nvPr>
+            <p:extLst>
+              <p:ext uri="{D42A27DB-BD31-4B8C-83A1-F6EECF244321}">
+                <p14:modId xmlns:p14="http://schemas.microsoft.com/office/powerpoint/2010/main" val="2209077400"/>
+              </p:ext>
+            </p:extLst>
+          </p:nvPr>
+        </p:nvGraphicFramePr>
+        <p:xfrm>
+          <a:off x="2360180" y="3018640"/>
+          <a:ext cx="208280" cy="365760"/>
+        </p:xfrm>
+        <a:graphic>
+          <a:graphicData uri="http://schemas.openxmlformats.org/drawingml/2006/table">
+            <a:tbl>
+              <a:tblPr/>
+              <a:tblGrid>
+                <a:gridCol w="208280"/>
+              </a:tblGrid>
+              <a:tr h="0">
+                <a:tc>
+                  <a:txBody>
+                    <a:bodyPr/>
+                    <a:lstStyle/>
+                    <a:p>
+                      <a:endParaRPr lang="en-SG" dirty="0"/>
+                    </a:p>
+                  </a:txBody>
+                  <a:tcPr>
+                    <a:lnL w="12700" cmpd="sng">
+                      <a:solidFill>
+                        <a:schemeClr val="bg1"/>
+                      </a:solidFill>
+                      <a:prstDash val="solid"/>
+                    </a:lnL>
+                    <a:lnR w="12700" cmpd="sng">
+                      <a:solidFill>
+                        <a:schemeClr val="bg1"/>
+                      </a:solidFill>
+                      <a:prstDash val="solid"/>
+                    </a:lnR>
+                    <a:lnT w="12700" cmpd="sng">
+                      <a:solidFill>
+                        <a:schemeClr val="bg1"/>
+                      </a:solidFill>
+                      <a:prstDash val="solid"/>
+                    </a:lnT>
+                    <a:lnB w="12700" cmpd="sng">
+                      <a:solidFill>
+                        <a:schemeClr val="bg1"/>
+                      </a:solidFill>
+                      <a:prstDash val="solid"/>
+                    </a:lnB>
+                  </a:tcPr>
+                </a:tc>
+              </a:tr>
+            </a:tbl>
+          </a:graphicData>
+        </a:graphic>
+      </p:graphicFrame>
+      <p:grpSp>
+        <p:nvGrpSpPr>
+          <p:cNvPr id="17" name="Group 16"/>
+          <p:cNvGrpSpPr/>
+          <p:nvPr/>
+        </p:nvGrpSpPr>
+        <p:grpSpPr>
+          <a:xfrm>
+            <a:off x="1678244" y="4738069"/>
+            <a:ext cx="7745408" cy="1737360"/>
+            <a:chOff x="4101404" y="4832979"/>
+            <a:chExt cx="7745408" cy="1737360"/>
+          </a:xfrm>
+        </p:grpSpPr>
+        <p:sp>
+          <p:nvSpPr>
+            <p:cNvPr id="10" name="Rectangle 9"/>
+            <p:cNvSpPr/>
+            <p:nvPr/>
+          </p:nvSpPr>
+          <p:spPr>
+            <a:xfrm>
+              <a:off x="4101404" y="5960739"/>
+              <a:ext cx="7745408" cy="609600"/>
+            </a:xfrm>
+            <a:prstGeom prst="rect">
+              <a:avLst/>
+            </a:prstGeom>
+            <a:solidFill>
+              <a:schemeClr val="tx2">
+                <a:lumMod val="75000"/>
+              </a:schemeClr>
+            </a:solidFill>
+            <a:ln>
+              <a:noFill/>
+            </a:ln>
+            <a:effectLst>
+              <a:outerShdw blurRad="107950" dist="12700" dir="5400000" algn="ctr">
+                <a:srgbClr val="000000"/>
+              </a:outerShdw>
+            </a:effectLst>
+            <a:scene3d>
+              <a:camera prst="orthographicFront">
+                <a:rot lat="0" lon="0" rev="0"/>
+              </a:camera>
+              <a:lightRig rig="soft" dir="t">
+                <a:rot lat="0" lon="0" rev="0"/>
+              </a:lightRig>
+            </a:scene3d>
+            <a:sp3d contourW="44450" prstMaterial="matte">
+              <a:bevelT w="63500" h="63500" prst="artDeco"/>
+              <a:contourClr>
+                <a:srgbClr val="FFFFFF"/>
+              </a:contourClr>
+            </a:sp3d>
+          </p:spPr>
+          <p:style>
+            <a:lnRef idx="0">
+              <a:schemeClr val="accent5"/>
+            </a:lnRef>
+            <a:fillRef idx="1003">
+              <a:schemeClr val="dk2"/>
+            </a:fillRef>
+            <a:effectRef idx="3">
+              <a:schemeClr val="accent5"/>
+            </a:effectRef>
+            <a:fontRef idx="minor">
+              <a:schemeClr val="lt1"/>
+            </a:fontRef>
+          </p:style>
+          <p:txBody>
+            <a:bodyPr rtlCol="0" anchor="ctr"/>
+            <a:lstStyle/>
+            <a:p>
+              <a:r>
+                <a:rPr lang="en-SG" dirty="0" smtClean="0"/>
+                <a:t>&gt;&gt; </a:t>
+              </a:r>
+              <a:r>
+                <a:rPr lang="en-SG" dirty="0"/>
+                <a:t> </a:t>
+              </a:r>
+              <a:r>
+                <a:rPr lang="en-SG" dirty="0" smtClean="0"/>
+                <a:t>delete 1</a:t>
+              </a:r>
+              <a:endParaRPr lang="en-SG" dirty="0"/>
+            </a:p>
+          </p:txBody>
+        </p:sp>
+        <p:sp>
+          <p:nvSpPr>
+            <p:cNvPr id="11" name="Rectangle 10"/>
+            <p:cNvSpPr/>
+            <p:nvPr/>
+          </p:nvSpPr>
+          <p:spPr>
+            <a:xfrm>
+              <a:off x="4101404" y="4832979"/>
+              <a:ext cx="7745408" cy="1127760"/>
+            </a:xfrm>
+            <a:prstGeom prst="rect">
+              <a:avLst/>
+            </a:prstGeom>
+            <a:solidFill>
+              <a:schemeClr val="tx2">
+                <a:lumMod val="40000"/>
+                <a:lumOff val="60000"/>
+              </a:schemeClr>
+            </a:solidFill>
+            <a:ln>
+              <a:noFill/>
+            </a:ln>
+            <a:effectLst>
+              <a:outerShdw blurRad="107950" dist="12700" dir="5400000" algn="ctr">
+                <a:srgbClr val="000000"/>
+              </a:outerShdw>
+            </a:effectLst>
+            <a:scene3d>
+              <a:camera prst="orthographicFront">
+                <a:rot lat="0" lon="0" rev="0"/>
+              </a:camera>
+              <a:lightRig rig="soft" dir="t">
+                <a:rot lat="0" lon="0" rev="0"/>
+              </a:lightRig>
+            </a:scene3d>
+            <a:sp3d contourW="44450" prstMaterial="matte">
+              <a:bevelT w="63500" h="63500" prst="artDeco"/>
+              <a:contourClr>
+                <a:srgbClr val="FFFFFF"/>
+              </a:contourClr>
+            </a:sp3d>
+          </p:spPr>
+          <p:style>
+            <a:lnRef idx="2">
+              <a:schemeClr val="accent1">
+                <a:shade val="50000"/>
+              </a:schemeClr>
+            </a:lnRef>
+            <a:fillRef idx="1">
+              <a:schemeClr val="accent1"/>
+            </a:fillRef>
+            <a:effectRef idx="0">
+              <a:schemeClr val="accent1"/>
+            </a:effectRef>
+            <a:fontRef idx="minor">
+              <a:schemeClr val="lt1"/>
+            </a:fontRef>
+          </p:style>
+          <p:txBody>
+            <a:bodyPr rtlCol="0" anchor="t" anchorCtr="0"/>
+            <a:lstStyle/>
+            <a:p>
+              <a:r>
+                <a:rPr lang="en-SG" sz="2400" dirty="0" smtClean="0">
+                  <a:solidFill>
+                    <a:schemeClr val="tx1"/>
+                  </a:solidFill>
+                </a:rPr>
+                <a:t>Task Deleted : Archery Introduction</a:t>
+              </a:r>
+              <a:endParaRPr lang="en-SG" dirty="0">
+                <a:solidFill>
+                  <a:schemeClr val="tx1"/>
+                </a:solidFill>
+              </a:endParaRPr>
+            </a:p>
+          </p:txBody>
+        </p:sp>
+      </p:grpSp>
+      <p:sp>
+        <p:nvSpPr>
+          <p:cNvPr id="8" name="Rectangle 7"/>
+          <p:cNvSpPr/>
+          <p:nvPr/>
+        </p:nvSpPr>
+        <p:spPr>
+          <a:xfrm>
+            <a:off x="1678244" y="0"/>
+            <a:ext cx="7745407" cy="581188"/>
+          </a:xfrm>
+          <a:prstGeom prst="rect">
+            <a:avLst/>
+          </a:prstGeom>
+          <a:solidFill>
+            <a:schemeClr val="tx1">
+              <a:lumMod val="65000"/>
+              <a:lumOff val="35000"/>
+            </a:schemeClr>
+          </a:solidFill>
+          <a:ln>
+            <a:noFill/>
+          </a:ln>
+          <a:effectLst>
+            <a:outerShdw blurRad="107950" dist="12700" dir="5400000" algn="ctr">
+              <a:srgbClr val="000000"/>
+            </a:outerShdw>
+          </a:effectLst>
+          <a:scene3d>
+            <a:camera prst="orthographicFront">
+              <a:rot lat="0" lon="0" rev="0"/>
+            </a:camera>
+            <a:lightRig rig="soft" dir="t">
+              <a:rot lat="0" lon="0" rev="0"/>
+            </a:lightRig>
+          </a:scene3d>
+          <a:sp3d contourW="44450" prstMaterial="matte">
+            <a:bevelT w="63500" h="63500" prst="artDeco"/>
+            <a:contourClr>
+              <a:srgbClr val="FFFFFF"/>
+            </a:contourClr>
+          </a:sp3d>
+        </p:spPr>
+        <p:style>
+          <a:lnRef idx="2">
+            <a:schemeClr val="accent1">
+              <a:shade val="50000"/>
+            </a:schemeClr>
+          </a:lnRef>
+          <a:fillRef idx="1">
+            <a:schemeClr val="accent1"/>
+          </a:fillRef>
+          <a:effectRef idx="0">
+            <a:schemeClr val="accent1"/>
+          </a:effectRef>
+          <a:fontRef idx="minor">
+            <a:schemeClr val="lt1"/>
+          </a:fontRef>
+        </p:style>
+        <p:txBody>
+          <a:bodyPr rtlCol="0" anchor="ctr"/>
+          <a:lstStyle/>
+          <a:p>
+            <a:pPr algn="ctr"/>
+            <a:r>
+              <a:rPr lang="en-SG" sz="2800" dirty="0" err="1" smtClean="0">
+                <a:latin typeface="Comic Sans MS" panose="030F0702030302020204" pitchFamily="66" charset="0"/>
+                <a:cs typeface="Segoe UI Semibold" panose="020B0702040204020203" pitchFamily="34" charset="0"/>
+              </a:rPr>
+              <a:t>SmartyDo</a:t>
+            </a:r>
+            <a:endParaRPr lang="en-SG" sz="2800" dirty="0">
+              <a:latin typeface="Comic Sans MS" panose="030F0702030302020204" pitchFamily="66" charset="0"/>
+              <a:cs typeface="Segoe UI Semibold" panose="020B0702040204020203" pitchFamily="34" charset="0"/>
+            </a:endParaRPr>
+          </a:p>
+        </p:txBody>
+      </p:sp>
+      <p:pic>
+        <p:nvPicPr>
+          <p:cNvPr id="13" name="Picture 12"/>
+          <p:cNvPicPr>
+            <a:picLocks noChangeAspect="1"/>
+          </p:cNvPicPr>
+          <p:nvPr/>
+        </p:nvPicPr>
+        <p:blipFill>
+          <a:blip r:embed="rId2"/>
+          <a:stretch>
+            <a:fillRect/>
+          </a:stretch>
+        </p:blipFill>
+        <p:spPr>
+          <a:xfrm>
+            <a:off x="1678244" y="638344"/>
+            <a:ext cx="4265831" cy="4114964"/>
+          </a:xfrm>
+          <a:prstGeom prst="rect">
+            <a:avLst/>
+          </a:prstGeom>
+          <a:ln>
+            <a:noFill/>
+          </a:ln>
+          <a:effectLst>
+            <a:outerShdw blurRad="107950" dist="12700" dir="5400000" algn="ctr">
+              <a:srgbClr val="000000"/>
+            </a:outerShdw>
+          </a:effectLst>
+          <a:scene3d>
+            <a:camera prst="orthographicFront">
+              <a:rot lat="0" lon="0" rev="0"/>
+            </a:camera>
+            <a:lightRig rig="soft" dir="t">
+              <a:rot lat="0" lon="0" rev="0"/>
+            </a:lightRig>
+          </a:scene3d>
+          <a:sp3d contourW="44450" prstMaterial="matte">
+            <a:bevelT w="63500" h="63500" prst="artDeco"/>
+            <a:contourClr>
+              <a:srgbClr val="FFFFFF"/>
+            </a:contourClr>
+          </a:sp3d>
+        </p:spPr>
+      </p:pic>
+      <p:sp>
+        <p:nvSpPr>
+          <p:cNvPr id="14" name="TextBox 13"/>
+          <p:cNvSpPr txBox="1">
+            <a:spLocks noChangeAspect="1"/>
+          </p:cNvSpPr>
+          <p:nvPr/>
+        </p:nvSpPr>
+        <p:spPr>
+          <a:xfrm>
+            <a:off x="5979263" y="638344"/>
+            <a:ext cx="3409200" cy="4114966"/>
+          </a:xfrm>
+          <a:prstGeom prst="rect">
+            <a:avLst/>
+          </a:prstGeom>
+          <a:solidFill>
+            <a:schemeClr val="tx1">
+              <a:lumMod val="65000"/>
+              <a:lumOff val="35000"/>
+            </a:schemeClr>
+          </a:solidFill>
+          <a:ln>
+            <a:noFill/>
+          </a:ln>
+          <a:effectLst>
+            <a:outerShdw blurRad="107950" dist="12700" dir="5400000" algn="ctr">
+              <a:srgbClr val="000000"/>
+            </a:outerShdw>
+          </a:effectLst>
+          <a:scene3d>
+            <a:camera prst="orthographicFront">
+              <a:rot lat="0" lon="0" rev="0"/>
+            </a:camera>
+            <a:lightRig rig="soft" dir="t">
+              <a:rot lat="0" lon="0" rev="0"/>
+            </a:lightRig>
+          </a:scene3d>
+          <a:sp3d contourW="44450" prstMaterial="matte">
+            <a:bevelT w="63500" h="63500" prst="artDeco"/>
+            <a:contourClr>
+              <a:srgbClr val="FFFFFF"/>
+            </a:contourClr>
+          </a:sp3d>
+        </p:spPr>
+        <p:txBody>
+          <a:bodyPr wrap="square" rtlCol="0">
+            <a:noAutofit/>
+          </a:bodyPr>
+          <a:lstStyle/>
+          <a:p>
+            <a:r>
+              <a:rPr lang="en-SG" dirty="0" smtClean="0">
+                <a:solidFill>
+                  <a:schemeClr val="bg1"/>
+                </a:solidFill>
+              </a:rPr>
+              <a:t> 	</a:t>
+            </a:r>
+            <a:r>
+              <a:rPr lang="en-SG" sz="2800" dirty="0" smtClean="0">
+                <a:solidFill>
+                  <a:schemeClr val="bg1"/>
+                </a:solidFill>
+              </a:rPr>
+              <a:t>Upcoming</a:t>
+            </a:r>
+            <a:endParaRPr lang="en-SG" dirty="0">
+              <a:solidFill>
+                <a:schemeClr val="bg1"/>
+              </a:solidFill>
+            </a:endParaRPr>
+          </a:p>
+        </p:txBody>
+      </p:sp>
+    </p:spTree>
+    <p:extLst>
+      <p:ext uri="{BB962C8B-B14F-4D97-AF65-F5344CB8AC3E}">
+        <p14:creationId xmlns:p14="http://schemas.microsoft.com/office/powerpoint/2010/main" val="3887241630"/>
+      </p:ext>
+    </p:extLst>
+  </p:cSld>
+  <p:clrMapOvr>
+    <a:masterClrMapping/>
+  </p:clrMapOvr>
+</p:sld>
+</file>
+
+<file path=ppt/slides/slide3.xml><?xml version="1.0" encoding="utf-8"?>
+<p:sld xmlns:a="http://schemas.openxmlformats.org/drawingml/2006/main" xmlns:r="http://schemas.openxmlformats.org/officeDocument/2006/relationships" xmlns:p="http://schemas.openxmlformats.org/presentationml/2006/main">
+  <p:cSld>
+    <p:spTree>
+      <p:nvGrpSpPr>
+        <p:cNvPr id="1" name=""/>
+        <p:cNvGrpSpPr/>
+        <p:nvPr/>
+      </p:nvGrpSpPr>
+      <p:grpSpPr>
+        <a:xfrm>
+          <a:off x="0" y="0"/>
+          <a:ext cx="0" cy="0"/>
+          <a:chOff x="0" y="0"/>
+          <a:chExt cx="0" cy="0"/>
+        </a:xfrm>
+      </p:grpSpPr>
+      <p:grpSp>
+        <p:nvGrpSpPr>
+          <p:cNvPr id="5" name="Group 4"/>
+          <p:cNvGrpSpPr/>
+          <p:nvPr/>
+        </p:nvGrpSpPr>
+        <p:grpSpPr>
+          <a:xfrm>
+            <a:off x="2425004" y="4738069"/>
+            <a:ext cx="7274812" cy="1737360"/>
+            <a:chOff x="4101404" y="4832979"/>
+            <a:chExt cx="7745408" cy="1737360"/>
+          </a:xfrm>
+        </p:grpSpPr>
+        <p:sp>
+          <p:nvSpPr>
+            <p:cNvPr id="6" name="Rectangle 5"/>
+            <p:cNvSpPr/>
+            <p:nvPr/>
+          </p:nvSpPr>
+          <p:spPr>
+            <a:xfrm>
+              <a:off x="4101404" y="5960739"/>
+              <a:ext cx="7745408" cy="609600"/>
+            </a:xfrm>
+            <a:prstGeom prst="rect">
+              <a:avLst/>
+            </a:prstGeom>
+            <a:solidFill>
+              <a:schemeClr val="tx2">
+                <a:lumMod val="75000"/>
+              </a:schemeClr>
+            </a:solidFill>
+            <a:ln>
+              <a:noFill/>
+            </a:ln>
+            <a:effectLst>
+              <a:outerShdw blurRad="107950" dist="12700" dir="5400000" algn="ctr">
+                <a:srgbClr val="000000"/>
+              </a:outerShdw>
+            </a:effectLst>
+            <a:scene3d>
+              <a:camera prst="orthographicFront">
+                <a:rot lat="0" lon="0" rev="0"/>
+              </a:camera>
+              <a:lightRig rig="soft" dir="t">
+                <a:rot lat="0" lon="0" rev="0"/>
+              </a:lightRig>
+            </a:scene3d>
+            <a:sp3d contourW="44450" prstMaterial="matte">
+              <a:bevelT w="63500" h="63500" prst="artDeco"/>
+              <a:contourClr>
+                <a:srgbClr val="FFFFFF"/>
+              </a:contourClr>
+            </a:sp3d>
+          </p:spPr>
+          <p:style>
+            <a:lnRef idx="0">
+              <a:schemeClr val="accent5"/>
+            </a:lnRef>
+            <a:fillRef idx="1003">
+              <a:schemeClr val="dk2"/>
+            </a:fillRef>
+            <a:effectRef idx="3">
+              <a:schemeClr val="accent5"/>
+            </a:effectRef>
+            <a:fontRef idx="minor">
+              <a:schemeClr val="lt1"/>
+            </a:fontRef>
+          </p:style>
+          <p:txBody>
+            <a:bodyPr rtlCol="0" anchor="ctr"/>
+            <a:lstStyle/>
+            <a:p>
+              <a:r>
+                <a:rPr lang="en-SG" dirty="0" smtClean="0"/>
+                <a:t>&gt;&gt; </a:t>
+              </a:r>
+              <a:r>
+                <a:rPr lang="en-SG" dirty="0"/>
+                <a:t> </a:t>
+              </a:r>
+              <a:r>
+                <a:rPr lang="en-SG" dirty="0" smtClean="0"/>
+                <a:t>Redo</a:t>
+              </a:r>
+              <a:endParaRPr lang="en-SG" dirty="0"/>
+            </a:p>
+          </p:txBody>
+        </p:sp>
+        <p:sp>
+          <p:nvSpPr>
+            <p:cNvPr id="7" name="Rectangle 6"/>
+            <p:cNvSpPr/>
+            <p:nvPr/>
+          </p:nvSpPr>
+          <p:spPr>
+            <a:xfrm>
+              <a:off x="4101404" y="4832979"/>
+              <a:ext cx="7745408" cy="1127760"/>
+            </a:xfrm>
+            <a:prstGeom prst="rect">
+              <a:avLst/>
+            </a:prstGeom>
+            <a:solidFill>
+              <a:schemeClr val="tx2">
+                <a:lumMod val="40000"/>
+                <a:lumOff val="60000"/>
+              </a:schemeClr>
+            </a:solidFill>
+            <a:ln>
+              <a:noFill/>
+            </a:ln>
+            <a:effectLst>
+              <a:outerShdw blurRad="107950" dist="12700" dir="5400000" algn="ctr">
+                <a:srgbClr val="000000"/>
+              </a:outerShdw>
+            </a:effectLst>
+            <a:scene3d>
+              <a:camera prst="orthographicFront">
+                <a:rot lat="0" lon="0" rev="0"/>
+              </a:camera>
+              <a:lightRig rig="soft" dir="t">
+                <a:rot lat="0" lon="0" rev="0"/>
+              </a:lightRig>
+            </a:scene3d>
+            <a:sp3d contourW="44450" prstMaterial="matte">
+              <a:bevelT w="63500" h="63500" prst="artDeco"/>
+              <a:contourClr>
+                <a:srgbClr val="FFFFFF"/>
+              </a:contourClr>
+            </a:sp3d>
+          </p:spPr>
+          <p:style>
+            <a:lnRef idx="2">
+              <a:schemeClr val="accent1">
+                <a:shade val="50000"/>
+              </a:schemeClr>
+            </a:lnRef>
+            <a:fillRef idx="1">
+              <a:schemeClr val="accent1"/>
+            </a:fillRef>
+            <a:effectRef idx="0">
+              <a:schemeClr val="accent1"/>
+            </a:effectRef>
+            <a:fontRef idx="minor">
+              <a:schemeClr val="lt1"/>
+            </a:fontRef>
+          </p:style>
+          <p:txBody>
+            <a:bodyPr rtlCol="0" anchor="t" anchorCtr="0"/>
+            <a:lstStyle/>
+            <a:p>
+              <a:r>
+                <a:rPr lang="en-SG" sz="2400" dirty="0" smtClean="0">
+                  <a:solidFill>
+                    <a:schemeClr val="tx1"/>
+                  </a:solidFill>
+                </a:rPr>
+                <a:t>Your previous action delete 1 has been executed</a:t>
+              </a:r>
+              <a:endParaRPr lang="en-SG" dirty="0">
+                <a:solidFill>
+                  <a:schemeClr val="tx1"/>
+                </a:solidFill>
+              </a:endParaRPr>
+            </a:p>
+          </p:txBody>
+        </p:sp>
+      </p:grpSp>
+      <p:sp>
+        <p:nvSpPr>
+          <p:cNvPr id="8" name="Rectangle 7"/>
+          <p:cNvSpPr/>
+          <p:nvPr/>
+        </p:nvSpPr>
+        <p:spPr>
+          <a:xfrm>
+            <a:off x="2425004" y="0"/>
+            <a:ext cx="7274811" cy="581188"/>
+          </a:xfrm>
+          <a:prstGeom prst="rect">
+            <a:avLst/>
+          </a:prstGeom>
+          <a:solidFill>
+            <a:schemeClr val="tx1">
+              <a:lumMod val="65000"/>
+              <a:lumOff val="35000"/>
+            </a:schemeClr>
+          </a:solidFill>
+          <a:ln>
+            <a:noFill/>
+          </a:ln>
+          <a:effectLst>
+            <a:outerShdw blurRad="107950" dist="12700" dir="5400000" algn="ctr">
+              <a:srgbClr val="000000"/>
+            </a:outerShdw>
+          </a:effectLst>
+          <a:scene3d>
+            <a:camera prst="orthographicFront">
+              <a:rot lat="0" lon="0" rev="0"/>
+            </a:camera>
+            <a:lightRig rig="soft" dir="t">
+              <a:rot lat="0" lon="0" rev="0"/>
+            </a:lightRig>
+          </a:scene3d>
+          <a:sp3d contourW="44450" prstMaterial="matte">
+            <a:bevelT w="63500" h="63500" prst="artDeco"/>
+            <a:contourClr>
+              <a:srgbClr val="FFFFFF"/>
+            </a:contourClr>
+          </a:sp3d>
+        </p:spPr>
+        <p:style>
+          <a:lnRef idx="2">
+            <a:schemeClr val="accent1">
+              <a:shade val="50000"/>
+            </a:schemeClr>
+          </a:lnRef>
+          <a:fillRef idx="1">
+            <a:schemeClr val="accent1"/>
+          </a:fillRef>
+          <a:effectRef idx="0">
+            <a:schemeClr val="accent1"/>
+          </a:effectRef>
+          <a:fontRef idx="minor">
+            <a:schemeClr val="lt1"/>
+          </a:fontRef>
+        </p:style>
+        <p:txBody>
+          <a:bodyPr rtlCol="0" anchor="ctr"/>
+          <a:lstStyle/>
+          <a:p>
+            <a:pPr algn="ctr"/>
+            <a:r>
+              <a:rPr lang="en-SG" sz="2800" dirty="0" err="1" smtClean="0">
+                <a:latin typeface="Comic Sans MS" panose="030F0702030302020204" pitchFamily="66" charset="0"/>
+                <a:cs typeface="Segoe UI Semibold" panose="020B0702040204020203" pitchFamily="34" charset="0"/>
+              </a:rPr>
+              <a:t>SmartyDo</a:t>
+            </a:r>
+            <a:endParaRPr lang="en-SG" sz="2800" dirty="0">
+              <a:latin typeface="Comic Sans MS" panose="030F0702030302020204" pitchFamily="66" charset="0"/>
+              <a:cs typeface="Segoe UI Semibold" panose="020B0702040204020203" pitchFamily="34" charset="0"/>
+            </a:endParaRPr>
+          </a:p>
+        </p:txBody>
+      </p:sp>
+      <p:pic>
+        <p:nvPicPr>
+          <p:cNvPr id="9" name="Picture 8"/>
+          <p:cNvPicPr>
+            <a:picLocks noChangeAspect="1"/>
+          </p:cNvPicPr>
+          <p:nvPr/>
+        </p:nvPicPr>
+        <p:blipFill>
+          <a:blip r:embed="rId2"/>
+          <a:stretch>
+            <a:fillRect/>
+          </a:stretch>
+        </p:blipFill>
+        <p:spPr>
+          <a:xfrm>
+            <a:off x="2425003" y="602146"/>
+            <a:ext cx="4006647" cy="4114964"/>
+          </a:xfrm>
+          <a:prstGeom prst="rect">
+            <a:avLst/>
+          </a:prstGeom>
+          <a:ln>
+            <a:noFill/>
+          </a:ln>
+          <a:effectLst>
+            <a:outerShdw blurRad="107950" dist="12700" dir="5400000" algn="ctr">
+              <a:srgbClr val="000000"/>
+            </a:outerShdw>
+          </a:effectLst>
+          <a:scene3d>
+            <a:camera prst="orthographicFront">
+              <a:rot lat="0" lon="0" rev="0"/>
+            </a:camera>
+            <a:lightRig rig="soft" dir="t">
+              <a:rot lat="0" lon="0" rev="0"/>
+            </a:lightRig>
+          </a:scene3d>
+          <a:sp3d contourW="44450" prstMaterial="matte">
+            <a:bevelT w="63500" h="63500" prst="artDeco"/>
+            <a:contourClr>
+              <a:srgbClr val="FFFFFF"/>
+            </a:contourClr>
+          </a:sp3d>
+        </p:spPr>
+      </p:pic>
+      <p:sp>
+        <p:nvSpPr>
+          <p:cNvPr id="10" name="TextBox 9"/>
+          <p:cNvSpPr txBox="1">
+            <a:spLocks noChangeAspect="1"/>
+          </p:cNvSpPr>
+          <p:nvPr/>
+        </p:nvSpPr>
+        <p:spPr>
+          <a:xfrm>
+            <a:off x="6497752" y="623103"/>
+            <a:ext cx="3202063" cy="4114966"/>
+          </a:xfrm>
+          <a:prstGeom prst="rect">
+            <a:avLst/>
+          </a:prstGeom>
+          <a:solidFill>
+            <a:schemeClr val="tx1">
+              <a:lumMod val="65000"/>
+              <a:lumOff val="35000"/>
+            </a:schemeClr>
+          </a:solidFill>
+          <a:ln>
+            <a:noFill/>
+          </a:ln>
+          <a:effectLst>
+            <a:outerShdw blurRad="107950" dist="12700" dir="5400000" algn="ctr">
+              <a:srgbClr val="000000"/>
+            </a:outerShdw>
+          </a:effectLst>
+          <a:scene3d>
+            <a:camera prst="orthographicFront">
+              <a:rot lat="0" lon="0" rev="0"/>
+            </a:camera>
+            <a:lightRig rig="soft" dir="t">
+              <a:rot lat="0" lon="0" rev="0"/>
+            </a:lightRig>
+          </a:scene3d>
+          <a:sp3d contourW="44450" prstMaterial="matte">
+            <a:bevelT w="63500" h="63500" prst="artDeco"/>
+            <a:contourClr>
+              <a:srgbClr val="FFFFFF"/>
+            </a:contourClr>
+          </a:sp3d>
+        </p:spPr>
+        <p:txBody>
+          <a:bodyPr wrap="square" rtlCol="0">
+            <a:noAutofit/>
+          </a:bodyPr>
+          <a:lstStyle/>
+          <a:p>
+            <a:pPr algn="ctr"/>
+            <a:r>
+              <a:rPr lang="en-SG" sz="2800" dirty="0" smtClean="0">
+                <a:solidFill>
+                  <a:schemeClr val="bg1"/>
+                </a:solidFill>
+              </a:rPr>
+              <a:t>Upcoming</a:t>
+            </a:r>
+            <a:endParaRPr lang="en-SG" dirty="0">
+              <a:solidFill>
+                <a:schemeClr val="bg1"/>
+              </a:solidFill>
+            </a:endParaRPr>
+          </a:p>
+        </p:txBody>
+      </p:sp>
+    </p:spTree>
+    <p:extLst>
+      <p:ext uri="{BB962C8B-B14F-4D97-AF65-F5344CB8AC3E}">
+        <p14:creationId xmlns:p14="http://schemas.microsoft.com/office/powerpoint/2010/main" val="3087067415"/>
+      </p:ext>
+    </p:extLst>
+  </p:cSld>
+  <p:clrMapOvr>
+    <a:masterClrMapping/>
+  </p:clrMapOvr>
+</p:sld>
+</file>
+
 <file path=ppt/theme/theme1.xml><?xml version="1.0" encoding="utf-8"?>
 <a:theme xmlns:a="http://schemas.openxmlformats.org/drawingml/2006/main" name="Office Theme">
   <a:themeElements>

--- a/docs/diagrams/UserGuide Drawings.pptx
+++ b/docs/diagrams/UserGuide Drawings.pptx
@@ -4,10 +4,21 @@
   <p:sldMasterIdLst>
     <p:sldMasterId id="2147483648" r:id="rId1"/>
   </p:sldMasterIdLst>
+  <p:notesMasterIdLst>
+    <p:notesMasterId r:id="rId13"/>
+  </p:notesMasterIdLst>
   <p:sldIdLst>
     <p:sldId id="256" r:id="rId2"/>
     <p:sldId id="257" r:id="rId3"/>
     <p:sldId id="258" r:id="rId4"/>
+    <p:sldId id="259" r:id="rId5"/>
+    <p:sldId id="260" r:id="rId6"/>
+    <p:sldId id="261" r:id="rId7"/>
+    <p:sldId id="262" r:id="rId8"/>
+    <p:sldId id="263" r:id="rId9"/>
+    <p:sldId id="264" r:id="rId10"/>
+    <p:sldId id="265" r:id="rId11"/>
+    <p:sldId id="266" r:id="rId12"/>
   </p:sldIdLst>
   <p:sldSz cx="12192000" cy="6858000"/>
   <p:notesSz cx="6858000" cy="9144000"/>
@@ -114,6 +125,753 @@
 </p:presentation>
 </file>
 
+<file path=ppt/notesMasters/notesMaster1.xml><?xml version="1.0" encoding="utf-8"?>
+<p:notesMaster xmlns:a="http://schemas.openxmlformats.org/drawingml/2006/main" xmlns:r="http://schemas.openxmlformats.org/officeDocument/2006/relationships" xmlns:p="http://schemas.openxmlformats.org/presentationml/2006/main">
+  <p:cSld>
+    <p:bg>
+      <p:bgRef idx="1001">
+        <a:schemeClr val="bg1"/>
+      </p:bgRef>
+    </p:bg>
+    <p:spTree>
+      <p:nvGrpSpPr>
+        <p:cNvPr id="1" name=""/>
+        <p:cNvGrpSpPr/>
+        <p:nvPr/>
+      </p:nvGrpSpPr>
+      <p:grpSpPr>
+        <a:xfrm>
+          <a:off x="0" y="0"/>
+          <a:ext cx="0" cy="0"/>
+          <a:chOff x="0" y="0"/>
+          <a:chExt cx="0" cy="0"/>
+        </a:xfrm>
+      </p:grpSpPr>
+      <p:sp>
+        <p:nvSpPr>
+          <p:cNvPr id="2" name="Header Placeholder 1"/>
+          <p:cNvSpPr>
+            <a:spLocks noGrp="1"/>
+          </p:cNvSpPr>
+          <p:nvPr>
+            <p:ph type="hdr" sz="quarter"/>
+          </p:nvPr>
+        </p:nvSpPr>
+        <p:spPr>
+          <a:xfrm>
+            <a:off x="0" y="0"/>
+            <a:ext cx="2971800" cy="458788"/>
+          </a:xfrm>
+          <a:prstGeom prst="rect">
+            <a:avLst/>
+          </a:prstGeom>
+        </p:spPr>
+        <p:txBody>
+          <a:bodyPr vert="horz" lIns="91440" tIns="45720" rIns="91440" bIns="45720" rtlCol="0"/>
+          <a:lstStyle>
+            <a:lvl1pPr algn="l">
+              <a:defRPr sz="1200"/>
+            </a:lvl1pPr>
+          </a:lstStyle>
+          <a:p>
+            <a:endParaRPr lang="en-SG"/>
+          </a:p>
+        </p:txBody>
+      </p:sp>
+      <p:sp>
+        <p:nvSpPr>
+          <p:cNvPr id="3" name="Date Placeholder 2"/>
+          <p:cNvSpPr>
+            <a:spLocks noGrp="1"/>
+          </p:cNvSpPr>
+          <p:nvPr>
+            <p:ph type="dt" idx="1"/>
+          </p:nvPr>
+        </p:nvSpPr>
+        <p:spPr>
+          <a:xfrm>
+            <a:off x="3884613" y="0"/>
+            <a:ext cx="2971800" cy="458788"/>
+          </a:xfrm>
+          <a:prstGeom prst="rect">
+            <a:avLst/>
+          </a:prstGeom>
+        </p:spPr>
+        <p:txBody>
+          <a:bodyPr vert="horz" lIns="91440" tIns="45720" rIns="91440" bIns="45720" rtlCol="0"/>
+          <a:lstStyle>
+            <a:lvl1pPr algn="r">
+              <a:defRPr sz="1200"/>
+            </a:lvl1pPr>
+          </a:lstStyle>
+          <a:p>
+            <a:fld id="{EA886368-25C7-45BA-8F27-139A1E58B4EB}" type="datetimeFigureOut">
+              <a:rPr lang="en-SG" smtClean="0"/>
+              <a:t>9/10/2016</a:t>
+            </a:fld>
+            <a:endParaRPr lang="en-SG"/>
+          </a:p>
+        </p:txBody>
+      </p:sp>
+      <p:sp>
+        <p:nvSpPr>
+          <p:cNvPr id="4" name="Slide Image Placeholder 3"/>
+          <p:cNvSpPr>
+            <a:spLocks noGrp="1" noRot="1" noChangeAspect="1"/>
+          </p:cNvSpPr>
+          <p:nvPr>
+            <p:ph type="sldImg" idx="2"/>
+          </p:nvPr>
+        </p:nvSpPr>
+        <p:spPr>
+          <a:xfrm>
+            <a:off x="685800" y="1143000"/>
+            <a:ext cx="5486400" cy="3086100"/>
+          </a:xfrm>
+          <a:prstGeom prst="rect">
+            <a:avLst/>
+          </a:prstGeom>
+          <a:noFill/>
+          <a:ln w="12700">
+            <a:solidFill>
+              <a:prstClr val="black"/>
+            </a:solidFill>
+          </a:ln>
+        </p:spPr>
+        <p:txBody>
+          <a:bodyPr vert="horz" lIns="91440" tIns="45720" rIns="91440" bIns="45720" rtlCol="0" anchor="ctr"/>
+          <a:lstStyle/>
+          <a:p>
+            <a:endParaRPr lang="en-SG"/>
+          </a:p>
+        </p:txBody>
+      </p:sp>
+      <p:sp>
+        <p:nvSpPr>
+          <p:cNvPr id="5" name="Notes Placeholder 4"/>
+          <p:cNvSpPr>
+            <a:spLocks noGrp="1"/>
+          </p:cNvSpPr>
+          <p:nvPr>
+            <p:ph type="body" sz="quarter" idx="3"/>
+          </p:nvPr>
+        </p:nvSpPr>
+        <p:spPr>
+          <a:xfrm>
+            <a:off x="685800" y="4400550"/>
+            <a:ext cx="5486400" cy="3600450"/>
+          </a:xfrm>
+          <a:prstGeom prst="rect">
+            <a:avLst/>
+          </a:prstGeom>
+        </p:spPr>
+        <p:txBody>
+          <a:bodyPr vert="horz" lIns="91440" tIns="45720" rIns="91440" bIns="45720" rtlCol="0"/>
+          <a:lstStyle/>
+          <a:p>
+            <a:pPr lvl="0"/>
+            <a:r>
+              <a:rPr lang="en-US" smtClean="0"/>
+              <a:t>Click to edit Master text styles</a:t>
+            </a:r>
+          </a:p>
+          <a:p>
+            <a:pPr lvl="1"/>
+            <a:r>
+              <a:rPr lang="en-US" smtClean="0"/>
+              <a:t>Second level</a:t>
+            </a:r>
+          </a:p>
+          <a:p>
+            <a:pPr lvl="2"/>
+            <a:r>
+              <a:rPr lang="en-US" smtClean="0"/>
+              <a:t>Third level</a:t>
+            </a:r>
+          </a:p>
+          <a:p>
+            <a:pPr lvl="3"/>
+            <a:r>
+              <a:rPr lang="en-US" smtClean="0"/>
+              <a:t>Fourth level</a:t>
+            </a:r>
+          </a:p>
+          <a:p>
+            <a:pPr lvl="4"/>
+            <a:r>
+              <a:rPr lang="en-US" smtClean="0"/>
+              <a:t>Fifth level</a:t>
+            </a:r>
+            <a:endParaRPr lang="en-SG"/>
+          </a:p>
+        </p:txBody>
+      </p:sp>
+      <p:sp>
+        <p:nvSpPr>
+          <p:cNvPr id="6" name="Footer Placeholder 5"/>
+          <p:cNvSpPr>
+            <a:spLocks noGrp="1"/>
+          </p:cNvSpPr>
+          <p:nvPr>
+            <p:ph type="ftr" sz="quarter" idx="4"/>
+          </p:nvPr>
+        </p:nvSpPr>
+        <p:spPr>
+          <a:xfrm>
+            <a:off x="0" y="8685213"/>
+            <a:ext cx="2971800" cy="458787"/>
+          </a:xfrm>
+          <a:prstGeom prst="rect">
+            <a:avLst/>
+          </a:prstGeom>
+        </p:spPr>
+        <p:txBody>
+          <a:bodyPr vert="horz" lIns="91440" tIns="45720" rIns="91440" bIns="45720" rtlCol="0" anchor="b"/>
+          <a:lstStyle>
+            <a:lvl1pPr algn="l">
+              <a:defRPr sz="1200"/>
+            </a:lvl1pPr>
+          </a:lstStyle>
+          <a:p>
+            <a:endParaRPr lang="en-SG"/>
+          </a:p>
+        </p:txBody>
+      </p:sp>
+      <p:sp>
+        <p:nvSpPr>
+          <p:cNvPr id="7" name="Slide Number Placeholder 6"/>
+          <p:cNvSpPr>
+            <a:spLocks noGrp="1"/>
+          </p:cNvSpPr>
+          <p:nvPr>
+            <p:ph type="sldNum" sz="quarter" idx="5"/>
+          </p:nvPr>
+        </p:nvSpPr>
+        <p:spPr>
+          <a:xfrm>
+            <a:off x="3884613" y="8685213"/>
+            <a:ext cx="2971800" cy="458787"/>
+          </a:xfrm>
+          <a:prstGeom prst="rect">
+            <a:avLst/>
+          </a:prstGeom>
+        </p:spPr>
+        <p:txBody>
+          <a:bodyPr vert="horz" lIns="91440" tIns="45720" rIns="91440" bIns="45720" rtlCol="0" anchor="b"/>
+          <a:lstStyle>
+            <a:lvl1pPr algn="r">
+              <a:defRPr sz="1200"/>
+            </a:lvl1pPr>
+          </a:lstStyle>
+          <a:p>
+            <a:fld id="{F91EA2FC-DCD1-4420-94B6-165CDE672F66}" type="slidenum">
+              <a:rPr lang="en-SG" smtClean="0"/>
+              <a:t>‹#›</a:t>
+            </a:fld>
+            <a:endParaRPr lang="en-SG"/>
+          </a:p>
+        </p:txBody>
+      </p:sp>
+    </p:spTree>
+    <p:extLst>
+      <p:ext uri="{BB962C8B-B14F-4D97-AF65-F5344CB8AC3E}">
+        <p14:creationId xmlns:p14="http://schemas.microsoft.com/office/powerpoint/2010/main" val="1483054703"/>
+      </p:ext>
+    </p:extLst>
+  </p:cSld>
+  <p:clrMap bg1="lt1" tx1="dk1" bg2="lt2" tx2="dk2" accent1="accent1" accent2="accent2" accent3="accent3" accent4="accent4" accent5="accent5" accent6="accent6" hlink="hlink" folHlink="folHlink"/>
+  <p:notesStyle>
+    <a:lvl1pPr marL="0" algn="l" defTabSz="914400" rtl="0" eaLnBrk="1" latinLnBrk="0" hangingPunct="1">
+      <a:defRPr sz="1200" kern="1200">
+        <a:solidFill>
+          <a:schemeClr val="tx1"/>
+        </a:solidFill>
+        <a:latin typeface="+mn-lt"/>
+        <a:ea typeface="+mn-ea"/>
+        <a:cs typeface="+mn-cs"/>
+      </a:defRPr>
+    </a:lvl1pPr>
+    <a:lvl2pPr marL="457200" algn="l" defTabSz="914400" rtl="0" eaLnBrk="1" latinLnBrk="0" hangingPunct="1">
+      <a:defRPr sz="1200" kern="1200">
+        <a:solidFill>
+          <a:schemeClr val="tx1"/>
+        </a:solidFill>
+        <a:latin typeface="+mn-lt"/>
+        <a:ea typeface="+mn-ea"/>
+        <a:cs typeface="+mn-cs"/>
+      </a:defRPr>
+    </a:lvl2pPr>
+    <a:lvl3pPr marL="914400" algn="l" defTabSz="914400" rtl="0" eaLnBrk="1" latinLnBrk="0" hangingPunct="1">
+      <a:defRPr sz="1200" kern="1200">
+        <a:solidFill>
+          <a:schemeClr val="tx1"/>
+        </a:solidFill>
+        <a:latin typeface="+mn-lt"/>
+        <a:ea typeface="+mn-ea"/>
+        <a:cs typeface="+mn-cs"/>
+      </a:defRPr>
+    </a:lvl3pPr>
+    <a:lvl4pPr marL="1371600" algn="l" defTabSz="914400" rtl="0" eaLnBrk="1" latinLnBrk="0" hangingPunct="1">
+      <a:defRPr sz="1200" kern="1200">
+        <a:solidFill>
+          <a:schemeClr val="tx1"/>
+        </a:solidFill>
+        <a:latin typeface="+mn-lt"/>
+        <a:ea typeface="+mn-ea"/>
+        <a:cs typeface="+mn-cs"/>
+      </a:defRPr>
+    </a:lvl4pPr>
+    <a:lvl5pPr marL="1828800" algn="l" defTabSz="914400" rtl="0" eaLnBrk="1" latinLnBrk="0" hangingPunct="1">
+      <a:defRPr sz="1200" kern="1200">
+        <a:solidFill>
+          <a:schemeClr val="tx1"/>
+        </a:solidFill>
+        <a:latin typeface="+mn-lt"/>
+        <a:ea typeface="+mn-ea"/>
+        <a:cs typeface="+mn-cs"/>
+      </a:defRPr>
+    </a:lvl5pPr>
+    <a:lvl6pPr marL="2286000" algn="l" defTabSz="914400" rtl="0" eaLnBrk="1" latinLnBrk="0" hangingPunct="1">
+      <a:defRPr sz="1200" kern="1200">
+        <a:solidFill>
+          <a:schemeClr val="tx1"/>
+        </a:solidFill>
+        <a:latin typeface="+mn-lt"/>
+        <a:ea typeface="+mn-ea"/>
+        <a:cs typeface="+mn-cs"/>
+      </a:defRPr>
+    </a:lvl6pPr>
+    <a:lvl7pPr marL="2743200" algn="l" defTabSz="914400" rtl="0" eaLnBrk="1" latinLnBrk="0" hangingPunct="1">
+      <a:defRPr sz="1200" kern="1200">
+        <a:solidFill>
+          <a:schemeClr val="tx1"/>
+        </a:solidFill>
+        <a:latin typeface="+mn-lt"/>
+        <a:ea typeface="+mn-ea"/>
+        <a:cs typeface="+mn-cs"/>
+      </a:defRPr>
+    </a:lvl7pPr>
+    <a:lvl8pPr marL="3200400" algn="l" defTabSz="914400" rtl="0" eaLnBrk="1" latinLnBrk="0" hangingPunct="1">
+      <a:defRPr sz="1200" kern="1200">
+        <a:solidFill>
+          <a:schemeClr val="tx1"/>
+        </a:solidFill>
+        <a:latin typeface="+mn-lt"/>
+        <a:ea typeface="+mn-ea"/>
+        <a:cs typeface="+mn-cs"/>
+      </a:defRPr>
+    </a:lvl8pPr>
+    <a:lvl9pPr marL="3657600" algn="l" defTabSz="914400" rtl="0" eaLnBrk="1" latinLnBrk="0" hangingPunct="1">
+      <a:defRPr sz="1200" kern="1200">
+        <a:solidFill>
+          <a:schemeClr val="tx1"/>
+        </a:solidFill>
+        <a:latin typeface="+mn-lt"/>
+        <a:ea typeface="+mn-ea"/>
+        <a:cs typeface="+mn-cs"/>
+      </a:defRPr>
+    </a:lvl9pPr>
+  </p:notesStyle>
+</p:notesMaster>
+</file>
+
+<file path=ppt/notesSlides/notesSlide1.xml><?xml version="1.0" encoding="utf-8"?>
+<p:notes xmlns:a="http://schemas.openxmlformats.org/drawingml/2006/main" xmlns:r="http://schemas.openxmlformats.org/officeDocument/2006/relationships" xmlns:p="http://schemas.openxmlformats.org/presentationml/2006/main">
+  <p:cSld>
+    <p:spTree>
+      <p:nvGrpSpPr>
+        <p:cNvPr id="1" name=""/>
+        <p:cNvGrpSpPr/>
+        <p:nvPr/>
+      </p:nvGrpSpPr>
+      <p:grpSpPr>
+        <a:xfrm>
+          <a:off x="0" y="0"/>
+          <a:ext cx="0" cy="0"/>
+          <a:chOff x="0" y="0"/>
+          <a:chExt cx="0" cy="0"/>
+        </a:xfrm>
+      </p:grpSpPr>
+      <p:sp>
+        <p:nvSpPr>
+          <p:cNvPr id="2" name="Slide Image Placeholder 1"/>
+          <p:cNvSpPr>
+            <a:spLocks noGrp="1" noRot="1" noChangeAspect="1"/>
+          </p:cNvSpPr>
+          <p:nvPr>
+            <p:ph type="sldImg"/>
+          </p:nvPr>
+        </p:nvSpPr>
+        <p:spPr/>
+      </p:sp>
+      <p:sp>
+        <p:nvSpPr>
+          <p:cNvPr id="3" name="Notes Placeholder 2"/>
+          <p:cNvSpPr>
+            <a:spLocks noGrp="1"/>
+          </p:cNvSpPr>
+          <p:nvPr>
+            <p:ph type="body" idx="1"/>
+          </p:nvPr>
+        </p:nvSpPr>
+        <p:spPr/>
+        <p:txBody>
+          <a:bodyPr/>
+          <a:lstStyle/>
+          <a:p>
+            <a:r>
+              <a:rPr lang="en-SG" dirty="0" err="1" smtClean="0"/>
+              <a:t>rgb</a:t>
+            </a:r>
+            <a:r>
+              <a:rPr lang="en-SG" dirty="0" smtClean="0"/>
+              <a:t>(94,53,177)</a:t>
+            </a:r>
+          </a:p>
+          <a:p>
+            <a:endParaRPr lang="en-SG" dirty="0" smtClean="0"/>
+          </a:p>
+          <a:p>
+            <a:r>
+              <a:rPr lang="en-SG" dirty="0" err="1" smtClean="0"/>
+              <a:t>rgb</a:t>
+            </a:r>
+            <a:r>
+              <a:rPr lang="en-SG" dirty="0" smtClean="0"/>
+              <a:t>(63,81,181)</a:t>
+            </a:r>
+          </a:p>
+          <a:p>
+            <a:r>
+              <a:rPr lang="en-SG" dirty="0" err="1" smtClean="0"/>
+              <a:t>rgb</a:t>
+            </a:r>
+            <a:r>
+              <a:rPr lang="en-SG" dirty="0" smtClean="0"/>
+              <a:t>(57,73,171)</a:t>
+            </a:r>
+            <a:br>
+              <a:rPr lang="en-SG" dirty="0" smtClean="0"/>
+            </a:br>
+            <a:r>
+              <a:rPr lang="en-SG" dirty="0" err="1" smtClean="0"/>
+              <a:t>rgb</a:t>
+            </a:r>
+            <a:r>
+              <a:rPr lang="en-SG" dirty="0" smtClean="0"/>
+              <a:t>(48,63,159)- upcoming 2</a:t>
+            </a:r>
+          </a:p>
+          <a:p>
+            <a:endParaRPr lang="en-SG" dirty="0" smtClean="0"/>
+          </a:p>
+          <a:p>
+            <a:r>
+              <a:rPr lang="en-SG" dirty="0" err="1" smtClean="0"/>
+              <a:t>Rgb</a:t>
+            </a:r>
+            <a:r>
+              <a:rPr lang="en-SG" dirty="0" smtClean="0"/>
+              <a:t>(238,238,238) – calendar text</a:t>
+            </a:r>
+          </a:p>
+          <a:p>
+            <a:r>
+              <a:rPr lang="en-SG" dirty="0" err="1" smtClean="0"/>
+              <a:t>rgb</a:t>
+            </a:r>
+            <a:r>
+              <a:rPr lang="en-SG" dirty="0" smtClean="0"/>
+              <a:t>(255,196,0) –highlight date</a:t>
+            </a:r>
+          </a:p>
+          <a:p>
+            <a:endParaRPr lang="en-SG" dirty="0" smtClean="0"/>
+          </a:p>
+          <a:p>
+            <a:r>
+              <a:rPr lang="en-SG" dirty="0" smtClean="0"/>
+              <a:t>179,157,219-calendar latest</a:t>
+            </a:r>
+          </a:p>
+          <a:p>
+            <a:endParaRPr lang="en-SG" dirty="0" smtClean="0"/>
+          </a:p>
+          <a:p>
+            <a:r>
+              <a:rPr lang="en-SG" dirty="0" err="1" smtClean="0"/>
+              <a:t>rgb</a:t>
+            </a:r>
+            <a:r>
+              <a:rPr lang="en-SG" dirty="0" smtClean="0"/>
+              <a:t>(57,73,171)</a:t>
+            </a:r>
+          </a:p>
+          <a:p>
+            <a:r>
+              <a:rPr lang="en-SG" dirty="0" smtClean="0"/>
+              <a:t>=================</a:t>
+            </a:r>
+          </a:p>
+          <a:p>
+            <a:r>
+              <a:rPr lang="en-SG" dirty="0" err="1" smtClean="0"/>
+              <a:t>rgb</a:t>
+            </a:r>
+            <a:r>
+              <a:rPr lang="en-SG" dirty="0" smtClean="0"/>
+              <a:t>(69,39,160) top bot</a:t>
+            </a:r>
+          </a:p>
+          <a:p>
+            <a:r>
+              <a:rPr lang="en-SG" dirty="0" err="1" smtClean="0"/>
+              <a:t>rgb</a:t>
+            </a:r>
+            <a:r>
+              <a:rPr lang="en-SG" dirty="0" smtClean="0"/>
+              <a:t>(179,157,219) message</a:t>
+            </a:r>
+          </a:p>
+          <a:p>
+            <a:r>
+              <a:rPr lang="en-SG" dirty="0" err="1" smtClean="0"/>
+              <a:t>Rgb</a:t>
+            </a:r>
+            <a:r>
+              <a:rPr lang="en-SG" dirty="0" smtClean="0"/>
+              <a:t>(94,53,177)-right</a:t>
+            </a:r>
+          </a:p>
+          <a:p>
+            <a:r>
+              <a:rPr lang="en-SG" dirty="0" err="1" smtClean="0"/>
+              <a:t>rgb</a:t>
+            </a:r>
+            <a:r>
+              <a:rPr lang="en-SG" dirty="0" smtClean="0"/>
+              <a:t>(98,0,234)– calendar highlight</a:t>
+            </a:r>
+          </a:p>
+          <a:p>
+            <a:r>
+              <a:rPr lang="en-SG" dirty="0" err="1" smtClean="0"/>
+              <a:t>rgb</a:t>
+            </a:r>
+            <a:r>
+              <a:rPr lang="en-SG" dirty="0" smtClean="0"/>
+              <a:t>(126,87,194) left</a:t>
+            </a:r>
+          </a:p>
+          <a:p>
+            <a:endParaRPr lang="en-SG" dirty="0"/>
+          </a:p>
+        </p:txBody>
+      </p:sp>
+      <p:sp>
+        <p:nvSpPr>
+          <p:cNvPr id="4" name="Slide Number Placeholder 3"/>
+          <p:cNvSpPr>
+            <a:spLocks noGrp="1"/>
+          </p:cNvSpPr>
+          <p:nvPr>
+            <p:ph type="sldNum" sz="quarter" idx="10"/>
+          </p:nvPr>
+        </p:nvSpPr>
+        <p:spPr/>
+        <p:txBody>
+          <a:bodyPr/>
+          <a:lstStyle/>
+          <a:p>
+            <a:fld id="{F91EA2FC-DCD1-4420-94B6-165CDE672F66}" type="slidenum">
+              <a:rPr lang="en-SG" smtClean="0"/>
+              <a:t>4</a:t>
+            </a:fld>
+            <a:endParaRPr lang="en-SG"/>
+          </a:p>
+        </p:txBody>
+      </p:sp>
+    </p:spTree>
+    <p:extLst>
+      <p:ext uri="{BB962C8B-B14F-4D97-AF65-F5344CB8AC3E}">
+        <p14:creationId xmlns:p14="http://schemas.microsoft.com/office/powerpoint/2010/main" val="240093900"/>
+      </p:ext>
+    </p:extLst>
+  </p:cSld>
+  <p:clrMapOvr>
+    <a:masterClrMapping/>
+  </p:clrMapOvr>
+</p:notes>
+</file>
+
+<file path=ppt/notesSlides/notesSlide2.xml><?xml version="1.0" encoding="utf-8"?>
+<p:notes xmlns:a="http://schemas.openxmlformats.org/drawingml/2006/main" xmlns:r="http://schemas.openxmlformats.org/officeDocument/2006/relationships" xmlns:p="http://schemas.openxmlformats.org/presentationml/2006/main">
+  <p:cSld>
+    <p:spTree>
+      <p:nvGrpSpPr>
+        <p:cNvPr id="1" name=""/>
+        <p:cNvGrpSpPr/>
+        <p:nvPr/>
+      </p:nvGrpSpPr>
+      <p:grpSpPr>
+        <a:xfrm>
+          <a:off x="0" y="0"/>
+          <a:ext cx="0" cy="0"/>
+          <a:chOff x="0" y="0"/>
+          <a:chExt cx="0" cy="0"/>
+        </a:xfrm>
+      </p:grpSpPr>
+      <p:sp>
+        <p:nvSpPr>
+          <p:cNvPr id="2" name="Slide Image Placeholder 1"/>
+          <p:cNvSpPr>
+            <a:spLocks noGrp="1" noRot="1" noChangeAspect="1"/>
+          </p:cNvSpPr>
+          <p:nvPr>
+            <p:ph type="sldImg"/>
+          </p:nvPr>
+        </p:nvSpPr>
+        <p:spPr/>
+      </p:sp>
+      <p:sp>
+        <p:nvSpPr>
+          <p:cNvPr id="3" name="Notes Placeholder 2"/>
+          <p:cNvSpPr>
+            <a:spLocks noGrp="1"/>
+          </p:cNvSpPr>
+          <p:nvPr>
+            <p:ph type="body" idx="1"/>
+          </p:nvPr>
+        </p:nvSpPr>
+        <p:spPr/>
+        <p:txBody>
+          <a:bodyPr/>
+          <a:lstStyle/>
+          <a:p>
+            <a:endParaRPr lang="en-SG" dirty="0"/>
+          </a:p>
+        </p:txBody>
+      </p:sp>
+      <p:sp>
+        <p:nvSpPr>
+          <p:cNvPr id="4" name="Slide Number Placeholder 3"/>
+          <p:cNvSpPr>
+            <a:spLocks noGrp="1"/>
+          </p:cNvSpPr>
+          <p:nvPr>
+            <p:ph type="sldNum" sz="quarter" idx="10"/>
+          </p:nvPr>
+        </p:nvSpPr>
+        <p:spPr/>
+        <p:txBody>
+          <a:bodyPr/>
+          <a:lstStyle/>
+          <a:p>
+            <a:fld id="{F91EA2FC-DCD1-4420-94B6-165CDE672F66}" type="slidenum">
+              <a:rPr lang="en-SG" smtClean="0"/>
+              <a:t>5</a:t>
+            </a:fld>
+            <a:endParaRPr lang="en-SG"/>
+          </a:p>
+        </p:txBody>
+      </p:sp>
+    </p:spTree>
+    <p:extLst>
+      <p:ext uri="{BB962C8B-B14F-4D97-AF65-F5344CB8AC3E}">
+        <p14:creationId xmlns:p14="http://schemas.microsoft.com/office/powerpoint/2010/main" val="3047208325"/>
+      </p:ext>
+    </p:extLst>
+  </p:cSld>
+  <p:clrMapOvr>
+    <a:masterClrMapping/>
+  </p:clrMapOvr>
+</p:notes>
+</file>
+
+<file path=ppt/notesSlides/notesSlide3.xml><?xml version="1.0" encoding="utf-8"?>
+<p:notes xmlns:a="http://schemas.openxmlformats.org/drawingml/2006/main" xmlns:r="http://schemas.openxmlformats.org/officeDocument/2006/relationships" xmlns:p="http://schemas.openxmlformats.org/presentationml/2006/main">
+  <p:cSld>
+    <p:spTree>
+      <p:nvGrpSpPr>
+        <p:cNvPr id="1" name=""/>
+        <p:cNvGrpSpPr/>
+        <p:nvPr/>
+      </p:nvGrpSpPr>
+      <p:grpSpPr>
+        <a:xfrm>
+          <a:off x="0" y="0"/>
+          <a:ext cx="0" cy="0"/>
+          <a:chOff x="0" y="0"/>
+          <a:chExt cx="0" cy="0"/>
+        </a:xfrm>
+      </p:grpSpPr>
+      <p:sp>
+        <p:nvSpPr>
+          <p:cNvPr id="2" name="Slide Image Placeholder 1"/>
+          <p:cNvSpPr>
+            <a:spLocks noGrp="1" noRot="1" noChangeAspect="1"/>
+          </p:cNvSpPr>
+          <p:nvPr>
+            <p:ph type="sldImg"/>
+          </p:nvPr>
+        </p:nvSpPr>
+        <p:spPr/>
+      </p:sp>
+      <p:sp>
+        <p:nvSpPr>
+          <p:cNvPr id="3" name="Notes Placeholder 2"/>
+          <p:cNvSpPr>
+            <a:spLocks noGrp="1"/>
+          </p:cNvSpPr>
+          <p:nvPr>
+            <p:ph type="body" idx="1"/>
+          </p:nvPr>
+        </p:nvSpPr>
+        <p:spPr/>
+        <p:txBody>
+          <a:bodyPr/>
+          <a:lstStyle/>
+          <a:p>
+            <a:endParaRPr lang="en-SG" dirty="0"/>
+          </a:p>
+        </p:txBody>
+      </p:sp>
+      <p:sp>
+        <p:nvSpPr>
+          <p:cNvPr id="4" name="Slide Number Placeholder 3"/>
+          <p:cNvSpPr>
+            <a:spLocks noGrp="1"/>
+          </p:cNvSpPr>
+          <p:nvPr>
+            <p:ph type="sldNum" sz="quarter" idx="10"/>
+          </p:nvPr>
+        </p:nvSpPr>
+        <p:spPr/>
+        <p:txBody>
+          <a:bodyPr/>
+          <a:lstStyle/>
+          <a:p>
+            <a:fld id="{F91EA2FC-DCD1-4420-94B6-165CDE672F66}" type="slidenum">
+              <a:rPr lang="en-SG" smtClean="0"/>
+              <a:t>6</a:t>
+            </a:fld>
+            <a:endParaRPr lang="en-SG"/>
+          </a:p>
+        </p:txBody>
+      </p:sp>
+    </p:spTree>
+    <p:extLst>
+      <p:ext uri="{BB962C8B-B14F-4D97-AF65-F5344CB8AC3E}">
+        <p14:creationId xmlns:p14="http://schemas.microsoft.com/office/powerpoint/2010/main" val="2153108486"/>
+      </p:ext>
+    </p:extLst>
+  </p:cSld>
+  <p:clrMapOvr>
+    <a:masterClrMapping/>
+  </p:clrMapOvr>
+</p:notes>
+</file>
+
 <file path=ppt/slideLayouts/slideLayout1.xml><?xml version="1.0" encoding="utf-8"?>
 <p:sldLayout xmlns:a="http://schemas.openxmlformats.org/drawingml/2006/main" xmlns:r="http://schemas.openxmlformats.org/officeDocument/2006/relationships" xmlns:p="http://schemas.openxmlformats.org/presentationml/2006/main" type="title" preserve="1">
   <p:cSld name="Title Slide">
@@ -245,7 +1003,7 @@
           <a:p>
             <a:fld id="{3798F79D-4DD3-4E11-8073-015D66C43647}" type="datetimeFigureOut">
               <a:rPr lang="en-SG" smtClean="0"/>
-              <a:t>4/10/2016</a:t>
+              <a:t>9/10/2016</a:t>
             </a:fld>
             <a:endParaRPr lang="en-SG"/>
           </a:p>
@@ -415,7 +1173,7 @@
           <a:p>
             <a:fld id="{3798F79D-4DD3-4E11-8073-015D66C43647}" type="datetimeFigureOut">
               <a:rPr lang="en-SG" smtClean="0"/>
-              <a:t>4/10/2016</a:t>
+              <a:t>9/10/2016</a:t>
             </a:fld>
             <a:endParaRPr lang="en-SG"/>
           </a:p>
@@ -595,7 +1353,7 @@
           <a:p>
             <a:fld id="{3798F79D-4DD3-4E11-8073-015D66C43647}" type="datetimeFigureOut">
               <a:rPr lang="en-SG" smtClean="0"/>
-              <a:t>4/10/2016</a:t>
+              <a:t>9/10/2016</a:t>
             </a:fld>
             <a:endParaRPr lang="en-SG"/>
           </a:p>
@@ -765,7 +1523,7 @@
           <a:p>
             <a:fld id="{3798F79D-4DD3-4E11-8073-015D66C43647}" type="datetimeFigureOut">
               <a:rPr lang="en-SG" smtClean="0"/>
-              <a:t>4/10/2016</a:t>
+              <a:t>9/10/2016</a:t>
             </a:fld>
             <a:endParaRPr lang="en-SG"/>
           </a:p>
@@ -1011,7 +1769,7 @@
           <a:p>
             <a:fld id="{3798F79D-4DD3-4E11-8073-015D66C43647}" type="datetimeFigureOut">
               <a:rPr lang="en-SG" smtClean="0"/>
-              <a:t>4/10/2016</a:t>
+              <a:t>9/10/2016</a:t>
             </a:fld>
             <a:endParaRPr lang="en-SG"/>
           </a:p>
@@ -1243,7 +2001,7 @@
           <a:p>
             <a:fld id="{3798F79D-4DD3-4E11-8073-015D66C43647}" type="datetimeFigureOut">
               <a:rPr lang="en-SG" smtClean="0"/>
-              <a:t>4/10/2016</a:t>
+              <a:t>9/10/2016</a:t>
             </a:fld>
             <a:endParaRPr lang="en-SG"/>
           </a:p>
@@ -1610,7 +2368,7 @@
           <a:p>
             <a:fld id="{3798F79D-4DD3-4E11-8073-015D66C43647}" type="datetimeFigureOut">
               <a:rPr lang="en-SG" smtClean="0"/>
-              <a:t>4/10/2016</a:t>
+              <a:t>9/10/2016</a:t>
             </a:fld>
             <a:endParaRPr lang="en-SG"/>
           </a:p>
@@ -1728,7 +2486,7 @@
           <a:p>
             <a:fld id="{3798F79D-4DD3-4E11-8073-015D66C43647}" type="datetimeFigureOut">
               <a:rPr lang="en-SG" smtClean="0"/>
-              <a:t>4/10/2016</a:t>
+              <a:t>9/10/2016</a:t>
             </a:fld>
             <a:endParaRPr lang="en-SG"/>
           </a:p>
@@ -1823,7 +2581,7 @@
           <a:p>
             <a:fld id="{3798F79D-4DD3-4E11-8073-015D66C43647}" type="datetimeFigureOut">
               <a:rPr lang="en-SG" smtClean="0"/>
-              <a:t>4/10/2016</a:t>
+              <a:t>9/10/2016</a:t>
             </a:fld>
             <a:endParaRPr lang="en-SG"/>
           </a:p>
@@ -2100,7 +2858,7 @@
           <a:p>
             <a:fld id="{3798F79D-4DD3-4E11-8073-015D66C43647}" type="datetimeFigureOut">
               <a:rPr lang="en-SG" smtClean="0"/>
-              <a:t>4/10/2016</a:t>
+              <a:t>9/10/2016</a:t>
             </a:fld>
             <a:endParaRPr lang="en-SG"/>
           </a:p>
@@ -2353,7 +3111,7 @@
           <a:p>
             <a:fld id="{3798F79D-4DD3-4E11-8073-015D66C43647}" type="datetimeFigureOut">
               <a:rPr lang="en-SG" smtClean="0"/>
-              <a:t>4/10/2016</a:t>
+              <a:t>9/10/2016</a:t>
             </a:fld>
             <a:endParaRPr lang="en-SG"/>
           </a:p>
@@ -2566,7 +3324,7 @@
           <a:p>
             <a:fld id="{3798F79D-4DD3-4E11-8073-015D66C43647}" type="datetimeFigureOut">
               <a:rPr lang="en-SG" smtClean="0"/>
-              <a:t>4/10/2016</a:t>
+              <a:t>9/10/2016</a:t>
             </a:fld>
             <a:endParaRPr lang="en-SG"/>
           </a:p>
@@ -2979,7 +3737,7 @@
         </p:nvGrpSpPr>
         <p:grpSpPr>
           <a:xfrm>
-            <a:off x="735010" y="-121117"/>
+            <a:off x="11591016" y="215812"/>
             <a:ext cx="7745408" cy="6490336"/>
             <a:chOff x="2488344" y="901064"/>
             <a:chExt cx="7745408" cy="6490336"/>
@@ -3008,11 +3766,11 @@
               <p:nvPr/>
             </p:nvPicPr>
             <p:blipFill>
-              <a:blip r:embed="rId2">
+              <a:blip r:embed="rId3">
                 <a:extLst>
                   <a:ext uri="{BEBA8EAE-BF5A-486C-A8C5-ECC9F3942E4B}">
                     <a14:imgProps xmlns:a14="http://schemas.microsoft.com/office/drawing/2010/main">
-                      <a14:imgLayer r:embed="rId3">
+                      <a14:imgLayer r:embed="rId4">
                         <a14:imgEffect>
                           <a14:sharpenSoften amount="100000"/>
                         </a14:imgEffect>
@@ -3256,11 +4014,11 @@
               <p:nvPr/>
             </p:nvPicPr>
             <p:blipFill>
-              <a:blip r:embed="rId4">
+              <a:blip r:embed="rId5">
                 <a:extLst>
                   <a:ext uri="{BEBA8EAE-BF5A-486C-A8C5-ECC9F3942E4B}">
                     <a14:imgProps xmlns:a14="http://schemas.microsoft.com/office/drawing/2010/main">
-                      <a14:imgLayer r:embed="rId5">
+                      <a14:imgLayer r:embed="rId6">
                         <a14:imgEffect>
                           <a14:saturation sat="0"/>
                         </a14:imgEffect>
@@ -3385,10 +4143,1143 @@
           </p:txBody>
         </p:sp>
       </p:grpSp>
+      <p:grpSp>
+        <p:nvGrpSpPr>
+          <p:cNvPr id="14" name="Group 13"/>
+          <p:cNvGrpSpPr/>
+          <p:nvPr/>
+        </p:nvGrpSpPr>
+        <p:grpSpPr>
+          <a:xfrm>
+            <a:off x="1732844" y="375117"/>
+            <a:ext cx="7274813" cy="6482883"/>
+            <a:chOff x="2289892" y="187976"/>
+            <a:chExt cx="7274813" cy="6482883"/>
+          </a:xfrm>
+        </p:grpSpPr>
+        <p:sp>
+          <p:nvSpPr>
+            <p:cNvPr id="15" name="Rectangle 14"/>
+            <p:cNvSpPr/>
+            <p:nvPr/>
+          </p:nvSpPr>
+          <p:spPr>
+            <a:xfrm>
+              <a:off x="2289893" y="187976"/>
+              <a:ext cx="7274811" cy="581188"/>
+            </a:xfrm>
+            <a:prstGeom prst="rect">
+              <a:avLst/>
+            </a:prstGeom>
+            <a:solidFill>
+              <a:srgbClr val="4527A0"/>
+            </a:solidFill>
+            <a:ln>
+              <a:solidFill>
+                <a:schemeClr val="bg1"/>
+              </a:solidFill>
+            </a:ln>
+            <a:effectLst>
+              <a:outerShdw blurRad="107950" dist="12700" dir="5400000" algn="ctr">
+                <a:srgbClr val="000000"/>
+              </a:outerShdw>
+            </a:effectLst>
+            <a:scene3d>
+              <a:camera prst="orthographicFront">
+                <a:rot lat="0" lon="0" rev="0"/>
+              </a:camera>
+              <a:lightRig rig="soft" dir="t">
+                <a:rot lat="0" lon="0" rev="0"/>
+              </a:lightRig>
+            </a:scene3d>
+            <a:sp3d contourW="44450" prstMaterial="matte">
+              <a:bevelT w="63500" h="63500" prst="artDeco"/>
+              <a:contourClr>
+                <a:srgbClr val="FFFFFF"/>
+              </a:contourClr>
+            </a:sp3d>
+          </p:spPr>
+          <p:style>
+            <a:lnRef idx="2">
+              <a:schemeClr val="accent1">
+                <a:shade val="50000"/>
+              </a:schemeClr>
+            </a:lnRef>
+            <a:fillRef idx="1">
+              <a:schemeClr val="accent1"/>
+            </a:fillRef>
+            <a:effectRef idx="0">
+              <a:schemeClr val="accent1"/>
+            </a:effectRef>
+            <a:fontRef idx="minor">
+              <a:schemeClr val="lt1"/>
+            </a:fontRef>
+          </p:style>
+          <p:txBody>
+            <a:bodyPr rtlCol="0" anchor="ctr"/>
+            <a:lstStyle/>
+            <a:p>
+              <a:pPr algn="ctr"/>
+              <a:r>
+                <a:rPr lang="en-SG" sz="2800" b="1" dirty="0" err="1" smtClean="0">
+                  <a:latin typeface="Segoe Script" panose="030B0504020000000003" pitchFamily="66" charset="0"/>
+                  <a:cs typeface="Segoe UI Semibold" panose="020B0702040204020203" pitchFamily="34" charset="0"/>
+                </a:rPr>
+                <a:t>SmartyDo</a:t>
+              </a:r>
+              <a:endParaRPr lang="en-SG" sz="2800" b="1" dirty="0">
+                <a:latin typeface="Segoe Script" panose="030B0504020000000003" pitchFamily="66" charset="0"/>
+                <a:cs typeface="Segoe UI Semibold" panose="020B0702040204020203" pitchFamily="34" charset="0"/>
+              </a:endParaRPr>
+            </a:p>
+          </p:txBody>
+        </p:sp>
+        <p:sp>
+          <p:nvSpPr>
+            <p:cNvPr id="16" name="TextBox 15"/>
+            <p:cNvSpPr txBox="1">
+              <a:spLocks noChangeAspect="1"/>
+            </p:cNvSpPr>
+            <p:nvPr/>
+          </p:nvSpPr>
+          <p:spPr>
+            <a:xfrm>
+              <a:off x="6362641" y="818533"/>
+              <a:ext cx="3202063" cy="4065597"/>
+            </a:xfrm>
+            <a:prstGeom prst="rect">
+              <a:avLst/>
+            </a:prstGeom>
+            <a:solidFill>
+              <a:srgbClr val="5E35B1"/>
+            </a:solidFill>
+            <a:ln>
+              <a:solidFill>
+                <a:schemeClr val="bg1"/>
+              </a:solidFill>
+            </a:ln>
+            <a:effectLst>
+              <a:outerShdw blurRad="107950" dist="12700" dir="5400000" algn="ctr">
+                <a:srgbClr val="000000"/>
+              </a:outerShdw>
+            </a:effectLst>
+            <a:scene3d>
+              <a:camera prst="orthographicFront">
+                <a:rot lat="0" lon="0" rev="0"/>
+              </a:camera>
+              <a:lightRig rig="soft" dir="t">
+                <a:rot lat="0" lon="0" rev="0"/>
+              </a:lightRig>
+            </a:scene3d>
+            <a:sp3d contourW="44450" prstMaterial="matte">
+              <a:bevelT w="63500" h="63500" prst="artDeco"/>
+              <a:contourClr>
+                <a:srgbClr val="FFFFFF"/>
+              </a:contourClr>
+            </a:sp3d>
+          </p:spPr>
+          <p:txBody>
+            <a:bodyPr wrap="square" rtlCol="0">
+              <a:noAutofit/>
+            </a:bodyPr>
+            <a:lstStyle/>
+            <a:p>
+              <a:pPr algn="ctr"/>
+              <a:r>
+                <a:rPr lang="en-SG" sz="2800" b="1" dirty="0" smtClean="0">
+                  <a:solidFill>
+                    <a:schemeClr val="bg1"/>
+                  </a:solidFill>
+                </a:rPr>
+                <a:t>Upcoming [12-Oct]</a:t>
+              </a:r>
+            </a:p>
+            <a:p>
+              <a:pPr algn="ctr"/>
+              <a:endParaRPr lang="en-SG" sz="2800" b="1" dirty="0">
+                <a:solidFill>
+                  <a:schemeClr val="bg1"/>
+                </a:solidFill>
+                <a:latin typeface="Viner Hand ITC" panose="03070502030502020203" pitchFamily="66" charset="0"/>
+              </a:endParaRPr>
+            </a:p>
+            <a:p>
+              <a:pPr algn="ctr"/>
+              <a:endParaRPr lang="en-SG" sz="2800" b="1" dirty="0" smtClean="0">
+                <a:solidFill>
+                  <a:schemeClr val="bg1"/>
+                </a:solidFill>
+                <a:latin typeface="Viner Hand ITC" panose="03070502030502020203" pitchFamily="66" charset="0"/>
+              </a:endParaRPr>
+            </a:p>
+            <a:p>
+              <a:r>
+                <a:rPr lang="en-SG" sz="2800" b="1" dirty="0" smtClean="0">
+                  <a:solidFill>
+                    <a:schemeClr val="bg1"/>
+                  </a:solidFill>
+                  <a:latin typeface="Segoe Print" panose="02000600000000000000" pitchFamily="2" charset="0"/>
+                </a:rPr>
+                <a:t>1. User Guide </a:t>
+              </a:r>
+              <a:endParaRPr lang="en-SG" sz="2800" b="1" dirty="0">
+                <a:solidFill>
+                  <a:schemeClr val="bg1"/>
+                </a:solidFill>
+                <a:latin typeface="Segoe Print" panose="02000600000000000000" pitchFamily="2" charset="0"/>
+              </a:endParaRPr>
+            </a:p>
+          </p:txBody>
+        </p:sp>
+        <p:sp>
+          <p:nvSpPr>
+            <p:cNvPr id="17" name="Rectangle 16"/>
+            <p:cNvSpPr/>
+            <p:nvPr/>
+          </p:nvSpPr>
+          <p:spPr>
+            <a:xfrm>
+              <a:off x="2289893" y="818533"/>
+              <a:ext cx="4072747" cy="4065597"/>
+            </a:xfrm>
+            <a:prstGeom prst="rect">
+              <a:avLst/>
+            </a:prstGeom>
+            <a:solidFill>
+              <a:srgbClr val="7E57C2"/>
+            </a:solidFill>
+            <a:ln>
+              <a:solidFill>
+                <a:schemeClr val="bg1"/>
+              </a:solidFill>
+            </a:ln>
+            <a:effectLst>
+              <a:outerShdw blurRad="107950" dist="12700" dir="5400000" algn="ctr">
+                <a:srgbClr val="000000"/>
+              </a:outerShdw>
+            </a:effectLst>
+            <a:scene3d>
+              <a:camera prst="orthographicFront">
+                <a:rot lat="0" lon="0" rev="0"/>
+              </a:camera>
+              <a:lightRig rig="soft" dir="t">
+                <a:rot lat="0" lon="0" rev="0"/>
+              </a:lightRig>
+            </a:scene3d>
+            <a:sp3d contourW="44450" prstMaterial="matte">
+              <a:bevelT w="63500" h="63500" prst="artDeco"/>
+              <a:contourClr>
+                <a:srgbClr val="FFFFFF"/>
+              </a:contourClr>
+            </a:sp3d>
+          </p:spPr>
+          <p:style>
+            <a:lnRef idx="2">
+              <a:schemeClr val="accent1">
+                <a:shade val="50000"/>
+              </a:schemeClr>
+            </a:lnRef>
+            <a:fillRef idx="1">
+              <a:schemeClr val="accent1"/>
+            </a:fillRef>
+            <a:effectRef idx="0">
+              <a:schemeClr val="accent1"/>
+            </a:effectRef>
+            <a:fontRef idx="minor">
+              <a:schemeClr val="lt1"/>
+            </a:fontRef>
+          </p:style>
+          <p:txBody>
+            <a:bodyPr rtlCol="0" anchor="ctr"/>
+            <a:lstStyle/>
+            <a:p>
+              <a:pPr algn="ctr"/>
+              <a:endParaRPr lang="en-SG"/>
+            </a:p>
+          </p:txBody>
+        </p:sp>
+        <p:sp>
+          <p:nvSpPr>
+            <p:cNvPr id="18" name="Rectangle 17"/>
+            <p:cNvSpPr/>
+            <p:nvPr/>
+          </p:nvSpPr>
+          <p:spPr>
+            <a:xfrm>
+              <a:off x="2289892" y="6061259"/>
+              <a:ext cx="7274812" cy="609600"/>
+            </a:xfrm>
+            <a:prstGeom prst="rect">
+              <a:avLst/>
+            </a:prstGeom>
+            <a:solidFill>
+              <a:srgbClr val="4527A0"/>
+            </a:solidFill>
+            <a:ln>
+              <a:solidFill>
+                <a:schemeClr val="bg1"/>
+              </a:solidFill>
+            </a:ln>
+            <a:effectLst>
+              <a:outerShdw blurRad="107950" dist="12700" dir="5400000" algn="ctr">
+                <a:srgbClr val="000000"/>
+              </a:outerShdw>
+            </a:effectLst>
+            <a:scene3d>
+              <a:camera prst="orthographicFront">
+                <a:rot lat="0" lon="0" rev="0"/>
+              </a:camera>
+              <a:lightRig rig="soft" dir="t">
+                <a:rot lat="0" lon="0" rev="0"/>
+              </a:lightRig>
+            </a:scene3d>
+            <a:sp3d contourW="44450" prstMaterial="matte">
+              <a:bevelT w="63500" h="63500" prst="artDeco"/>
+              <a:contourClr>
+                <a:srgbClr val="FFFFFF"/>
+              </a:contourClr>
+            </a:sp3d>
+          </p:spPr>
+          <p:style>
+            <a:lnRef idx="0">
+              <a:schemeClr val="accent5"/>
+            </a:lnRef>
+            <a:fillRef idx="1003">
+              <a:schemeClr val="dk2"/>
+            </a:fillRef>
+            <a:effectRef idx="3">
+              <a:schemeClr val="accent5"/>
+            </a:effectRef>
+            <a:fontRef idx="minor">
+              <a:schemeClr val="lt1"/>
+            </a:fontRef>
+          </p:style>
+          <p:txBody>
+            <a:bodyPr rtlCol="0" anchor="ctr"/>
+            <a:lstStyle/>
+            <a:p>
+              <a:r>
+                <a:rPr lang="en-SG" dirty="0" smtClean="0"/>
+                <a:t>&gt;&gt;  </a:t>
+              </a:r>
+              <a:r>
+                <a:rPr lang="en-SG" b="1" dirty="0" smtClean="0">
+                  <a:solidFill>
+                    <a:schemeClr val="bg1"/>
+                  </a:solidFill>
+                </a:rPr>
+                <a:t>add  #CS2103 /n User Guide /d 121016 </a:t>
+              </a:r>
+              <a:endParaRPr lang="en-SG" b="1" dirty="0">
+                <a:solidFill>
+                  <a:schemeClr val="bg1"/>
+                </a:solidFill>
+              </a:endParaRPr>
+            </a:p>
+          </p:txBody>
+        </p:sp>
+        <p:sp>
+          <p:nvSpPr>
+            <p:cNvPr id="19" name="Rectangle 18"/>
+            <p:cNvSpPr/>
+            <p:nvPr/>
+          </p:nvSpPr>
+          <p:spPr>
+            <a:xfrm>
+              <a:off x="2289893" y="4933499"/>
+              <a:ext cx="7274812" cy="1127760"/>
+            </a:xfrm>
+            <a:prstGeom prst="rect">
+              <a:avLst/>
+            </a:prstGeom>
+            <a:solidFill>
+              <a:srgbClr val="B39DDB"/>
+            </a:solidFill>
+            <a:ln>
+              <a:solidFill>
+                <a:schemeClr val="bg1"/>
+              </a:solidFill>
+            </a:ln>
+            <a:effectLst>
+              <a:outerShdw blurRad="107950" dist="12700" dir="5400000" algn="ctr">
+                <a:srgbClr val="000000"/>
+              </a:outerShdw>
+            </a:effectLst>
+            <a:scene3d>
+              <a:camera prst="orthographicFront">
+                <a:rot lat="0" lon="0" rev="0"/>
+              </a:camera>
+              <a:lightRig rig="soft" dir="t">
+                <a:rot lat="0" lon="0" rev="0"/>
+              </a:lightRig>
+            </a:scene3d>
+            <a:sp3d contourW="44450" prstMaterial="matte">
+              <a:bevelT w="63500" h="63500" prst="artDeco"/>
+              <a:contourClr>
+                <a:srgbClr val="FFFFFF"/>
+              </a:contourClr>
+            </a:sp3d>
+          </p:spPr>
+          <p:style>
+            <a:lnRef idx="2">
+              <a:schemeClr val="accent1">
+                <a:shade val="50000"/>
+              </a:schemeClr>
+            </a:lnRef>
+            <a:fillRef idx="1">
+              <a:schemeClr val="accent1"/>
+            </a:fillRef>
+            <a:effectRef idx="0">
+              <a:schemeClr val="accent1"/>
+            </a:effectRef>
+            <a:fontRef idx="minor">
+              <a:schemeClr val="lt1"/>
+            </a:fontRef>
+          </p:style>
+          <p:txBody>
+            <a:bodyPr rtlCol="0" anchor="t" anchorCtr="0"/>
+            <a:lstStyle/>
+            <a:p>
+              <a:r>
+                <a:rPr lang="en-SG" b="1" dirty="0" smtClean="0">
+                  <a:solidFill>
+                    <a:schemeClr val="tx1"/>
+                  </a:solidFill>
+                </a:rPr>
+                <a:t>Added #CS2103 User Guide due 12 October 2016</a:t>
+              </a:r>
+              <a:endParaRPr lang="en-SG" b="1" dirty="0">
+                <a:solidFill>
+                  <a:schemeClr val="tx1"/>
+                </a:solidFill>
+              </a:endParaRPr>
+            </a:p>
+          </p:txBody>
+        </p:sp>
+        <p:graphicFrame>
+          <p:nvGraphicFramePr>
+            <p:cNvPr id="20" name="Object 19"/>
+            <p:cNvGraphicFramePr>
+              <a:graphicFrameLocks noChangeAspect="1"/>
+            </p:cNvGraphicFramePr>
+            <p:nvPr>
+              <p:extLst>
+                <p:ext uri="{D42A27DB-BD31-4B8C-83A1-F6EECF244321}">
+                  <p14:modId xmlns:p14="http://schemas.microsoft.com/office/powerpoint/2010/main" val="3657299736"/>
+                </p:ext>
+              </p:extLst>
+            </p:nvPr>
+          </p:nvGraphicFramePr>
+          <p:xfrm>
+            <a:off x="2332179" y="818533"/>
+            <a:ext cx="4030461" cy="4057369"/>
+          </p:xfrm>
+          <a:graphic>
+            <a:graphicData uri="http://schemas.openxmlformats.org/presentationml/2006/ole">
+              <mc:AlternateContent xmlns:mc="http://schemas.openxmlformats.org/markup-compatibility/2006">
+                <mc:Choice xmlns:v="urn:schemas-microsoft-com:vml" Requires="v">
+                  <p:oleObj spid="_x0000_s2055" name="Worksheet" r:id="rId7" imgW="3028999" imgH="1479425" progId="Excel.Sheet.12">
+                    <p:embed/>
+                  </p:oleObj>
+                </mc:Choice>
+                <mc:Fallback>
+                  <p:oleObj name="Worksheet" r:id="rId7" imgW="3028999" imgH="1479425" progId="Excel.Sheet.12">
+                    <p:embed/>
+                    <p:pic>
+                      <p:nvPicPr>
+                        <p:cNvPr id="0" name=""/>
+                        <p:cNvPicPr/>
+                        <p:nvPr/>
+                      </p:nvPicPr>
+                      <p:blipFill>
+                        <a:blip r:embed="rId8"/>
+                        <a:stretch>
+                          <a:fillRect/>
+                        </a:stretch>
+                      </p:blipFill>
+                      <p:spPr>
+                        <a:xfrm>
+                          <a:off x="2332179" y="818533"/>
+                          <a:ext cx="4030461" cy="4057369"/>
+                        </a:xfrm>
+                        <a:prstGeom prst="rect">
+                          <a:avLst/>
+                        </a:prstGeom>
+                        <a:solidFill>
+                          <a:srgbClr val="7E57C2"/>
+                        </a:solidFill>
+                      </p:spPr>
+                    </p:pic>
+                  </p:oleObj>
+                </mc:Fallback>
+              </mc:AlternateContent>
+            </a:graphicData>
+          </a:graphic>
+        </p:graphicFrame>
+      </p:grpSp>
     </p:spTree>
     <p:extLst>
       <p:ext uri="{BB962C8B-B14F-4D97-AF65-F5344CB8AC3E}">
         <p14:creationId xmlns:p14="http://schemas.microsoft.com/office/powerpoint/2010/main" val="1248289604"/>
+      </p:ext>
+    </p:extLst>
+  </p:cSld>
+  <p:clrMapOvr>
+    <a:masterClrMapping/>
+  </p:clrMapOvr>
+</p:sld>
+</file>
+
+<file path=ppt/slides/slide10.xml><?xml version="1.0" encoding="utf-8"?>
+<p:sld xmlns:a="http://schemas.openxmlformats.org/drawingml/2006/main" xmlns:r="http://schemas.openxmlformats.org/officeDocument/2006/relationships" xmlns:p="http://schemas.openxmlformats.org/presentationml/2006/main">
+  <p:cSld>
+    <p:spTree>
+      <p:nvGrpSpPr>
+        <p:cNvPr id="1" name=""/>
+        <p:cNvGrpSpPr/>
+        <p:nvPr/>
+      </p:nvGrpSpPr>
+      <p:grpSpPr>
+        <a:xfrm>
+          <a:off x="0" y="0"/>
+          <a:ext cx="0" cy="0"/>
+          <a:chOff x="0" y="0"/>
+          <a:chExt cx="0" cy="0"/>
+        </a:xfrm>
+      </p:grpSpPr>
+      <p:grpSp>
+        <p:nvGrpSpPr>
+          <p:cNvPr id="14" name="Group 13"/>
+          <p:cNvGrpSpPr/>
+          <p:nvPr/>
+        </p:nvGrpSpPr>
+        <p:grpSpPr>
+          <a:xfrm>
+            <a:off x="2118485" y="375117"/>
+            <a:ext cx="7274813" cy="6482883"/>
+            <a:chOff x="2842385" y="-305920"/>
+            <a:chExt cx="7274813" cy="6482883"/>
+          </a:xfrm>
+        </p:grpSpPr>
+        <p:grpSp>
+          <p:nvGrpSpPr>
+            <p:cNvPr id="4" name="Group 3"/>
+            <p:cNvGrpSpPr/>
+            <p:nvPr/>
+          </p:nvGrpSpPr>
+          <p:grpSpPr>
+            <a:xfrm>
+              <a:off x="2842385" y="-305920"/>
+              <a:ext cx="7274813" cy="6482883"/>
+              <a:chOff x="2289892" y="187976"/>
+              <a:chExt cx="7274813" cy="6482883"/>
+            </a:xfrm>
+          </p:grpSpPr>
+          <p:sp>
+            <p:nvSpPr>
+              <p:cNvPr id="5" name="Rectangle 4"/>
+              <p:cNvSpPr/>
+              <p:nvPr/>
+            </p:nvSpPr>
+            <p:spPr>
+              <a:xfrm>
+                <a:off x="2289893" y="187976"/>
+                <a:ext cx="7274811" cy="581188"/>
+              </a:xfrm>
+              <a:prstGeom prst="rect">
+                <a:avLst/>
+              </a:prstGeom>
+              <a:solidFill>
+                <a:srgbClr val="4527A0"/>
+              </a:solidFill>
+              <a:ln>
+                <a:solidFill>
+                  <a:schemeClr val="bg1"/>
+                </a:solidFill>
+              </a:ln>
+              <a:effectLst>
+                <a:outerShdw blurRad="107950" dist="12700" dir="5400000" algn="ctr">
+                  <a:srgbClr val="000000"/>
+                </a:outerShdw>
+              </a:effectLst>
+              <a:scene3d>
+                <a:camera prst="orthographicFront">
+                  <a:rot lat="0" lon="0" rev="0"/>
+                </a:camera>
+                <a:lightRig rig="soft" dir="t">
+                  <a:rot lat="0" lon="0" rev="0"/>
+                </a:lightRig>
+              </a:scene3d>
+              <a:sp3d contourW="44450" prstMaterial="matte">
+                <a:bevelT w="63500" h="63500" prst="artDeco"/>
+                <a:contourClr>
+                  <a:srgbClr val="FFFFFF"/>
+                </a:contourClr>
+              </a:sp3d>
+            </p:spPr>
+            <p:style>
+              <a:lnRef idx="2">
+                <a:schemeClr val="accent1">
+                  <a:shade val="50000"/>
+                </a:schemeClr>
+              </a:lnRef>
+              <a:fillRef idx="1">
+                <a:schemeClr val="accent1"/>
+              </a:fillRef>
+              <a:effectRef idx="0">
+                <a:schemeClr val="accent1"/>
+              </a:effectRef>
+              <a:fontRef idx="minor">
+                <a:schemeClr val="lt1"/>
+              </a:fontRef>
+            </p:style>
+            <p:txBody>
+              <a:bodyPr rtlCol="0" anchor="ctr"/>
+              <a:lstStyle/>
+              <a:p>
+                <a:pPr algn="ctr"/>
+                <a:r>
+                  <a:rPr lang="en-SG" sz="2800" b="1" dirty="0" err="1" smtClean="0">
+                    <a:latin typeface="Segoe Script" panose="030B0504020000000003" pitchFamily="66" charset="0"/>
+                    <a:cs typeface="Segoe UI Semibold" panose="020B0702040204020203" pitchFamily="34" charset="0"/>
+                  </a:rPr>
+                  <a:t>SmartyDo</a:t>
+                </a:r>
+                <a:endParaRPr lang="en-SG" sz="2800" b="1" dirty="0">
+                  <a:latin typeface="Segoe Script" panose="030B0504020000000003" pitchFamily="66" charset="0"/>
+                  <a:cs typeface="Segoe UI Semibold" panose="020B0702040204020203" pitchFamily="34" charset="0"/>
+                </a:endParaRPr>
+              </a:p>
+            </p:txBody>
+          </p:sp>
+          <p:sp>
+            <p:nvSpPr>
+              <p:cNvPr id="6" name="TextBox 5"/>
+              <p:cNvSpPr txBox="1">
+                <a:spLocks noChangeAspect="1"/>
+              </p:cNvSpPr>
+              <p:nvPr/>
+            </p:nvSpPr>
+            <p:spPr>
+              <a:xfrm>
+                <a:off x="6362641" y="818533"/>
+                <a:ext cx="3202063" cy="4065597"/>
+              </a:xfrm>
+              <a:prstGeom prst="rect">
+                <a:avLst/>
+              </a:prstGeom>
+              <a:solidFill>
+                <a:srgbClr val="5E35B1"/>
+              </a:solidFill>
+              <a:ln>
+                <a:solidFill>
+                  <a:schemeClr val="bg1"/>
+                </a:solidFill>
+              </a:ln>
+              <a:effectLst>
+                <a:outerShdw blurRad="107950" dist="12700" dir="5400000" algn="ctr">
+                  <a:srgbClr val="000000"/>
+                </a:outerShdw>
+              </a:effectLst>
+              <a:scene3d>
+                <a:camera prst="orthographicFront">
+                  <a:rot lat="0" lon="0" rev="0"/>
+                </a:camera>
+                <a:lightRig rig="soft" dir="t">
+                  <a:rot lat="0" lon="0" rev="0"/>
+                </a:lightRig>
+              </a:scene3d>
+              <a:sp3d contourW="44450" prstMaterial="matte">
+                <a:bevelT w="63500" h="63500" prst="artDeco"/>
+                <a:contourClr>
+                  <a:srgbClr val="FFFFFF"/>
+                </a:contourClr>
+              </a:sp3d>
+            </p:spPr>
+            <p:txBody>
+              <a:bodyPr wrap="square" rtlCol="0">
+                <a:noAutofit/>
+              </a:bodyPr>
+              <a:lstStyle/>
+              <a:p>
+                <a:pPr algn="ctr"/>
+                <a:r>
+                  <a:rPr lang="en-SG" sz="2800" b="1" dirty="0" smtClean="0">
+                    <a:solidFill>
+                      <a:schemeClr val="bg1"/>
+                    </a:solidFill>
+                  </a:rPr>
+                  <a:t>Upcoming [12-Oct]</a:t>
+                </a:r>
+                <a:endParaRPr lang="en-SG" sz="2800" b="1" dirty="0" smtClean="0">
+                  <a:solidFill>
+                    <a:schemeClr val="bg1"/>
+                  </a:solidFill>
+                  <a:latin typeface="Viner Hand ITC" panose="03070502030502020203" pitchFamily="66" charset="0"/>
+                </a:endParaRPr>
+              </a:p>
+              <a:p>
+                <a:pPr algn="ctr"/>
+                <a:endParaRPr lang="en-SG" sz="2800" b="1" dirty="0">
+                  <a:solidFill>
+                    <a:schemeClr val="bg1"/>
+                  </a:solidFill>
+                  <a:latin typeface="Viner Hand ITC" panose="03070502030502020203" pitchFamily="66" charset="0"/>
+                </a:endParaRPr>
+              </a:p>
+              <a:p>
+                <a:pPr algn="ctr"/>
+                <a:r>
+                  <a:rPr lang="en-SG" sz="2800" b="1" dirty="0" smtClean="0">
+                    <a:solidFill>
+                      <a:schemeClr val="bg1"/>
+                    </a:solidFill>
+                    <a:latin typeface="Segoe Print" panose="02000600000000000000" pitchFamily="2" charset="0"/>
+                  </a:rPr>
+                  <a:t> </a:t>
+                </a:r>
+                <a:r>
+                  <a:rPr lang="en-SG" sz="2800" b="1" dirty="0">
+                    <a:solidFill>
+                      <a:schemeClr val="bg1"/>
+                    </a:solidFill>
+                    <a:latin typeface="Segoe Print" panose="02000600000000000000" pitchFamily="2" charset="0"/>
+                  </a:rPr>
+                  <a:t>User Guide </a:t>
+                </a:r>
+                <a:endParaRPr lang="en-SG" sz="2800" b="1" dirty="0">
+                  <a:solidFill>
+                    <a:schemeClr val="bg1"/>
+                  </a:solidFill>
+                  <a:latin typeface="Segoe Print" panose="02000600000000000000" pitchFamily="2" charset="0"/>
+                </a:endParaRPr>
+              </a:p>
+            </p:txBody>
+          </p:sp>
+          <p:sp>
+            <p:nvSpPr>
+              <p:cNvPr id="7" name="Rectangle 6"/>
+              <p:cNvSpPr/>
+              <p:nvPr/>
+            </p:nvSpPr>
+            <p:spPr>
+              <a:xfrm>
+                <a:off x="2289893" y="818533"/>
+                <a:ext cx="4072747" cy="4065597"/>
+              </a:xfrm>
+              <a:prstGeom prst="rect">
+                <a:avLst/>
+              </a:prstGeom>
+              <a:solidFill>
+                <a:srgbClr val="7E57C2"/>
+              </a:solidFill>
+              <a:ln>
+                <a:solidFill>
+                  <a:schemeClr val="bg1"/>
+                </a:solidFill>
+              </a:ln>
+              <a:effectLst>
+                <a:outerShdw blurRad="107950" dist="12700" dir="5400000" algn="ctr">
+                  <a:srgbClr val="000000"/>
+                </a:outerShdw>
+              </a:effectLst>
+              <a:scene3d>
+                <a:camera prst="orthographicFront">
+                  <a:rot lat="0" lon="0" rev="0"/>
+                </a:camera>
+                <a:lightRig rig="soft" dir="t">
+                  <a:rot lat="0" lon="0" rev="0"/>
+                </a:lightRig>
+              </a:scene3d>
+              <a:sp3d contourW="44450" prstMaterial="matte">
+                <a:bevelT w="63500" h="63500" prst="artDeco"/>
+                <a:contourClr>
+                  <a:srgbClr val="FFFFFF"/>
+                </a:contourClr>
+              </a:sp3d>
+            </p:spPr>
+            <p:style>
+              <a:lnRef idx="2">
+                <a:schemeClr val="accent1">
+                  <a:shade val="50000"/>
+                </a:schemeClr>
+              </a:lnRef>
+              <a:fillRef idx="1">
+                <a:schemeClr val="accent1"/>
+              </a:fillRef>
+              <a:effectRef idx="0">
+                <a:schemeClr val="accent1"/>
+              </a:effectRef>
+              <a:fontRef idx="minor">
+                <a:schemeClr val="lt1"/>
+              </a:fontRef>
+            </p:style>
+            <p:txBody>
+              <a:bodyPr rtlCol="0" anchor="ctr"/>
+              <a:lstStyle/>
+              <a:p>
+                <a:pPr algn="ctr"/>
+                <a:endParaRPr lang="en-SG"/>
+              </a:p>
+            </p:txBody>
+          </p:sp>
+          <p:sp>
+            <p:nvSpPr>
+              <p:cNvPr id="8" name="Rectangle 7"/>
+              <p:cNvSpPr/>
+              <p:nvPr/>
+            </p:nvSpPr>
+            <p:spPr>
+              <a:xfrm>
+                <a:off x="2289892" y="6061259"/>
+                <a:ext cx="7274812" cy="609600"/>
+              </a:xfrm>
+              <a:prstGeom prst="rect">
+                <a:avLst/>
+              </a:prstGeom>
+              <a:solidFill>
+                <a:srgbClr val="4527A0"/>
+              </a:solidFill>
+              <a:ln>
+                <a:solidFill>
+                  <a:schemeClr val="bg1"/>
+                </a:solidFill>
+              </a:ln>
+              <a:effectLst>
+                <a:outerShdw blurRad="107950" dist="12700" dir="5400000" algn="ctr">
+                  <a:srgbClr val="000000"/>
+                </a:outerShdw>
+              </a:effectLst>
+              <a:scene3d>
+                <a:camera prst="orthographicFront">
+                  <a:rot lat="0" lon="0" rev="0"/>
+                </a:camera>
+                <a:lightRig rig="soft" dir="t">
+                  <a:rot lat="0" lon="0" rev="0"/>
+                </a:lightRig>
+              </a:scene3d>
+              <a:sp3d contourW="44450" prstMaterial="matte">
+                <a:bevelT w="63500" h="63500" prst="artDeco"/>
+                <a:contourClr>
+                  <a:srgbClr val="FFFFFF"/>
+                </a:contourClr>
+              </a:sp3d>
+            </p:spPr>
+            <p:style>
+              <a:lnRef idx="0">
+                <a:schemeClr val="accent5"/>
+              </a:lnRef>
+              <a:fillRef idx="1003">
+                <a:schemeClr val="dk2"/>
+              </a:fillRef>
+              <a:effectRef idx="3">
+                <a:schemeClr val="accent5"/>
+              </a:effectRef>
+              <a:fontRef idx="minor">
+                <a:schemeClr val="lt1"/>
+              </a:fontRef>
+            </p:style>
+            <p:txBody>
+              <a:bodyPr rtlCol="0" anchor="ctr"/>
+              <a:lstStyle/>
+              <a:p>
+                <a:r>
+                  <a:rPr lang="en-SG" dirty="0" smtClean="0"/>
+                  <a:t>&gt;&gt;  </a:t>
+                </a:r>
+                <a:r>
+                  <a:rPr lang="en-SG" b="1" dirty="0" smtClean="0">
+                    <a:solidFill>
+                      <a:schemeClr val="bg1"/>
+                    </a:solidFill>
+                  </a:rPr>
+                  <a:t>Done 1</a:t>
+                </a:r>
+                <a:endParaRPr lang="en-SG" b="1" dirty="0">
+                  <a:solidFill>
+                    <a:schemeClr val="bg1"/>
+                  </a:solidFill>
+                </a:endParaRPr>
+              </a:p>
+            </p:txBody>
+          </p:sp>
+          <p:sp>
+            <p:nvSpPr>
+              <p:cNvPr id="9" name="Rectangle 8"/>
+              <p:cNvSpPr/>
+              <p:nvPr/>
+            </p:nvSpPr>
+            <p:spPr>
+              <a:xfrm>
+                <a:off x="2289893" y="4933499"/>
+                <a:ext cx="7274812" cy="1127760"/>
+              </a:xfrm>
+              <a:prstGeom prst="rect">
+                <a:avLst/>
+              </a:prstGeom>
+              <a:solidFill>
+                <a:srgbClr val="B39DDB"/>
+              </a:solidFill>
+              <a:ln>
+                <a:solidFill>
+                  <a:schemeClr val="bg1"/>
+                </a:solidFill>
+              </a:ln>
+              <a:effectLst>
+                <a:outerShdw blurRad="107950" dist="12700" dir="5400000" algn="ctr">
+                  <a:srgbClr val="000000"/>
+                </a:outerShdw>
+              </a:effectLst>
+              <a:scene3d>
+                <a:camera prst="orthographicFront">
+                  <a:rot lat="0" lon="0" rev="0"/>
+                </a:camera>
+                <a:lightRig rig="soft" dir="t">
+                  <a:rot lat="0" lon="0" rev="0"/>
+                </a:lightRig>
+              </a:scene3d>
+              <a:sp3d contourW="44450" prstMaterial="matte">
+                <a:bevelT w="63500" h="63500" prst="artDeco"/>
+                <a:contourClr>
+                  <a:srgbClr val="FFFFFF"/>
+                </a:contourClr>
+              </a:sp3d>
+            </p:spPr>
+            <p:style>
+              <a:lnRef idx="2">
+                <a:schemeClr val="accent1">
+                  <a:shade val="50000"/>
+                </a:schemeClr>
+              </a:lnRef>
+              <a:fillRef idx="1">
+                <a:schemeClr val="accent1"/>
+              </a:fillRef>
+              <a:effectRef idx="0">
+                <a:schemeClr val="accent1"/>
+              </a:effectRef>
+              <a:fontRef idx="minor">
+                <a:schemeClr val="lt1"/>
+              </a:fontRef>
+            </p:style>
+            <p:txBody>
+              <a:bodyPr rtlCol="0" anchor="t" anchorCtr="0"/>
+              <a:lstStyle/>
+              <a:p>
+                <a:r>
+                  <a:rPr lang="en-SG" b="1" dirty="0" smtClean="0">
+                    <a:solidFill>
+                      <a:schemeClr val="tx1"/>
+                    </a:solidFill>
+                  </a:rPr>
+                  <a:t>Your have completed task :</a:t>
+                </a:r>
+              </a:p>
+              <a:p>
+                <a:r>
+                  <a:rPr lang="en-SG" b="1" dirty="0" err="1" smtClean="0">
+                    <a:solidFill>
+                      <a:schemeClr val="tx1"/>
+                    </a:solidFill>
+                  </a:rPr>
+                  <a:t>UserGuide</a:t>
+                </a:r>
+                <a:r>
+                  <a:rPr lang="en-SG" b="1" dirty="0" smtClean="0">
+                    <a:solidFill>
+                      <a:schemeClr val="tx1"/>
+                    </a:solidFill>
+                  </a:rPr>
+                  <a:t> </a:t>
+                </a:r>
+                <a:r>
+                  <a:rPr lang="en-SG" b="1" dirty="0">
+                    <a:solidFill>
+                      <a:schemeClr val="tx1"/>
+                    </a:solidFill>
+                  </a:rPr>
+                  <a:t>#</a:t>
+                </a:r>
+                <a:r>
+                  <a:rPr lang="en-SG" b="1" dirty="0" smtClean="0">
+                    <a:solidFill>
+                      <a:schemeClr val="tx1"/>
+                    </a:solidFill>
+                  </a:rPr>
+                  <a:t>CS2103 due 12-oct-16</a:t>
+                </a:r>
+                <a:endParaRPr lang="en-SG" b="1" dirty="0">
+                  <a:solidFill>
+                    <a:schemeClr val="tx1"/>
+                  </a:solidFill>
+                </a:endParaRPr>
+              </a:p>
+            </p:txBody>
+          </p:sp>
+          <p:graphicFrame>
+            <p:nvGraphicFramePr>
+              <p:cNvPr id="10" name="Object 9"/>
+              <p:cNvGraphicFramePr>
+                <a:graphicFrameLocks noChangeAspect="1"/>
+              </p:cNvGraphicFramePr>
+              <p:nvPr>
+                <p:extLst/>
+              </p:nvPr>
+            </p:nvGraphicFramePr>
+            <p:xfrm>
+              <a:off x="2332179" y="818533"/>
+              <a:ext cx="4030461" cy="4057369"/>
+            </p:xfrm>
+            <a:graphic>
+              <a:graphicData uri="http://schemas.openxmlformats.org/presentationml/2006/ole">
+                <mc:AlternateContent xmlns:mc="http://schemas.openxmlformats.org/markup-compatibility/2006">
+                  <mc:Choice xmlns:v="urn:schemas-microsoft-com:vml" Requires="v">
+                    <p:oleObj spid="_x0000_s8197" name="Worksheet" r:id="rId3" imgW="3028999" imgH="1479425" progId="Excel.Sheet.12">
+                      <p:embed/>
+                    </p:oleObj>
+                  </mc:Choice>
+                  <mc:Fallback>
+                    <p:oleObj name="Worksheet" r:id="rId3" imgW="3028999" imgH="1479425" progId="Excel.Sheet.12">
+                      <p:embed/>
+                      <p:pic>
+                        <p:nvPicPr>
+                          <p:cNvPr id="0" name=""/>
+                          <p:cNvPicPr/>
+                          <p:nvPr/>
+                        </p:nvPicPr>
+                        <p:blipFill>
+                          <a:blip r:embed="rId4"/>
+                          <a:stretch>
+                            <a:fillRect/>
+                          </a:stretch>
+                        </p:blipFill>
+                        <p:spPr>
+                          <a:xfrm>
+                            <a:off x="2332179" y="818533"/>
+                            <a:ext cx="4030461" cy="4057369"/>
+                          </a:xfrm>
+                          <a:prstGeom prst="rect">
+                            <a:avLst/>
+                          </a:prstGeom>
+                          <a:solidFill>
+                            <a:srgbClr val="7E57C2"/>
+                          </a:solidFill>
+                        </p:spPr>
+                      </p:pic>
+                    </p:oleObj>
+                  </mc:Fallback>
+                </mc:AlternateContent>
+              </a:graphicData>
+            </a:graphic>
+          </p:graphicFrame>
+        </p:grpSp>
+        <p:cxnSp>
+          <p:nvCxnSpPr>
+            <p:cNvPr id="12" name="Straight Connector 11"/>
+            <p:cNvCxnSpPr/>
+            <p:nvPr/>
+          </p:nvCxnSpPr>
+          <p:spPr>
+            <a:xfrm flipV="1">
+              <a:off x="7189422" y="1407796"/>
+              <a:ext cx="2653485" cy="0"/>
+            </a:xfrm>
+            <a:prstGeom prst="line">
+              <a:avLst/>
+            </a:prstGeom>
+            <a:ln w="50800">
+              <a:solidFill>
+                <a:schemeClr val="bg1"/>
+              </a:solidFill>
+            </a:ln>
+          </p:spPr>
+          <p:style>
+            <a:lnRef idx="1">
+              <a:schemeClr val="accent1"/>
+            </a:lnRef>
+            <a:fillRef idx="0">
+              <a:schemeClr val="accent1"/>
+            </a:fillRef>
+            <a:effectRef idx="0">
+              <a:schemeClr val="accent1"/>
+            </a:effectRef>
+            <a:fontRef idx="minor">
+              <a:schemeClr val="tx1"/>
+            </a:fontRef>
+          </p:style>
+        </p:cxnSp>
+      </p:grpSp>
+    </p:spTree>
+    <p:extLst>
+      <p:ext uri="{BB962C8B-B14F-4D97-AF65-F5344CB8AC3E}">
+        <p14:creationId xmlns:p14="http://schemas.microsoft.com/office/powerpoint/2010/main" val="1646479455"/>
+      </p:ext>
+    </p:extLst>
+  </p:cSld>
+  <p:clrMapOvr>
+    <a:masterClrMapping/>
+  </p:clrMapOvr>
+</p:sld>
+</file>
+
+<file path=ppt/slides/slide11.xml><?xml version="1.0" encoding="utf-8"?>
+<p:sld xmlns:a="http://schemas.openxmlformats.org/drawingml/2006/main" xmlns:r="http://schemas.openxmlformats.org/officeDocument/2006/relationships" xmlns:p="http://schemas.openxmlformats.org/presentationml/2006/main">
+  <p:cSld>
+    <p:spTree>
+      <p:nvGrpSpPr>
+        <p:cNvPr id="1" name=""/>
+        <p:cNvGrpSpPr/>
+        <p:nvPr/>
+      </p:nvGrpSpPr>
+      <p:grpSpPr>
+        <a:xfrm>
+          <a:off x="0" y="0"/>
+          <a:ext cx="0" cy="0"/>
+          <a:chOff x="0" y="0"/>
+          <a:chExt cx="0" cy="0"/>
+        </a:xfrm>
+      </p:grpSpPr>
+      <p:sp>
+        <p:nvSpPr>
+          <p:cNvPr id="2" name="Title 1"/>
+          <p:cNvSpPr>
+            <a:spLocks noGrp="1"/>
+          </p:cNvSpPr>
+          <p:nvPr>
+            <p:ph type="title"/>
+          </p:nvPr>
+        </p:nvSpPr>
+        <p:spPr/>
+        <p:txBody>
+          <a:bodyPr/>
+          <a:lstStyle/>
+          <a:p>
+            <a:endParaRPr lang="en-SG"/>
+          </a:p>
+        </p:txBody>
+      </p:sp>
+      <p:sp>
+        <p:nvSpPr>
+          <p:cNvPr id="3" name="Content Placeholder 2"/>
+          <p:cNvSpPr>
+            <a:spLocks noGrp="1"/>
+          </p:cNvSpPr>
+          <p:nvPr>
+            <p:ph idx="1"/>
+          </p:nvPr>
+        </p:nvSpPr>
+        <p:spPr/>
+        <p:txBody>
+          <a:bodyPr/>
+          <a:lstStyle/>
+          <a:p>
+            <a:endParaRPr lang="en-SG"/>
+          </a:p>
+        </p:txBody>
+      </p:sp>
+    </p:spTree>
+    <p:extLst>
+      <p:ext uri="{BB962C8B-B14F-4D97-AF65-F5344CB8AC3E}">
+        <p14:creationId xmlns:p14="http://schemas.microsoft.com/office/powerpoint/2010/main" val="3735868120"/>
       </p:ext>
     </p:extLst>
   </p:cSld>
@@ -4255,7 +6146,4157 @@
 </p:sld>
 </file>
 
+<file path=ppt/slides/slide4.xml><?xml version="1.0" encoding="utf-8"?>
+<p:sld xmlns:a="http://schemas.openxmlformats.org/drawingml/2006/main" xmlns:r="http://schemas.openxmlformats.org/officeDocument/2006/relationships" xmlns:p="http://schemas.openxmlformats.org/presentationml/2006/main">
+  <p:cSld>
+    <p:spTree>
+      <p:nvGrpSpPr>
+        <p:cNvPr id="1" name=""/>
+        <p:cNvGrpSpPr/>
+        <p:nvPr/>
+      </p:nvGrpSpPr>
+      <p:grpSpPr>
+        <a:xfrm>
+          <a:off x="0" y="0"/>
+          <a:ext cx="0" cy="0"/>
+          <a:chOff x="0" y="0"/>
+          <a:chExt cx="0" cy="0"/>
+        </a:xfrm>
+      </p:grpSpPr>
+      <p:pic>
+        <p:nvPicPr>
+          <p:cNvPr id="8" name="Picture 7"/>
+          <p:cNvPicPr>
+            <a:picLocks noChangeAspect="1"/>
+          </p:cNvPicPr>
+          <p:nvPr/>
+        </p:nvPicPr>
+        <p:blipFill>
+          <a:blip r:embed="rId4"/>
+          <a:stretch>
+            <a:fillRect/>
+          </a:stretch>
+        </p:blipFill>
+        <p:spPr>
+          <a:xfrm>
+            <a:off x="13147081" y="1224446"/>
+            <a:ext cx="4006647" cy="4114964"/>
+          </a:xfrm>
+          <a:prstGeom prst="rect">
+            <a:avLst/>
+          </a:prstGeom>
+          <a:solidFill>
+            <a:srgbClr val="0070C0"/>
+          </a:solidFill>
+          <a:ln>
+            <a:noFill/>
+          </a:ln>
+          <a:effectLst>
+            <a:outerShdw blurRad="107950" dist="12700" dir="5400000" algn="ctr">
+              <a:srgbClr val="000000"/>
+            </a:outerShdw>
+          </a:effectLst>
+          <a:scene3d>
+            <a:camera prst="orthographicFront">
+              <a:rot lat="0" lon="0" rev="0"/>
+            </a:camera>
+            <a:lightRig rig="soft" dir="t">
+              <a:rot lat="0" lon="0" rev="0"/>
+            </a:lightRig>
+          </a:scene3d>
+          <a:sp3d contourW="44450" prstMaterial="matte">
+            <a:bevelT w="63500" h="63500" prst="artDeco"/>
+            <a:contourClr>
+              <a:srgbClr val="FFFFFF"/>
+            </a:contourClr>
+          </a:sp3d>
+        </p:spPr>
+      </p:pic>
+      <p:grpSp>
+        <p:nvGrpSpPr>
+          <p:cNvPr id="2" name="Group 1"/>
+          <p:cNvGrpSpPr/>
+          <p:nvPr/>
+        </p:nvGrpSpPr>
+        <p:grpSpPr>
+          <a:xfrm>
+            <a:off x="3277866" y="-74782"/>
+            <a:ext cx="7274812" cy="6482883"/>
+            <a:chOff x="2289893" y="187976"/>
+            <a:chExt cx="7274812" cy="6482883"/>
+          </a:xfrm>
+        </p:grpSpPr>
+        <p:sp>
+          <p:nvSpPr>
+            <p:cNvPr id="7" name="Rectangle 6"/>
+            <p:cNvSpPr/>
+            <p:nvPr/>
+          </p:nvSpPr>
+          <p:spPr>
+            <a:xfrm>
+              <a:off x="2289893" y="187976"/>
+              <a:ext cx="7274811" cy="581188"/>
+            </a:xfrm>
+            <a:prstGeom prst="rect">
+              <a:avLst/>
+            </a:prstGeom>
+            <a:solidFill>
+              <a:srgbClr val="4527A0"/>
+            </a:solidFill>
+            <a:ln>
+              <a:solidFill>
+                <a:schemeClr val="bg1"/>
+              </a:solidFill>
+            </a:ln>
+            <a:effectLst>
+              <a:outerShdw blurRad="107950" dist="12700" dir="5400000" algn="ctr">
+                <a:srgbClr val="000000"/>
+              </a:outerShdw>
+            </a:effectLst>
+            <a:scene3d>
+              <a:camera prst="orthographicFront">
+                <a:rot lat="0" lon="0" rev="0"/>
+              </a:camera>
+              <a:lightRig rig="soft" dir="t">
+                <a:rot lat="0" lon="0" rev="0"/>
+              </a:lightRig>
+            </a:scene3d>
+            <a:sp3d contourW="44450" prstMaterial="matte">
+              <a:bevelT w="63500" h="63500" prst="artDeco"/>
+              <a:contourClr>
+                <a:srgbClr val="FFFFFF"/>
+              </a:contourClr>
+            </a:sp3d>
+          </p:spPr>
+          <p:style>
+            <a:lnRef idx="2">
+              <a:schemeClr val="accent1">
+                <a:shade val="50000"/>
+              </a:schemeClr>
+            </a:lnRef>
+            <a:fillRef idx="1">
+              <a:schemeClr val="accent1"/>
+            </a:fillRef>
+            <a:effectRef idx="0">
+              <a:schemeClr val="accent1"/>
+            </a:effectRef>
+            <a:fontRef idx="minor">
+              <a:schemeClr val="lt1"/>
+            </a:fontRef>
+          </p:style>
+          <p:txBody>
+            <a:bodyPr rtlCol="0" anchor="ctr"/>
+            <a:lstStyle/>
+            <a:p>
+              <a:pPr algn="ctr"/>
+              <a:r>
+                <a:rPr lang="en-SG" sz="2800" b="1" dirty="0" err="1" smtClean="0">
+                  <a:latin typeface="Segoe Script" panose="030B0504020000000003" pitchFamily="66" charset="0"/>
+                  <a:cs typeface="Segoe UI Semibold" panose="020B0702040204020203" pitchFamily="34" charset="0"/>
+                </a:rPr>
+                <a:t>SmartyDo</a:t>
+              </a:r>
+              <a:endParaRPr lang="en-SG" sz="2800" b="1" dirty="0">
+                <a:latin typeface="Segoe Script" panose="030B0504020000000003" pitchFamily="66" charset="0"/>
+                <a:cs typeface="Segoe UI Semibold" panose="020B0702040204020203" pitchFamily="34" charset="0"/>
+              </a:endParaRPr>
+            </a:p>
+          </p:txBody>
+        </p:sp>
+        <p:sp>
+          <p:nvSpPr>
+            <p:cNvPr id="9" name="TextBox 8"/>
+            <p:cNvSpPr txBox="1">
+              <a:spLocks noChangeAspect="1"/>
+            </p:cNvSpPr>
+            <p:nvPr/>
+          </p:nvSpPr>
+          <p:spPr>
+            <a:xfrm>
+              <a:off x="6362641" y="818533"/>
+              <a:ext cx="3202063" cy="4065597"/>
+            </a:xfrm>
+            <a:prstGeom prst="rect">
+              <a:avLst/>
+            </a:prstGeom>
+            <a:solidFill>
+              <a:srgbClr val="5E35B1"/>
+            </a:solidFill>
+            <a:ln>
+              <a:solidFill>
+                <a:schemeClr val="bg1"/>
+              </a:solidFill>
+            </a:ln>
+            <a:effectLst>
+              <a:outerShdw blurRad="107950" dist="12700" dir="5400000" algn="ctr">
+                <a:srgbClr val="000000"/>
+              </a:outerShdw>
+            </a:effectLst>
+            <a:scene3d>
+              <a:camera prst="orthographicFront">
+                <a:rot lat="0" lon="0" rev="0"/>
+              </a:camera>
+              <a:lightRig rig="soft" dir="t">
+                <a:rot lat="0" lon="0" rev="0"/>
+              </a:lightRig>
+            </a:scene3d>
+            <a:sp3d contourW="44450" prstMaterial="matte">
+              <a:bevelT w="63500" h="63500" prst="artDeco"/>
+              <a:contourClr>
+                <a:srgbClr val="FFFFFF"/>
+              </a:contourClr>
+            </a:sp3d>
+          </p:spPr>
+          <p:txBody>
+            <a:bodyPr wrap="square" rtlCol="0">
+              <a:noAutofit/>
+            </a:bodyPr>
+            <a:lstStyle/>
+            <a:p>
+              <a:pPr algn="ctr"/>
+              <a:r>
+                <a:rPr lang="en-SG" sz="2800" b="1" dirty="0" err="1" smtClean="0">
+                  <a:solidFill>
+                    <a:schemeClr val="bg1"/>
+                  </a:solidFill>
+                </a:rPr>
+                <a:t>VisualBox</a:t>
+              </a:r>
+              <a:endParaRPr lang="en-SG" sz="2800" b="1" dirty="0" smtClean="0">
+                <a:solidFill>
+                  <a:schemeClr val="bg1"/>
+                </a:solidFill>
+              </a:endParaRPr>
+            </a:p>
+            <a:p>
+              <a:pPr algn="ctr"/>
+              <a:endParaRPr lang="en-SG" b="1" dirty="0">
+                <a:solidFill>
+                  <a:schemeClr val="bg1"/>
+                </a:solidFill>
+              </a:endParaRPr>
+            </a:p>
+            <a:p>
+              <a:pPr algn="ctr"/>
+              <a:r>
+                <a:rPr lang="en-SG" sz="2800" b="1" dirty="0" smtClean="0">
+                  <a:solidFill>
+                    <a:schemeClr val="bg1"/>
+                  </a:solidFill>
+                  <a:latin typeface="Viner Hand ITC" panose="03070502030502020203" pitchFamily="66" charset="0"/>
+                </a:rPr>
+                <a:t>Welcome to </a:t>
+              </a:r>
+              <a:r>
+                <a:rPr lang="en-SG" sz="2800" b="1" dirty="0" err="1" smtClean="0">
+                  <a:solidFill>
+                    <a:schemeClr val="bg1"/>
+                  </a:solidFill>
+                  <a:latin typeface="Viner Hand ITC" panose="03070502030502020203" pitchFamily="66" charset="0"/>
+                </a:rPr>
+                <a:t>SmartyDo</a:t>
+              </a:r>
+              <a:endParaRPr lang="en-SG" sz="2800" b="1" dirty="0" smtClean="0">
+                <a:solidFill>
+                  <a:schemeClr val="bg1"/>
+                </a:solidFill>
+                <a:latin typeface="Viner Hand ITC" panose="03070502030502020203" pitchFamily="66" charset="0"/>
+              </a:endParaRPr>
+            </a:p>
+            <a:p>
+              <a:pPr algn="ctr"/>
+              <a:endParaRPr lang="en-SG" sz="2800" b="1" dirty="0">
+                <a:solidFill>
+                  <a:schemeClr val="bg1"/>
+                </a:solidFill>
+              </a:endParaRPr>
+            </a:p>
+            <a:p>
+              <a:pPr algn="ctr"/>
+              <a:r>
+                <a:rPr lang="en-SG" sz="1600" b="1" dirty="0" smtClean="0">
+                  <a:solidFill>
+                    <a:schemeClr val="bg1"/>
+                  </a:solidFill>
+                </a:rPr>
+                <a:t>Enter “Help” to get started or key in any other command to continue where you left off.</a:t>
+              </a:r>
+            </a:p>
+          </p:txBody>
+        </p:sp>
+        <p:sp>
+          <p:nvSpPr>
+            <p:cNvPr id="15" name="Rectangle 14"/>
+            <p:cNvSpPr/>
+            <p:nvPr/>
+          </p:nvSpPr>
+          <p:spPr>
+            <a:xfrm>
+              <a:off x="2289893" y="818533"/>
+              <a:ext cx="4072747" cy="4065597"/>
+            </a:xfrm>
+            <a:prstGeom prst="rect">
+              <a:avLst/>
+            </a:prstGeom>
+            <a:solidFill>
+              <a:srgbClr val="7E57C2"/>
+            </a:solidFill>
+            <a:ln>
+              <a:solidFill>
+                <a:schemeClr val="bg1"/>
+              </a:solidFill>
+            </a:ln>
+            <a:effectLst>
+              <a:outerShdw blurRad="107950" dist="12700" dir="5400000" algn="ctr">
+                <a:srgbClr val="000000"/>
+              </a:outerShdw>
+            </a:effectLst>
+            <a:scene3d>
+              <a:camera prst="orthographicFront">
+                <a:rot lat="0" lon="0" rev="0"/>
+              </a:camera>
+              <a:lightRig rig="soft" dir="t">
+                <a:rot lat="0" lon="0" rev="0"/>
+              </a:lightRig>
+            </a:scene3d>
+            <a:sp3d contourW="44450" prstMaterial="matte">
+              <a:bevelT w="63500" h="63500" prst="artDeco"/>
+              <a:contourClr>
+                <a:srgbClr val="FFFFFF"/>
+              </a:contourClr>
+            </a:sp3d>
+          </p:spPr>
+          <p:style>
+            <a:lnRef idx="2">
+              <a:schemeClr val="accent1">
+                <a:shade val="50000"/>
+              </a:schemeClr>
+            </a:lnRef>
+            <a:fillRef idx="1">
+              <a:schemeClr val="accent1"/>
+            </a:fillRef>
+            <a:effectRef idx="0">
+              <a:schemeClr val="accent1"/>
+            </a:effectRef>
+            <a:fontRef idx="minor">
+              <a:schemeClr val="lt1"/>
+            </a:fontRef>
+          </p:style>
+          <p:txBody>
+            <a:bodyPr rtlCol="0" anchor="ctr"/>
+            <a:lstStyle/>
+            <a:p>
+              <a:pPr algn="ctr"/>
+              <a:endParaRPr lang="en-SG"/>
+            </a:p>
+          </p:txBody>
+        </p:sp>
+        <p:sp>
+          <p:nvSpPr>
+            <p:cNvPr id="5" name="Rectangle 4"/>
+            <p:cNvSpPr/>
+            <p:nvPr/>
+          </p:nvSpPr>
+          <p:spPr>
+            <a:xfrm>
+              <a:off x="2289893" y="6061259"/>
+              <a:ext cx="7274812" cy="609600"/>
+            </a:xfrm>
+            <a:prstGeom prst="rect">
+              <a:avLst/>
+            </a:prstGeom>
+            <a:solidFill>
+              <a:srgbClr val="4527A0"/>
+            </a:solidFill>
+            <a:ln>
+              <a:solidFill>
+                <a:schemeClr val="bg1"/>
+              </a:solidFill>
+            </a:ln>
+            <a:effectLst>
+              <a:outerShdw blurRad="107950" dist="12700" dir="5400000" algn="ctr">
+                <a:srgbClr val="000000"/>
+              </a:outerShdw>
+            </a:effectLst>
+            <a:scene3d>
+              <a:camera prst="orthographicFront">
+                <a:rot lat="0" lon="0" rev="0"/>
+              </a:camera>
+              <a:lightRig rig="soft" dir="t">
+                <a:rot lat="0" lon="0" rev="0"/>
+              </a:lightRig>
+            </a:scene3d>
+            <a:sp3d contourW="44450" prstMaterial="matte">
+              <a:bevelT w="63500" h="63500" prst="artDeco"/>
+              <a:contourClr>
+                <a:srgbClr val="FFFFFF"/>
+              </a:contourClr>
+            </a:sp3d>
+          </p:spPr>
+          <p:style>
+            <a:lnRef idx="0">
+              <a:schemeClr val="accent5"/>
+            </a:lnRef>
+            <a:fillRef idx="1003">
+              <a:schemeClr val="dk2"/>
+            </a:fillRef>
+            <a:effectRef idx="3">
+              <a:schemeClr val="accent5"/>
+            </a:effectRef>
+            <a:fontRef idx="minor">
+              <a:schemeClr val="lt1"/>
+            </a:fontRef>
+          </p:style>
+          <p:txBody>
+            <a:bodyPr rtlCol="0" anchor="ctr"/>
+            <a:lstStyle/>
+            <a:p>
+              <a:r>
+                <a:rPr lang="en-SG" dirty="0" smtClean="0"/>
+                <a:t>&gt;&gt; </a:t>
+              </a:r>
+              <a:r>
+                <a:rPr lang="en-SG" dirty="0"/>
+                <a:t> </a:t>
+              </a:r>
+              <a:r>
+                <a:rPr lang="en-SG" b="1" dirty="0" smtClean="0"/>
+                <a:t>Command Bar</a:t>
+              </a:r>
+              <a:endParaRPr lang="en-SG" b="1" dirty="0"/>
+            </a:p>
+          </p:txBody>
+        </p:sp>
+        <p:sp>
+          <p:nvSpPr>
+            <p:cNvPr id="6" name="Rectangle 5"/>
+            <p:cNvSpPr/>
+            <p:nvPr/>
+          </p:nvSpPr>
+          <p:spPr>
+            <a:xfrm>
+              <a:off x="2289893" y="4933499"/>
+              <a:ext cx="7274812" cy="1127760"/>
+            </a:xfrm>
+            <a:prstGeom prst="rect">
+              <a:avLst/>
+            </a:prstGeom>
+            <a:solidFill>
+              <a:srgbClr val="B39DDB"/>
+            </a:solidFill>
+            <a:ln>
+              <a:solidFill>
+                <a:schemeClr val="bg1"/>
+              </a:solidFill>
+            </a:ln>
+            <a:effectLst>
+              <a:outerShdw blurRad="107950" dist="12700" dir="5400000" algn="ctr">
+                <a:srgbClr val="000000"/>
+              </a:outerShdw>
+            </a:effectLst>
+            <a:scene3d>
+              <a:camera prst="orthographicFront">
+                <a:rot lat="0" lon="0" rev="0"/>
+              </a:camera>
+              <a:lightRig rig="soft" dir="t">
+                <a:rot lat="0" lon="0" rev="0"/>
+              </a:lightRig>
+            </a:scene3d>
+            <a:sp3d contourW="44450" prstMaterial="matte">
+              <a:bevelT w="63500" h="63500" prst="artDeco"/>
+              <a:contourClr>
+                <a:srgbClr val="FFFFFF"/>
+              </a:contourClr>
+            </a:sp3d>
+          </p:spPr>
+          <p:style>
+            <a:lnRef idx="2">
+              <a:schemeClr val="accent1">
+                <a:shade val="50000"/>
+              </a:schemeClr>
+            </a:lnRef>
+            <a:fillRef idx="1">
+              <a:schemeClr val="accent1"/>
+            </a:fillRef>
+            <a:effectRef idx="0">
+              <a:schemeClr val="accent1"/>
+            </a:effectRef>
+            <a:fontRef idx="minor">
+              <a:schemeClr val="lt1"/>
+            </a:fontRef>
+          </p:style>
+          <p:txBody>
+            <a:bodyPr rtlCol="0" anchor="t" anchorCtr="0"/>
+            <a:lstStyle/>
+            <a:p>
+              <a:r>
+                <a:rPr lang="en-SG" sz="2400" b="1" dirty="0" err="1" smtClean="0">
+                  <a:solidFill>
+                    <a:schemeClr val="tx1"/>
+                  </a:solidFill>
+                </a:rPr>
+                <a:t>MessageBox</a:t>
+              </a:r>
+              <a:endParaRPr lang="en-SG" b="1" dirty="0">
+                <a:solidFill>
+                  <a:schemeClr val="tx1"/>
+                </a:solidFill>
+              </a:endParaRPr>
+            </a:p>
+          </p:txBody>
+        </p:sp>
+        <p:graphicFrame>
+          <p:nvGraphicFramePr>
+            <p:cNvPr id="13" name="Object 12"/>
+            <p:cNvGraphicFramePr>
+              <a:graphicFrameLocks noChangeAspect="1"/>
+            </p:cNvGraphicFramePr>
+            <p:nvPr>
+              <p:extLst>
+                <p:ext uri="{D42A27DB-BD31-4B8C-83A1-F6EECF244321}">
+                  <p14:modId xmlns:p14="http://schemas.microsoft.com/office/powerpoint/2010/main" val="3923628017"/>
+                </p:ext>
+              </p:extLst>
+            </p:nvPr>
+          </p:nvGraphicFramePr>
+          <p:xfrm>
+            <a:off x="2332179" y="818533"/>
+            <a:ext cx="4030461" cy="4057369"/>
+          </p:xfrm>
+          <a:graphic>
+            <a:graphicData uri="http://schemas.openxmlformats.org/presentationml/2006/ole">
+              <mc:AlternateContent xmlns:mc="http://schemas.openxmlformats.org/markup-compatibility/2006">
+                <mc:Choice xmlns:v="urn:schemas-microsoft-com:vml" Requires="v">
+                  <p:oleObj spid="_x0000_s1039" name="Worksheet" r:id="rId5" imgW="3028999" imgH="1479425" progId="Excel.Sheet.12">
+                    <p:embed/>
+                  </p:oleObj>
+                </mc:Choice>
+                <mc:Fallback>
+                  <p:oleObj name="Worksheet" r:id="rId5" imgW="3028999" imgH="1479425" progId="Excel.Sheet.12">
+                    <p:embed/>
+                    <p:pic>
+                      <p:nvPicPr>
+                        <p:cNvPr id="0" name=""/>
+                        <p:cNvPicPr/>
+                        <p:nvPr/>
+                      </p:nvPicPr>
+                      <p:blipFill>
+                        <a:blip r:embed="rId6"/>
+                        <a:stretch>
+                          <a:fillRect/>
+                        </a:stretch>
+                      </p:blipFill>
+                      <p:spPr>
+                        <a:xfrm>
+                          <a:off x="2332179" y="818533"/>
+                          <a:ext cx="4030461" cy="4057369"/>
+                        </a:xfrm>
+                        <a:prstGeom prst="rect">
+                          <a:avLst/>
+                        </a:prstGeom>
+                        <a:solidFill>
+                          <a:srgbClr val="7E57C2"/>
+                        </a:solidFill>
+                      </p:spPr>
+                    </p:pic>
+                  </p:oleObj>
+                </mc:Fallback>
+              </mc:AlternateContent>
+            </a:graphicData>
+          </a:graphic>
+        </p:graphicFrame>
+      </p:grpSp>
+    </p:spTree>
+    <p:extLst>
+      <p:ext uri="{BB962C8B-B14F-4D97-AF65-F5344CB8AC3E}">
+        <p14:creationId xmlns:p14="http://schemas.microsoft.com/office/powerpoint/2010/main" val="4093789132"/>
+      </p:ext>
+    </p:extLst>
+  </p:cSld>
+  <p:clrMapOvr>
+    <a:masterClrMapping/>
+  </p:clrMapOvr>
+</p:sld>
+</file>
+
+<file path=ppt/slides/slide5.xml><?xml version="1.0" encoding="utf-8"?>
+<p:sld xmlns:a="http://schemas.openxmlformats.org/drawingml/2006/main" xmlns:r="http://schemas.openxmlformats.org/officeDocument/2006/relationships" xmlns:p="http://schemas.openxmlformats.org/presentationml/2006/main">
+  <p:cSld>
+    <p:spTree>
+      <p:nvGrpSpPr>
+        <p:cNvPr id="1" name=""/>
+        <p:cNvGrpSpPr/>
+        <p:nvPr/>
+      </p:nvGrpSpPr>
+      <p:grpSpPr>
+        <a:xfrm>
+          <a:off x="0" y="0"/>
+          <a:ext cx="0" cy="0"/>
+          <a:chOff x="0" y="0"/>
+          <a:chExt cx="0" cy="0"/>
+        </a:xfrm>
+      </p:grpSpPr>
+      <p:sp>
+        <p:nvSpPr>
+          <p:cNvPr id="2" name="Title 1"/>
+          <p:cNvSpPr>
+            <a:spLocks noGrp="1"/>
+          </p:cNvSpPr>
+          <p:nvPr>
+            <p:ph type="title"/>
+          </p:nvPr>
+        </p:nvSpPr>
+        <p:spPr/>
+        <p:txBody>
+          <a:bodyPr/>
+          <a:lstStyle/>
+          <a:p>
+            <a:endParaRPr lang="en-SG"/>
+          </a:p>
+        </p:txBody>
+      </p:sp>
+      <p:sp>
+        <p:nvSpPr>
+          <p:cNvPr id="3" name="Content Placeholder 2"/>
+          <p:cNvSpPr>
+            <a:spLocks noGrp="1"/>
+          </p:cNvSpPr>
+          <p:nvPr>
+            <p:ph idx="1"/>
+          </p:nvPr>
+        </p:nvSpPr>
+        <p:spPr/>
+        <p:txBody>
+          <a:bodyPr/>
+          <a:lstStyle/>
+          <a:p>
+            <a:endParaRPr lang="en-SG" dirty="0"/>
+          </a:p>
+        </p:txBody>
+      </p:sp>
+      <p:grpSp>
+        <p:nvGrpSpPr>
+          <p:cNvPr id="11" name="Group 10"/>
+          <p:cNvGrpSpPr/>
+          <p:nvPr/>
+        </p:nvGrpSpPr>
+        <p:grpSpPr>
+          <a:xfrm>
+            <a:off x="-94365" y="0"/>
+            <a:ext cx="12380729" cy="6482883"/>
+            <a:chOff x="2289892" y="187976"/>
+            <a:chExt cx="12380729" cy="6482883"/>
+          </a:xfrm>
+        </p:grpSpPr>
+        <p:sp>
+          <p:nvSpPr>
+            <p:cNvPr id="12" name="Rectangle 11"/>
+            <p:cNvSpPr/>
+            <p:nvPr/>
+          </p:nvSpPr>
+          <p:spPr>
+            <a:xfrm>
+              <a:off x="2289893" y="187976"/>
+              <a:ext cx="7274811" cy="581188"/>
+            </a:xfrm>
+            <a:prstGeom prst="rect">
+              <a:avLst/>
+            </a:prstGeom>
+            <a:solidFill>
+              <a:srgbClr val="4527A0"/>
+            </a:solidFill>
+            <a:ln>
+              <a:solidFill>
+                <a:schemeClr val="bg1"/>
+              </a:solidFill>
+            </a:ln>
+            <a:effectLst>
+              <a:outerShdw blurRad="107950" dist="12700" dir="5400000" algn="ctr">
+                <a:srgbClr val="000000"/>
+              </a:outerShdw>
+            </a:effectLst>
+            <a:scene3d>
+              <a:camera prst="orthographicFront">
+                <a:rot lat="0" lon="0" rev="0"/>
+              </a:camera>
+              <a:lightRig rig="soft" dir="t">
+                <a:rot lat="0" lon="0" rev="0"/>
+              </a:lightRig>
+            </a:scene3d>
+            <a:sp3d contourW="44450" prstMaterial="matte">
+              <a:bevelT w="63500" h="63500" prst="artDeco"/>
+              <a:contourClr>
+                <a:srgbClr val="FFFFFF"/>
+              </a:contourClr>
+            </a:sp3d>
+          </p:spPr>
+          <p:style>
+            <a:lnRef idx="2">
+              <a:schemeClr val="accent1">
+                <a:shade val="50000"/>
+              </a:schemeClr>
+            </a:lnRef>
+            <a:fillRef idx="1">
+              <a:schemeClr val="accent1"/>
+            </a:fillRef>
+            <a:effectRef idx="0">
+              <a:schemeClr val="accent1"/>
+            </a:effectRef>
+            <a:fontRef idx="minor">
+              <a:schemeClr val="lt1"/>
+            </a:fontRef>
+          </p:style>
+          <p:txBody>
+            <a:bodyPr rtlCol="0" anchor="ctr"/>
+            <a:lstStyle/>
+            <a:p>
+              <a:pPr algn="ctr"/>
+              <a:r>
+                <a:rPr lang="en-SG" sz="2800" b="1" dirty="0" err="1" smtClean="0">
+                  <a:latin typeface="Segoe Script" panose="030B0504020000000003" pitchFamily="66" charset="0"/>
+                  <a:cs typeface="Segoe UI Semibold" panose="020B0702040204020203" pitchFamily="34" charset="0"/>
+                </a:rPr>
+                <a:t>SmartyDo</a:t>
+              </a:r>
+              <a:endParaRPr lang="en-SG" sz="2800" b="1" dirty="0">
+                <a:latin typeface="Segoe Script" panose="030B0504020000000003" pitchFamily="66" charset="0"/>
+                <a:cs typeface="Segoe UI Semibold" panose="020B0702040204020203" pitchFamily="34" charset="0"/>
+              </a:endParaRPr>
+            </a:p>
+          </p:txBody>
+        </p:sp>
+        <p:sp>
+          <p:nvSpPr>
+            <p:cNvPr id="13" name="TextBox 12"/>
+            <p:cNvSpPr txBox="1">
+              <a:spLocks noChangeAspect="1"/>
+            </p:cNvSpPr>
+            <p:nvPr/>
+          </p:nvSpPr>
+          <p:spPr>
+            <a:xfrm>
+              <a:off x="6362641" y="818533"/>
+              <a:ext cx="3202063" cy="4065597"/>
+            </a:xfrm>
+            <a:prstGeom prst="rect">
+              <a:avLst/>
+            </a:prstGeom>
+            <a:solidFill>
+              <a:srgbClr val="5E35B1"/>
+            </a:solidFill>
+            <a:ln>
+              <a:solidFill>
+                <a:schemeClr val="bg1"/>
+              </a:solidFill>
+            </a:ln>
+            <a:effectLst>
+              <a:outerShdw blurRad="107950" dist="12700" dir="5400000" algn="ctr">
+                <a:srgbClr val="000000"/>
+              </a:outerShdw>
+            </a:effectLst>
+            <a:scene3d>
+              <a:camera prst="orthographicFront">
+                <a:rot lat="0" lon="0" rev="0"/>
+              </a:camera>
+              <a:lightRig rig="soft" dir="t">
+                <a:rot lat="0" lon="0" rev="0"/>
+              </a:lightRig>
+            </a:scene3d>
+            <a:sp3d contourW="44450" prstMaterial="matte">
+              <a:bevelT w="63500" h="63500" prst="artDeco"/>
+              <a:contourClr>
+                <a:srgbClr val="FFFFFF"/>
+              </a:contourClr>
+            </a:sp3d>
+          </p:spPr>
+          <p:txBody>
+            <a:bodyPr wrap="square" rtlCol="0">
+              <a:noAutofit/>
+            </a:bodyPr>
+            <a:lstStyle/>
+            <a:p>
+              <a:pPr algn="ctr"/>
+              <a:r>
+                <a:rPr lang="en-SG" sz="2800" b="1" dirty="0" smtClean="0">
+                  <a:solidFill>
+                    <a:schemeClr val="bg1"/>
+                  </a:solidFill>
+                </a:rPr>
+                <a:t>Upcoming [12-Oct]</a:t>
+              </a:r>
+            </a:p>
+            <a:p>
+              <a:pPr algn="ctr"/>
+              <a:endParaRPr lang="en-SG" sz="2800" b="1" dirty="0">
+                <a:solidFill>
+                  <a:schemeClr val="bg1"/>
+                </a:solidFill>
+                <a:latin typeface="Viner Hand ITC" panose="03070502030502020203" pitchFamily="66" charset="0"/>
+              </a:endParaRPr>
+            </a:p>
+            <a:p>
+              <a:pPr algn="ctr"/>
+              <a:endParaRPr lang="en-SG" sz="2800" b="1" dirty="0">
+                <a:solidFill>
+                  <a:schemeClr val="bg1"/>
+                </a:solidFill>
+                <a:latin typeface="Viner Hand ITC" panose="03070502030502020203" pitchFamily="66" charset="0"/>
+              </a:endParaRPr>
+            </a:p>
+            <a:p>
+              <a:pPr algn="ctr"/>
+              <a:r>
+                <a:rPr lang="en-SG" sz="2800" b="1" dirty="0" smtClean="0">
+                  <a:solidFill>
+                    <a:schemeClr val="bg1"/>
+                  </a:solidFill>
+                  <a:latin typeface="Segoe Print" panose="02000600000000000000" pitchFamily="2" charset="0"/>
+                </a:rPr>
+                <a:t>1</a:t>
+              </a:r>
+              <a:r>
+                <a:rPr lang="en-SG" sz="2800" b="1" dirty="0">
+                  <a:solidFill>
+                    <a:schemeClr val="bg1"/>
+                  </a:solidFill>
+                  <a:latin typeface="Segoe Print" panose="02000600000000000000" pitchFamily="2" charset="0"/>
+                </a:rPr>
+                <a:t>. User Guide </a:t>
+              </a:r>
+            </a:p>
+            <a:p>
+              <a:pPr algn="ctr"/>
+              <a:endParaRPr lang="en-SG" sz="2800" b="1" dirty="0" smtClean="0">
+                <a:solidFill>
+                  <a:schemeClr val="bg1"/>
+                </a:solidFill>
+                <a:latin typeface="Viner Hand ITC" panose="03070502030502020203" pitchFamily="66" charset="0"/>
+              </a:endParaRPr>
+            </a:p>
+          </p:txBody>
+        </p:sp>
+        <p:sp>
+          <p:nvSpPr>
+            <p:cNvPr id="14" name="Rectangle 13"/>
+            <p:cNvSpPr/>
+            <p:nvPr/>
+          </p:nvSpPr>
+          <p:spPr>
+            <a:xfrm>
+              <a:off x="2289893" y="818533"/>
+              <a:ext cx="4072747" cy="4065597"/>
+            </a:xfrm>
+            <a:prstGeom prst="rect">
+              <a:avLst/>
+            </a:prstGeom>
+            <a:solidFill>
+              <a:srgbClr val="7E57C2"/>
+            </a:solidFill>
+            <a:ln>
+              <a:solidFill>
+                <a:schemeClr val="bg1"/>
+              </a:solidFill>
+            </a:ln>
+            <a:effectLst>
+              <a:outerShdw blurRad="107950" dist="12700" dir="5400000" algn="ctr">
+                <a:srgbClr val="000000"/>
+              </a:outerShdw>
+            </a:effectLst>
+            <a:scene3d>
+              <a:camera prst="orthographicFront">
+                <a:rot lat="0" lon="0" rev="0"/>
+              </a:camera>
+              <a:lightRig rig="soft" dir="t">
+                <a:rot lat="0" lon="0" rev="0"/>
+              </a:lightRig>
+            </a:scene3d>
+            <a:sp3d contourW="44450" prstMaterial="matte">
+              <a:bevelT w="63500" h="63500" prst="artDeco"/>
+              <a:contourClr>
+                <a:srgbClr val="FFFFFF"/>
+              </a:contourClr>
+            </a:sp3d>
+          </p:spPr>
+          <p:style>
+            <a:lnRef idx="2">
+              <a:schemeClr val="accent1">
+                <a:shade val="50000"/>
+              </a:schemeClr>
+            </a:lnRef>
+            <a:fillRef idx="1">
+              <a:schemeClr val="accent1"/>
+            </a:fillRef>
+            <a:effectRef idx="0">
+              <a:schemeClr val="accent1"/>
+            </a:effectRef>
+            <a:fontRef idx="minor">
+              <a:schemeClr val="lt1"/>
+            </a:fontRef>
+          </p:style>
+          <p:txBody>
+            <a:bodyPr rtlCol="0" anchor="ctr"/>
+            <a:lstStyle/>
+            <a:p>
+              <a:pPr algn="ctr"/>
+              <a:endParaRPr lang="en-SG"/>
+            </a:p>
+          </p:txBody>
+        </p:sp>
+        <p:sp>
+          <p:nvSpPr>
+            <p:cNvPr id="15" name="Rectangle 14"/>
+            <p:cNvSpPr/>
+            <p:nvPr/>
+          </p:nvSpPr>
+          <p:spPr>
+            <a:xfrm>
+              <a:off x="2289892" y="6061259"/>
+              <a:ext cx="7274812" cy="609600"/>
+            </a:xfrm>
+            <a:prstGeom prst="rect">
+              <a:avLst/>
+            </a:prstGeom>
+            <a:solidFill>
+              <a:srgbClr val="4527A0"/>
+            </a:solidFill>
+            <a:ln>
+              <a:solidFill>
+                <a:schemeClr val="bg1"/>
+              </a:solidFill>
+            </a:ln>
+            <a:effectLst>
+              <a:outerShdw blurRad="107950" dist="12700" dir="5400000" algn="ctr">
+                <a:srgbClr val="000000"/>
+              </a:outerShdw>
+            </a:effectLst>
+            <a:scene3d>
+              <a:camera prst="orthographicFront">
+                <a:rot lat="0" lon="0" rev="0"/>
+              </a:camera>
+              <a:lightRig rig="soft" dir="t">
+                <a:rot lat="0" lon="0" rev="0"/>
+              </a:lightRig>
+            </a:scene3d>
+            <a:sp3d contourW="44450" prstMaterial="matte">
+              <a:bevelT w="63500" h="63500" prst="artDeco"/>
+              <a:contourClr>
+                <a:srgbClr val="FFFFFF"/>
+              </a:contourClr>
+            </a:sp3d>
+          </p:spPr>
+          <p:style>
+            <a:lnRef idx="0">
+              <a:schemeClr val="accent5"/>
+            </a:lnRef>
+            <a:fillRef idx="1003">
+              <a:schemeClr val="dk2"/>
+            </a:fillRef>
+            <a:effectRef idx="3">
+              <a:schemeClr val="accent5"/>
+            </a:effectRef>
+            <a:fontRef idx="minor">
+              <a:schemeClr val="lt1"/>
+            </a:fontRef>
+          </p:style>
+          <p:txBody>
+            <a:bodyPr rtlCol="0" anchor="ctr"/>
+            <a:lstStyle/>
+            <a:p>
+              <a:r>
+                <a:rPr lang="en-SG" dirty="0" smtClean="0"/>
+                <a:t>&gt;&gt;  </a:t>
+              </a:r>
+              <a:r>
+                <a:rPr lang="en-SG" b="1" dirty="0" smtClean="0">
+                  <a:solidFill>
+                    <a:schemeClr val="bg1"/>
+                  </a:solidFill>
+                </a:rPr>
+                <a:t>view 121016</a:t>
+              </a:r>
+              <a:endParaRPr lang="en-SG" b="1" dirty="0">
+                <a:solidFill>
+                  <a:schemeClr val="bg1"/>
+                </a:solidFill>
+              </a:endParaRPr>
+            </a:p>
+          </p:txBody>
+        </p:sp>
+        <p:sp>
+          <p:nvSpPr>
+            <p:cNvPr id="16" name="Rectangle 15"/>
+            <p:cNvSpPr/>
+            <p:nvPr/>
+          </p:nvSpPr>
+          <p:spPr>
+            <a:xfrm>
+              <a:off x="2289893" y="4933499"/>
+              <a:ext cx="7274812" cy="1127760"/>
+            </a:xfrm>
+            <a:prstGeom prst="rect">
+              <a:avLst/>
+            </a:prstGeom>
+            <a:solidFill>
+              <a:srgbClr val="B39DDB"/>
+            </a:solidFill>
+            <a:ln>
+              <a:solidFill>
+                <a:schemeClr val="bg1"/>
+              </a:solidFill>
+            </a:ln>
+            <a:effectLst>
+              <a:outerShdw blurRad="107950" dist="12700" dir="5400000" algn="ctr">
+                <a:srgbClr val="000000"/>
+              </a:outerShdw>
+            </a:effectLst>
+            <a:scene3d>
+              <a:camera prst="orthographicFront">
+                <a:rot lat="0" lon="0" rev="0"/>
+              </a:camera>
+              <a:lightRig rig="soft" dir="t">
+                <a:rot lat="0" lon="0" rev="0"/>
+              </a:lightRig>
+            </a:scene3d>
+            <a:sp3d contourW="44450" prstMaterial="matte">
+              <a:bevelT w="63500" h="63500" prst="artDeco"/>
+              <a:contourClr>
+                <a:srgbClr val="FFFFFF"/>
+              </a:contourClr>
+            </a:sp3d>
+          </p:spPr>
+          <p:style>
+            <a:lnRef idx="2">
+              <a:schemeClr val="accent1">
+                <a:shade val="50000"/>
+              </a:schemeClr>
+            </a:lnRef>
+            <a:fillRef idx="1">
+              <a:schemeClr val="accent1"/>
+            </a:fillRef>
+            <a:effectRef idx="0">
+              <a:schemeClr val="accent1"/>
+            </a:effectRef>
+            <a:fontRef idx="minor">
+              <a:schemeClr val="lt1"/>
+            </a:fontRef>
+          </p:style>
+          <p:txBody>
+            <a:bodyPr rtlCol="0" anchor="t" anchorCtr="0"/>
+            <a:lstStyle/>
+            <a:p>
+              <a:r>
+                <a:rPr lang="en-SG" b="1" dirty="0" smtClean="0">
+                  <a:solidFill>
+                    <a:schemeClr val="tx1"/>
+                  </a:solidFill>
+                </a:rPr>
+                <a:t>Showing incomplete tasks due on 12 October 2016.</a:t>
+              </a:r>
+              <a:endParaRPr lang="en-SG" b="1" dirty="0">
+                <a:solidFill>
+                  <a:schemeClr val="tx1"/>
+                </a:solidFill>
+              </a:endParaRPr>
+            </a:p>
+          </p:txBody>
+        </p:sp>
+        <p:graphicFrame>
+          <p:nvGraphicFramePr>
+            <p:cNvPr id="17" name="Object 16"/>
+            <p:cNvGraphicFramePr>
+              <a:graphicFrameLocks noChangeAspect="1"/>
+            </p:cNvGraphicFramePr>
+            <p:nvPr>
+              <p:extLst>
+                <p:ext uri="{D42A27DB-BD31-4B8C-83A1-F6EECF244321}">
+                  <p14:modId xmlns:p14="http://schemas.microsoft.com/office/powerpoint/2010/main" val="1476240735"/>
+                </p:ext>
+              </p:extLst>
+            </p:nvPr>
+          </p:nvGraphicFramePr>
+          <p:xfrm>
+            <a:off x="2332179" y="818533"/>
+            <a:ext cx="4030461" cy="4057369"/>
+          </p:xfrm>
+          <a:graphic>
+            <a:graphicData uri="http://schemas.openxmlformats.org/presentationml/2006/ole">
+              <mc:AlternateContent xmlns:mc="http://schemas.openxmlformats.org/markup-compatibility/2006">
+                <mc:Choice xmlns:v="urn:schemas-microsoft-com:vml" Requires="v">
+                  <p:oleObj spid="_x0000_s3079" name="Worksheet" r:id="rId4" imgW="3028999" imgH="1479425" progId="Excel.Sheet.12">
+                    <p:embed/>
+                  </p:oleObj>
+                </mc:Choice>
+                <mc:Fallback>
+                  <p:oleObj name="Worksheet" r:id="rId4" imgW="3028999" imgH="1479425" progId="Excel.Sheet.12">
+                    <p:embed/>
+                    <p:pic>
+                      <p:nvPicPr>
+                        <p:cNvPr id="0" name=""/>
+                        <p:cNvPicPr/>
+                        <p:nvPr/>
+                      </p:nvPicPr>
+                      <p:blipFill>
+                        <a:blip r:embed="rId5"/>
+                        <a:stretch>
+                          <a:fillRect/>
+                        </a:stretch>
+                      </p:blipFill>
+                      <p:spPr>
+                        <a:xfrm>
+                          <a:off x="2332179" y="818533"/>
+                          <a:ext cx="4030461" cy="4057369"/>
+                        </a:xfrm>
+                        <a:prstGeom prst="rect">
+                          <a:avLst/>
+                        </a:prstGeom>
+                        <a:solidFill>
+                          <a:srgbClr val="7E57C2"/>
+                        </a:solidFill>
+                      </p:spPr>
+                    </p:pic>
+                  </p:oleObj>
+                </mc:Fallback>
+              </mc:AlternateContent>
+            </a:graphicData>
+          </a:graphic>
+        </p:graphicFrame>
+        <p:sp>
+          <p:nvSpPr>
+            <p:cNvPr id="18" name="TextBox 17"/>
+            <p:cNvSpPr txBox="1">
+              <a:spLocks noChangeAspect="1"/>
+            </p:cNvSpPr>
+            <p:nvPr/>
+          </p:nvSpPr>
+          <p:spPr>
+            <a:xfrm>
+              <a:off x="9564704" y="187976"/>
+              <a:ext cx="5105917" cy="6482883"/>
+            </a:xfrm>
+            <a:prstGeom prst="rect">
+              <a:avLst/>
+            </a:prstGeom>
+            <a:solidFill>
+              <a:srgbClr val="5E35B1"/>
+            </a:solidFill>
+            <a:ln>
+              <a:solidFill>
+                <a:schemeClr val="bg1"/>
+              </a:solidFill>
+            </a:ln>
+            <a:effectLst>
+              <a:outerShdw blurRad="107950" dist="12700" dir="5400000" algn="ctr">
+                <a:srgbClr val="000000"/>
+              </a:outerShdw>
+            </a:effectLst>
+            <a:scene3d>
+              <a:camera prst="orthographicFront">
+                <a:rot lat="0" lon="0" rev="0"/>
+              </a:camera>
+              <a:lightRig rig="soft" dir="t">
+                <a:rot lat="0" lon="0" rev="0"/>
+              </a:lightRig>
+            </a:scene3d>
+            <a:sp3d contourW="44450" prstMaterial="matte">
+              <a:bevelT w="63500" h="63500" prst="artDeco"/>
+              <a:contourClr>
+                <a:srgbClr val="FFFFFF"/>
+              </a:contourClr>
+            </a:sp3d>
+          </p:spPr>
+          <p:txBody>
+            <a:bodyPr wrap="square" lIns="36000" tIns="72000" rIns="36000" rtlCol="0">
+              <a:noAutofit/>
+            </a:bodyPr>
+            <a:lstStyle/>
+            <a:p>
+              <a:pPr algn="ctr"/>
+              <a:r>
+                <a:rPr lang="en-SG" sz="2800" b="1" dirty="0" smtClean="0">
+                  <a:solidFill>
+                    <a:schemeClr val="bg1"/>
+                  </a:solidFill>
+                </a:rPr>
+                <a:t>Upcoming [12-Oct]</a:t>
+              </a:r>
+            </a:p>
+            <a:p>
+              <a:pPr algn="ctr"/>
+              <a:endParaRPr lang="en-SG" sz="2800" b="1" dirty="0">
+                <a:solidFill>
+                  <a:schemeClr val="bg1"/>
+                </a:solidFill>
+                <a:latin typeface="Viner Hand ITC" panose="03070502030502020203" pitchFamily="66" charset="0"/>
+              </a:endParaRPr>
+            </a:p>
+            <a:p>
+              <a:pPr algn="ctr"/>
+              <a:endParaRPr lang="en-SG" sz="2800" b="1" dirty="0" smtClean="0">
+                <a:solidFill>
+                  <a:schemeClr val="bg1"/>
+                </a:solidFill>
+                <a:latin typeface="Viner Hand ITC" panose="03070502030502020203" pitchFamily="66" charset="0"/>
+              </a:endParaRPr>
+            </a:p>
+            <a:p>
+              <a:pPr marL="514350" indent="-514350">
+                <a:buAutoNum type="arabicPeriod"/>
+              </a:pPr>
+              <a:r>
+                <a:rPr lang="en-SG" sz="2800" b="1" dirty="0" smtClean="0">
+                  <a:solidFill>
+                    <a:schemeClr val="bg1"/>
+                  </a:solidFill>
+                  <a:latin typeface="Segoe Print" panose="02000600000000000000" pitchFamily="2" charset="0"/>
+                </a:rPr>
+                <a:t>User Guide</a:t>
+              </a:r>
+            </a:p>
+            <a:p>
+              <a:r>
+                <a:rPr lang="en-SG" sz="2800" b="1" dirty="0" smtClean="0">
+                  <a:solidFill>
+                    <a:schemeClr val="bg1"/>
+                  </a:solidFill>
+                  <a:latin typeface="Segoe Print" panose="02000600000000000000" pitchFamily="2" charset="0"/>
+                </a:rPr>
+                <a:t> #Cs2103 due 12-oct-16</a:t>
+              </a:r>
+              <a:endParaRPr lang="en-SG" sz="2800" b="1" dirty="0">
+                <a:solidFill>
+                  <a:schemeClr val="bg1"/>
+                </a:solidFill>
+                <a:latin typeface="Segoe Print" panose="02000600000000000000" pitchFamily="2" charset="0"/>
+              </a:endParaRPr>
+            </a:p>
+            <a:p>
+              <a:pPr algn="ctr"/>
+              <a:endParaRPr lang="en-SG" sz="2800" b="1" dirty="0" smtClean="0">
+                <a:solidFill>
+                  <a:schemeClr val="bg1"/>
+                </a:solidFill>
+                <a:latin typeface="Viner Hand ITC" panose="03070502030502020203" pitchFamily="66" charset="0"/>
+              </a:endParaRPr>
+            </a:p>
+          </p:txBody>
+        </p:sp>
+      </p:grpSp>
+    </p:spTree>
+    <p:extLst>
+      <p:ext uri="{BB962C8B-B14F-4D97-AF65-F5344CB8AC3E}">
+        <p14:creationId xmlns:p14="http://schemas.microsoft.com/office/powerpoint/2010/main" val="1221361334"/>
+      </p:ext>
+    </p:extLst>
+  </p:cSld>
+  <p:clrMapOvr>
+    <a:masterClrMapping/>
+  </p:clrMapOvr>
+</p:sld>
+</file>
+
+<file path=ppt/slides/slide6.xml><?xml version="1.0" encoding="utf-8"?>
+<p:sld xmlns:a="http://schemas.openxmlformats.org/drawingml/2006/main" xmlns:r="http://schemas.openxmlformats.org/officeDocument/2006/relationships" xmlns:p="http://schemas.openxmlformats.org/presentationml/2006/main">
+  <p:cSld>
+    <p:spTree>
+      <p:nvGrpSpPr>
+        <p:cNvPr id="1" name=""/>
+        <p:cNvGrpSpPr/>
+        <p:nvPr/>
+      </p:nvGrpSpPr>
+      <p:grpSpPr>
+        <a:xfrm>
+          <a:off x="0" y="0"/>
+          <a:ext cx="0" cy="0"/>
+          <a:chOff x="0" y="0"/>
+          <a:chExt cx="0" cy="0"/>
+        </a:xfrm>
+      </p:grpSpPr>
+      <p:sp>
+        <p:nvSpPr>
+          <p:cNvPr id="2" name="Title 1"/>
+          <p:cNvSpPr>
+            <a:spLocks noGrp="1"/>
+          </p:cNvSpPr>
+          <p:nvPr>
+            <p:ph type="title"/>
+          </p:nvPr>
+        </p:nvSpPr>
+        <p:spPr/>
+        <p:txBody>
+          <a:bodyPr/>
+          <a:lstStyle/>
+          <a:p>
+            <a:endParaRPr lang="en-SG" dirty="0"/>
+          </a:p>
+        </p:txBody>
+      </p:sp>
+      <p:sp>
+        <p:nvSpPr>
+          <p:cNvPr id="3" name="Content Placeholder 2"/>
+          <p:cNvSpPr>
+            <a:spLocks noGrp="1"/>
+          </p:cNvSpPr>
+          <p:nvPr>
+            <p:ph idx="1"/>
+          </p:nvPr>
+        </p:nvSpPr>
+        <p:spPr/>
+        <p:txBody>
+          <a:bodyPr/>
+          <a:lstStyle/>
+          <a:p>
+            <a:endParaRPr lang="en-SG" dirty="0"/>
+          </a:p>
+        </p:txBody>
+      </p:sp>
+      <p:grpSp>
+        <p:nvGrpSpPr>
+          <p:cNvPr id="11" name="Group 10"/>
+          <p:cNvGrpSpPr/>
+          <p:nvPr/>
+        </p:nvGrpSpPr>
+        <p:grpSpPr>
+          <a:xfrm>
+            <a:off x="-115508" y="365125"/>
+            <a:ext cx="12423015" cy="6482883"/>
+            <a:chOff x="2289892" y="187976"/>
+            <a:chExt cx="12423015" cy="6482883"/>
+          </a:xfrm>
+        </p:grpSpPr>
+        <p:sp>
+          <p:nvSpPr>
+            <p:cNvPr id="12" name="Rectangle 11"/>
+            <p:cNvSpPr/>
+            <p:nvPr/>
+          </p:nvSpPr>
+          <p:spPr>
+            <a:xfrm>
+              <a:off x="2289893" y="187976"/>
+              <a:ext cx="7274811" cy="581188"/>
+            </a:xfrm>
+            <a:prstGeom prst="rect">
+              <a:avLst/>
+            </a:prstGeom>
+            <a:solidFill>
+              <a:srgbClr val="4527A0"/>
+            </a:solidFill>
+            <a:ln>
+              <a:solidFill>
+                <a:schemeClr val="bg1"/>
+              </a:solidFill>
+            </a:ln>
+            <a:effectLst>
+              <a:outerShdw blurRad="107950" dist="12700" dir="5400000" algn="ctr">
+                <a:srgbClr val="000000"/>
+              </a:outerShdw>
+            </a:effectLst>
+            <a:scene3d>
+              <a:camera prst="orthographicFront">
+                <a:rot lat="0" lon="0" rev="0"/>
+              </a:camera>
+              <a:lightRig rig="soft" dir="t">
+                <a:rot lat="0" lon="0" rev="0"/>
+              </a:lightRig>
+            </a:scene3d>
+            <a:sp3d contourW="44450" prstMaterial="matte">
+              <a:bevelT w="63500" h="63500" prst="artDeco"/>
+              <a:contourClr>
+                <a:srgbClr val="FFFFFF"/>
+              </a:contourClr>
+            </a:sp3d>
+          </p:spPr>
+          <p:style>
+            <a:lnRef idx="2">
+              <a:schemeClr val="accent1">
+                <a:shade val="50000"/>
+              </a:schemeClr>
+            </a:lnRef>
+            <a:fillRef idx="1">
+              <a:schemeClr val="accent1"/>
+            </a:fillRef>
+            <a:effectRef idx="0">
+              <a:schemeClr val="accent1"/>
+            </a:effectRef>
+            <a:fontRef idx="minor">
+              <a:schemeClr val="lt1"/>
+            </a:fontRef>
+          </p:style>
+          <p:txBody>
+            <a:bodyPr rtlCol="0" anchor="ctr"/>
+            <a:lstStyle/>
+            <a:p>
+              <a:pPr algn="ctr"/>
+              <a:r>
+                <a:rPr lang="en-SG" sz="2800" b="1" dirty="0" err="1" smtClean="0">
+                  <a:latin typeface="Segoe Script" panose="030B0504020000000003" pitchFamily="66" charset="0"/>
+                  <a:cs typeface="Segoe UI Semibold" panose="020B0702040204020203" pitchFamily="34" charset="0"/>
+                </a:rPr>
+                <a:t>SmartyDo</a:t>
+              </a:r>
+              <a:endParaRPr lang="en-SG" sz="2800" b="1" dirty="0">
+                <a:latin typeface="Segoe Script" panose="030B0504020000000003" pitchFamily="66" charset="0"/>
+                <a:cs typeface="Segoe UI Semibold" panose="020B0702040204020203" pitchFamily="34" charset="0"/>
+              </a:endParaRPr>
+            </a:p>
+          </p:txBody>
+        </p:sp>
+        <p:sp>
+          <p:nvSpPr>
+            <p:cNvPr id="13" name="TextBox 12"/>
+            <p:cNvSpPr txBox="1">
+              <a:spLocks noChangeAspect="1"/>
+            </p:cNvSpPr>
+            <p:nvPr/>
+          </p:nvSpPr>
+          <p:spPr>
+            <a:xfrm>
+              <a:off x="6362641" y="818533"/>
+              <a:ext cx="3202063" cy="4065597"/>
+            </a:xfrm>
+            <a:prstGeom prst="rect">
+              <a:avLst/>
+            </a:prstGeom>
+            <a:solidFill>
+              <a:srgbClr val="5E35B1"/>
+            </a:solidFill>
+            <a:ln>
+              <a:solidFill>
+                <a:schemeClr val="bg1"/>
+              </a:solidFill>
+            </a:ln>
+            <a:effectLst>
+              <a:outerShdw blurRad="107950" dist="12700" dir="5400000" algn="ctr">
+                <a:srgbClr val="000000"/>
+              </a:outerShdw>
+            </a:effectLst>
+            <a:scene3d>
+              <a:camera prst="orthographicFront">
+                <a:rot lat="0" lon="0" rev="0"/>
+              </a:camera>
+              <a:lightRig rig="soft" dir="t">
+                <a:rot lat="0" lon="0" rev="0"/>
+              </a:lightRig>
+            </a:scene3d>
+            <a:sp3d contourW="44450" prstMaterial="matte">
+              <a:bevelT w="63500" h="63500" prst="artDeco"/>
+              <a:contourClr>
+                <a:srgbClr val="FFFFFF"/>
+              </a:contourClr>
+            </a:sp3d>
+          </p:spPr>
+          <p:txBody>
+            <a:bodyPr wrap="square" rtlCol="0">
+              <a:noAutofit/>
+            </a:bodyPr>
+            <a:lstStyle/>
+            <a:p>
+              <a:pPr algn="ctr"/>
+              <a:r>
+                <a:rPr lang="en-SG" sz="2800" b="1" dirty="0" smtClean="0">
+                  <a:solidFill>
+                    <a:schemeClr val="bg1"/>
+                  </a:solidFill>
+                </a:rPr>
+                <a:t>Upcoming [12-Oct]</a:t>
+              </a:r>
+            </a:p>
+            <a:p>
+              <a:pPr algn="ctr"/>
+              <a:endParaRPr lang="en-SG" sz="2800" b="1" dirty="0">
+                <a:solidFill>
+                  <a:schemeClr val="bg1"/>
+                </a:solidFill>
+                <a:latin typeface="Viner Hand ITC" panose="03070502030502020203" pitchFamily="66" charset="0"/>
+              </a:endParaRPr>
+            </a:p>
+            <a:p>
+              <a:pPr algn="ctr"/>
+              <a:endParaRPr lang="en-SG" sz="2800" b="1" dirty="0">
+                <a:solidFill>
+                  <a:schemeClr val="bg1"/>
+                </a:solidFill>
+                <a:latin typeface="Viner Hand ITC" panose="03070502030502020203" pitchFamily="66" charset="0"/>
+              </a:endParaRPr>
+            </a:p>
+            <a:p>
+              <a:pPr algn="ctr"/>
+              <a:r>
+                <a:rPr lang="en-SG" sz="2800" b="1" dirty="0" smtClean="0">
+                  <a:solidFill>
+                    <a:schemeClr val="bg1"/>
+                  </a:solidFill>
+                  <a:latin typeface="Segoe Print" panose="02000600000000000000" pitchFamily="2" charset="0"/>
+                </a:rPr>
+                <a:t>1</a:t>
+              </a:r>
+              <a:r>
+                <a:rPr lang="en-SG" sz="2800" b="1" dirty="0">
+                  <a:solidFill>
+                    <a:schemeClr val="bg1"/>
+                  </a:solidFill>
+                  <a:latin typeface="Segoe Print" panose="02000600000000000000" pitchFamily="2" charset="0"/>
+                </a:rPr>
+                <a:t>. User Guide </a:t>
+              </a:r>
+            </a:p>
+            <a:p>
+              <a:pPr algn="ctr"/>
+              <a:endParaRPr lang="en-SG" sz="2800" b="1" dirty="0" smtClean="0">
+                <a:solidFill>
+                  <a:schemeClr val="bg1"/>
+                </a:solidFill>
+                <a:latin typeface="Viner Hand ITC" panose="03070502030502020203" pitchFamily="66" charset="0"/>
+              </a:endParaRPr>
+            </a:p>
+          </p:txBody>
+        </p:sp>
+        <p:sp>
+          <p:nvSpPr>
+            <p:cNvPr id="14" name="Rectangle 13"/>
+            <p:cNvSpPr/>
+            <p:nvPr/>
+          </p:nvSpPr>
+          <p:spPr>
+            <a:xfrm>
+              <a:off x="2289893" y="818533"/>
+              <a:ext cx="4072747" cy="4065597"/>
+            </a:xfrm>
+            <a:prstGeom prst="rect">
+              <a:avLst/>
+            </a:prstGeom>
+            <a:solidFill>
+              <a:srgbClr val="7E57C2"/>
+            </a:solidFill>
+            <a:ln>
+              <a:solidFill>
+                <a:schemeClr val="bg1"/>
+              </a:solidFill>
+            </a:ln>
+            <a:effectLst>
+              <a:outerShdw blurRad="107950" dist="12700" dir="5400000" algn="ctr">
+                <a:srgbClr val="000000"/>
+              </a:outerShdw>
+            </a:effectLst>
+            <a:scene3d>
+              <a:camera prst="orthographicFront">
+                <a:rot lat="0" lon="0" rev="0"/>
+              </a:camera>
+              <a:lightRig rig="soft" dir="t">
+                <a:rot lat="0" lon="0" rev="0"/>
+              </a:lightRig>
+            </a:scene3d>
+            <a:sp3d contourW="44450" prstMaterial="matte">
+              <a:bevelT w="63500" h="63500" prst="artDeco"/>
+              <a:contourClr>
+                <a:srgbClr val="FFFFFF"/>
+              </a:contourClr>
+            </a:sp3d>
+          </p:spPr>
+          <p:style>
+            <a:lnRef idx="2">
+              <a:schemeClr val="accent1">
+                <a:shade val="50000"/>
+              </a:schemeClr>
+            </a:lnRef>
+            <a:fillRef idx="1">
+              <a:schemeClr val="accent1"/>
+            </a:fillRef>
+            <a:effectRef idx="0">
+              <a:schemeClr val="accent1"/>
+            </a:effectRef>
+            <a:fontRef idx="minor">
+              <a:schemeClr val="lt1"/>
+            </a:fontRef>
+          </p:style>
+          <p:txBody>
+            <a:bodyPr rtlCol="0" anchor="ctr"/>
+            <a:lstStyle/>
+            <a:p>
+              <a:pPr algn="ctr"/>
+              <a:endParaRPr lang="en-SG"/>
+            </a:p>
+          </p:txBody>
+        </p:sp>
+        <p:sp>
+          <p:nvSpPr>
+            <p:cNvPr id="15" name="Rectangle 14"/>
+            <p:cNvSpPr/>
+            <p:nvPr/>
+          </p:nvSpPr>
+          <p:spPr>
+            <a:xfrm>
+              <a:off x="2289892" y="6061259"/>
+              <a:ext cx="7274812" cy="609600"/>
+            </a:xfrm>
+            <a:prstGeom prst="rect">
+              <a:avLst/>
+            </a:prstGeom>
+            <a:solidFill>
+              <a:srgbClr val="4527A0"/>
+            </a:solidFill>
+            <a:ln>
+              <a:solidFill>
+                <a:schemeClr val="bg1"/>
+              </a:solidFill>
+            </a:ln>
+            <a:effectLst>
+              <a:outerShdw blurRad="107950" dist="12700" dir="5400000" algn="ctr">
+                <a:srgbClr val="000000"/>
+              </a:outerShdw>
+            </a:effectLst>
+            <a:scene3d>
+              <a:camera prst="orthographicFront">
+                <a:rot lat="0" lon="0" rev="0"/>
+              </a:camera>
+              <a:lightRig rig="soft" dir="t">
+                <a:rot lat="0" lon="0" rev="0"/>
+              </a:lightRig>
+            </a:scene3d>
+            <a:sp3d contourW="44450" prstMaterial="matte">
+              <a:bevelT w="63500" h="63500" prst="artDeco"/>
+              <a:contourClr>
+                <a:srgbClr val="FFFFFF"/>
+              </a:contourClr>
+            </a:sp3d>
+          </p:spPr>
+          <p:style>
+            <a:lnRef idx="0">
+              <a:schemeClr val="accent5"/>
+            </a:lnRef>
+            <a:fillRef idx="1003">
+              <a:schemeClr val="dk2"/>
+            </a:fillRef>
+            <a:effectRef idx="3">
+              <a:schemeClr val="accent5"/>
+            </a:effectRef>
+            <a:fontRef idx="minor">
+              <a:schemeClr val="lt1"/>
+            </a:fontRef>
+          </p:style>
+          <p:txBody>
+            <a:bodyPr rtlCol="0" anchor="ctr"/>
+            <a:lstStyle/>
+            <a:p>
+              <a:r>
+                <a:rPr lang="en-SG" dirty="0" smtClean="0"/>
+                <a:t>&gt;&gt;  </a:t>
+              </a:r>
+              <a:r>
+                <a:rPr lang="en-SG" b="1" dirty="0" smtClean="0">
+                  <a:solidFill>
+                    <a:schemeClr val="bg1"/>
+                  </a:solidFill>
+                </a:rPr>
+                <a:t>edit </a:t>
+              </a:r>
+              <a:r>
+                <a:rPr lang="en-SG" b="1" dirty="0">
+                  <a:solidFill>
+                    <a:schemeClr val="bg1"/>
+                  </a:solidFill>
+                </a:rPr>
+                <a:t>1 time </a:t>
+              </a:r>
+              <a:r>
+                <a:rPr lang="en-SG" b="1" dirty="0" smtClean="0">
+                  <a:solidFill>
+                    <a:schemeClr val="bg1"/>
+                  </a:solidFill>
+                </a:rPr>
+                <a:t>1400</a:t>
+              </a:r>
+              <a:endParaRPr lang="en-SG" b="1" dirty="0">
+                <a:solidFill>
+                  <a:schemeClr val="bg1"/>
+                </a:solidFill>
+              </a:endParaRPr>
+            </a:p>
+          </p:txBody>
+        </p:sp>
+        <p:sp>
+          <p:nvSpPr>
+            <p:cNvPr id="16" name="Rectangle 15"/>
+            <p:cNvSpPr/>
+            <p:nvPr/>
+          </p:nvSpPr>
+          <p:spPr>
+            <a:xfrm>
+              <a:off x="2289893" y="4933499"/>
+              <a:ext cx="7274812" cy="1127760"/>
+            </a:xfrm>
+            <a:prstGeom prst="rect">
+              <a:avLst/>
+            </a:prstGeom>
+            <a:solidFill>
+              <a:srgbClr val="B39DDB"/>
+            </a:solidFill>
+            <a:ln>
+              <a:solidFill>
+                <a:schemeClr val="bg1"/>
+              </a:solidFill>
+            </a:ln>
+            <a:effectLst>
+              <a:outerShdw blurRad="107950" dist="12700" dir="5400000" algn="ctr">
+                <a:srgbClr val="000000"/>
+              </a:outerShdw>
+            </a:effectLst>
+            <a:scene3d>
+              <a:camera prst="orthographicFront">
+                <a:rot lat="0" lon="0" rev="0"/>
+              </a:camera>
+              <a:lightRig rig="soft" dir="t">
+                <a:rot lat="0" lon="0" rev="0"/>
+              </a:lightRig>
+            </a:scene3d>
+            <a:sp3d contourW="44450" prstMaterial="matte">
+              <a:bevelT w="63500" h="63500" prst="artDeco"/>
+              <a:contourClr>
+                <a:srgbClr val="FFFFFF"/>
+              </a:contourClr>
+            </a:sp3d>
+          </p:spPr>
+          <p:style>
+            <a:lnRef idx="2">
+              <a:schemeClr val="accent1">
+                <a:shade val="50000"/>
+              </a:schemeClr>
+            </a:lnRef>
+            <a:fillRef idx="1">
+              <a:schemeClr val="accent1"/>
+            </a:fillRef>
+            <a:effectRef idx="0">
+              <a:schemeClr val="accent1"/>
+            </a:effectRef>
+            <a:fontRef idx="minor">
+              <a:schemeClr val="lt1"/>
+            </a:fontRef>
+          </p:style>
+          <p:txBody>
+            <a:bodyPr rtlCol="0" anchor="t" anchorCtr="0"/>
+            <a:lstStyle/>
+            <a:p>
+              <a:r>
+                <a:rPr lang="en-SG" b="1" dirty="0" smtClean="0">
+                  <a:solidFill>
+                    <a:schemeClr val="tx1"/>
+                  </a:solidFill>
+                </a:rPr>
+                <a:t>Updated 1. User Guide Time to 14:00</a:t>
+              </a:r>
+              <a:endParaRPr lang="en-SG" b="1" dirty="0">
+                <a:solidFill>
+                  <a:schemeClr val="tx1"/>
+                </a:solidFill>
+              </a:endParaRPr>
+            </a:p>
+          </p:txBody>
+        </p:sp>
+        <p:graphicFrame>
+          <p:nvGraphicFramePr>
+            <p:cNvPr id="17" name="Object 16"/>
+            <p:cNvGraphicFramePr>
+              <a:graphicFrameLocks noChangeAspect="1"/>
+            </p:cNvGraphicFramePr>
+            <p:nvPr>
+              <p:extLst/>
+            </p:nvPr>
+          </p:nvGraphicFramePr>
+          <p:xfrm>
+            <a:off x="2332179" y="818533"/>
+            <a:ext cx="4030461" cy="4057369"/>
+          </p:xfrm>
+          <a:graphic>
+            <a:graphicData uri="http://schemas.openxmlformats.org/presentationml/2006/ole">
+              <mc:AlternateContent xmlns:mc="http://schemas.openxmlformats.org/markup-compatibility/2006">
+                <mc:Choice xmlns:v="urn:schemas-microsoft-com:vml" Requires="v">
+                  <p:oleObj spid="_x0000_s4102" name="Worksheet" r:id="rId4" imgW="3028999" imgH="1479425" progId="Excel.Sheet.12">
+                    <p:embed/>
+                  </p:oleObj>
+                </mc:Choice>
+                <mc:Fallback>
+                  <p:oleObj name="Worksheet" r:id="rId4" imgW="3028999" imgH="1479425" progId="Excel.Sheet.12">
+                    <p:embed/>
+                    <p:pic>
+                      <p:nvPicPr>
+                        <p:cNvPr id="0" name=""/>
+                        <p:cNvPicPr/>
+                        <p:nvPr/>
+                      </p:nvPicPr>
+                      <p:blipFill>
+                        <a:blip r:embed="rId5"/>
+                        <a:stretch>
+                          <a:fillRect/>
+                        </a:stretch>
+                      </p:blipFill>
+                      <p:spPr>
+                        <a:xfrm>
+                          <a:off x="2332179" y="818533"/>
+                          <a:ext cx="4030461" cy="4057369"/>
+                        </a:xfrm>
+                        <a:prstGeom prst="rect">
+                          <a:avLst/>
+                        </a:prstGeom>
+                        <a:solidFill>
+                          <a:srgbClr val="7E57C2"/>
+                        </a:solidFill>
+                      </p:spPr>
+                    </p:pic>
+                  </p:oleObj>
+                </mc:Fallback>
+              </mc:AlternateContent>
+            </a:graphicData>
+          </a:graphic>
+        </p:graphicFrame>
+        <p:sp>
+          <p:nvSpPr>
+            <p:cNvPr id="18" name="TextBox 17"/>
+            <p:cNvSpPr txBox="1">
+              <a:spLocks noChangeAspect="1"/>
+            </p:cNvSpPr>
+            <p:nvPr/>
+          </p:nvSpPr>
+          <p:spPr>
+            <a:xfrm>
+              <a:off x="9606990" y="187976"/>
+              <a:ext cx="5105917" cy="6482883"/>
+            </a:xfrm>
+            <a:prstGeom prst="rect">
+              <a:avLst/>
+            </a:prstGeom>
+            <a:solidFill>
+              <a:srgbClr val="5E35B1"/>
+            </a:solidFill>
+            <a:ln>
+              <a:solidFill>
+                <a:schemeClr val="bg1"/>
+              </a:solidFill>
+            </a:ln>
+            <a:effectLst>
+              <a:outerShdw blurRad="107950" dist="12700" dir="5400000" algn="ctr">
+                <a:srgbClr val="000000"/>
+              </a:outerShdw>
+            </a:effectLst>
+            <a:scene3d>
+              <a:camera prst="orthographicFront">
+                <a:rot lat="0" lon="0" rev="0"/>
+              </a:camera>
+              <a:lightRig rig="soft" dir="t">
+                <a:rot lat="0" lon="0" rev="0"/>
+              </a:lightRig>
+            </a:scene3d>
+            <a:sp3d contourW="44450" prstMaterial="matte">
+              <a:bevelT w="63500" h="63500" prst="artDeco"/>
+              <a:contourClr>
+                <a:srgbClr val="FFFFFF"/>
+              </a:contourClr>
+            </a:sp3d>
+          </p:spPr>
+          <p:txBody>
+            <a:bodyPr wrap="square" lIns="36000" tIns="72000" rIns="36000" rtlCol="0">
+              <a:noAutofit/>
+            </a:bodyPr>
+            <a:lstStyle/>
+            <a:p>
+              <a:pPr algn="ctr"/>
+              <a:r>
+                <a:rPr lang="en-SG" sz="2800" b="1" dirty="0" smtClean="0">
+                  <a:solidFill>
+                    <a:schemeClr val="bg1"/>
+                  </a:solidFill>
+                </a:rPr>
+                <a:t>Upcoming [12-Oct]</a:t>
+              </a:r>
+            </a:p>
+            <a:p>
+              <a:pPr algn="ctr"/>
+              <a:endParaRPr lang="en-SG" sz="2800" b="1" dirty="0">
+                <a:solidFill>
+                  <a:schemeClr val="bg1"/>
+                </a:solidFill>
+                <a:latin typeface="Viner Hand ITC" panose="03070502030502020203" pitchFamily="66" charset="0"/>
+              </a:endParaRPr>
+            </a:p>
+            <a:p>
+              <a:pPr algn="ctr"/>
+              <a:endParaRPr lang="en-SG" sz="2800" b="1" dirty="0" smtClean="0">
+                <a:solidFill>
+                  <a:schemeClr val="bg1"/>
+                </a:solidFill>
+                <a:latin typeface="Viner Hand ITC" panose="03070502030502020203" pitchFamily="66" charset="0"/>
+              </a:endParaRPr>
+            </a:p>
+            <a:p>
+              <a:pPr marL="514350" indent="-514350">
+                <a:buAutoNum type="arabicPeriod"/>
+              </a:pPr>
+              <a:r>
+                <a:rPr lang="en-SG" sz="2800" b="1" dirty="0" smtClean="0">
+                  <a:solidFill>
+                    <a:schemeClr val="bg1"/>
+                  </a:solidFill>
+                  <a:latin typeface="Segoe Print" panose="02000600000000000000" pitchFamily="2" charset="0"/>
+                </a:rPr>
+                <a:t>User Guide</a:t>
+              </a:r>
+            </a:p>
+            <a:p>
+              <a:r>
+                <a:rPr lang="en-SG" sz="2800" b="1" dirty="0" smtClean="0">
+                  <a:solidFill>
+                    <a:schemeClr val="bg1"/>
+                  </a:solidFill>
+                  <a:latin typeface="Segoe Print" panose="02000600000000000000" pitchFamily="2" charset="0"/>
+                </a:rPr>
+                <a:t>#Cs2103 due 12-oct-16 by 14:00</a:t>
+              </a:r>
+              <a:endParaRPr lang="en-SG" sz="2800" b="1" dirty="0">
+                <a:solidFill>
+                  <a:schemeClr val="bg1"/>
+                </a:solidFill>
+                <a:latin typeface="Segoe Print" panose="02000600000000000000" pitchFamily="2" charset="0"/>
+              </a:endParaRPr>
+            </a:p>
+            <a:p>
+              <a:pPr algn="ctr"/>
+              <a:endParaRPr lang="en-SG" sz="2800" b="1" dirty="0" smtClean="0">
+                <a:solidFill>
+                  <a:schemeClr val="bg1"/>
+                </a:solidFill>
+                <a:latin typeface="Viner Hand ITC" panose="03070502030502020203" pitchFamily="66" charset="0"/>
+              </a:endParaRPr>
+            </a:p>
+          </p:txBody>
+        </p:sp>
+      </p:grpSp>
+    </p:spTree>
+    <p:extLst>
+      <p:ext uri="{BB962C8B-B14F-4D97-AF65-F5344CB8AC3E}">
+        <p14:creationId xmlns:p14="http://schemas.microsoft.com/office/powerpoint/2010/main" val="32687040"/>
+      </p:ext>
+    </p:extLst>
+  </p:cSld>
+  <p:clrMapOvr>
+    <a:masterClrMapping/>
+  </p:clrMapOvr>
+</p:sld>
+</file>
+
+<file path=ppt/slides/slide7.xml><?xml version="1.0" encoding="utf-8"?>
+<p:sld xmlns:a="http://schemas.openxmlformats.org/drawingml/2006/main" xmlns:r="http://schemas.openxmlformats.org/officeDocument/2006/relationships" xmlns:p="http://schemas.openxmlformats.org/presentationml/2006/main">
+  <p:cSld>
+    <p:spTree>
+      <p:nvGrpSpPr>
+        <p:cNvPr id="1" name=""/>
+        <p:cNvGrpSpPr/>
+        <p:nvPr/>
+      </p:nvGrpSpPr>
+      <p:grpSpPr>
+        <a:xfrm>
+          <a:off x="0" y="0"/>
+          <a:ext cx="0" cy="0"/>
+          <a:chOff x="0" y="0"/>
+          <a:chExt cx="0" cy="0"/>
+        </a:xfrm>
+      </p:grpSpPr>
+      <p:sp>
+        <p:nvSpPr>
+          <p:cNvPr id="2" name="Title 1"/>
+          <p:cNvSpPr>
+            <a:spLocks noGrp="1"/>
+          </p:cNvSpPr>
+          <p:nvPr>
+            <p:ph type="title"/>
+          </p:nvPr>
+        </p:nvSpPr>
+        <p:spPr/>
+        <p:txBody>
+          <a:bodyPr/>
+          <a:lstStyle/>
+          <a:p>
+            <a:endParaRPr lang="en-SG"/>
+          </a:p>
+        </p:txBody>
+      </p:sp>
+      <p:sp>
+        <p:nvSpPr>
+          <p:cNvPr id="3" name="Content Placeholder 2"/>
+          <p:cNvSpPr>
+            <a:spLocks noGrp="1"/>
+          </p:cNvSpPr>
+          <p:nvPr>
+            <p:ph idx="1"/>
+          </p:nvPr>
+        </p:nvSpPr>
+        <p:spPr/>
+        <p:txBody>
+          <a:bodyPr/>
+          <a:lstStyle/>
+          <a:p>
+            <a:endParaRPr lang="en-SG"/>
+          </a:p>
+        </p:txBody>
+      </p:sp>
+      <p:grpSp>
+        <p:nvGrpSpPr>
+          <p:cNvPr id="4" name="Group 3"/>
+          <p:cNvGrpSpPr/>
+          <p:nvPr/>
+        </p:nvGrpSpPr>
+        <p:grpSpPr>
+          <a:xfrm>
+            <a:off x="-231015" y="-305920"/>
+            <a:ext cx="12423015" cy="6482883"/>
+            <a:chOff x="2289892" y="187976"/>
+            <a:chExt cx="12423015" cy="6482883"/>
+          </a:xfrm>
+        </p:grpSpPr>
+        <p:sp>
+          <p:nvSpPr>
+            <p:cNvPr id="5" name="Rectangle 4"/>
+            <p:cNvSpPr/>
+            <p:nvPr/>
+          </p:nvSpPr>
+          <p:spPr>
+            <a:xfrm>
+              <a:off x="2289893" y="187976"/>
+              <a:ext cx="7274811" cy="581188"/>
+            </a:xfrm>
+            <a:prstGeom prst="rect">
+              <a:avLst/>
+            </a:prstGeom>
+            <a:solidFill>
+              <a:srgbClr val="4527A0"/>
+            </a:solidFill>
+            <a:ln>
+              <a:solidFill>
+                <a:schemeClr val="bg1"/>
+              </a:solidFill>
+            </a:ln>
+            <a:effectLst>
+              <a:outerShdw blurRad="107950" dist="12700" dir="5400000" algn="ctr">
+                <a:srgbClr val="000000"/>
+              </a:outerShdw>
+            </a:effectLst>
+            <a:scene3d>
+              <a:camera prst="orthographicFront">
+                <a:rot lat="0" lon="0" rev="0"/>
+              </a:camera>
+              <a:lightRig rig="soft" dir="t">
+                <a:rot lat="0" lon="0" rev="0"/>
+              </a:lightRig>
+            </a:scene3d>
+            <a:sp3d contourW="44450" prstMaterial="matte">
+              <a:bevelT w="63500" h="63500" prst="artDeco"/>
+              <a:contourClr>
+                <a:srgbClr val="FFFFFF"/>
+              </a:contourClr>
+            </a:sp3d>
+          </p:spPr>
+          <p:style>
+            <a:lnRef idx="2">
+              <a:schemeClr val="accent1">
+                <a:shade val="50000"/>
+              </a:schemeClr>
+            </a:lnRef>
+            <a:fillRef idx="1">
+              <a:schemeClr val="accent1"/>
+            </a:fillRef>
+            <a:effectRef idx="0">
+              <a:schemeClr val="accent1"/>
+            </a:effectRef>
+            <a:fontRef idx="minor">
+              <a:schemeClr val="lt1"/>
+            </a:fontRef>
+          </p:style>
+          <p:txBody>
+            <a:bodyPr rtlCol="0" anchor="ctr"/>
+            <a:lstStyle/>
+            <a:p>
+              <a:pPr algn="ctr"/>
+              <a:r>
+                <a:rPr lang="en-SG" sz="2800" b="1" dirty="0" err="1" smtClean="0">
+                  <a:latin typeface="Segoe Script" panose="030B0504020000000003" pitchFamily="66" charset="0"/>
+                  <a:cs typeface="Segoe UI Semibold" panose="020B0702040204020203" pitchFamily="34" charset="0"/>
+                </a:rPr>
+                <a:t>SmartyDo</a:t>
+              </a:r>
+              <a:endParaRPr lang="en-SG" sz="2800" b="1" dirty="0">
+                <a:latin typeface="Segoe Script" panose="030B0504020000000003" pitchFamily="66" charset="0"/>
+                <a:cs typeface="Segoe UI Semibold" panose="020B0702040204020203" pitchFamily="34" charset="0"/>
+              </a:endParaRPr>
+            </a:p>
+          </p:txBody>
+        </p:sp>
+        <p:sp>
+          <p:nvSpPr>
+            <p:cNvPr id="6" name="TextBox 5"/>
+            <p:cNvSpPr txBox="1">
+              <a:spLocks noChangeAspect="1"/>
+            </p:cNvSpPr>
+            <p:nvPr/>
+          </p:nvSpPr>
+          <p:spPr>
+            <a:xfrm>
+              <a:off x="6362641" y="818533"/>
+              <a:ext cx="3202063" cy="4065597"/>
+            </a:xfrm>
+            <a:prstGeom prst="rect">
+              <a:avLst/>
+            </a:prstGeom>
+            <a:solidFill>
+              <a:srgbClr val="5E35B1"/>
+            </a:solidFill>
+            <a:ln>
+              <a:solidFill>
+                <a:schemeClr val="bg1"/>
+              </a:solidFill>
+            </a:ln>
+            <a:effectLst>
+              <a:outerShdw blurRad="107950" dist="12700" dir="5400000" algn="ctr">
+                <a:srgbClr val="000000"/>
+              </a:outerShdw>
+            </a:effectLst>
+            <a:scene3d>
+              <a:camera prst="orthographicFront">
+                <a:rot lat="0" lon="0" rev="0"/>
+              </a:camera>
+              <a:lightRig rig="soft" dir="t">
+                <a:rot lat="0" lon="0" rev="0"/>
+              </a:lightRig>
+            </a:scene3d>
+            <a:sp3d contourW="44450" prstMaterial="matte">
+              <a:bevelT w="63500" h="63500" prst="artDeco"/>
+              <a:contourClr>
+                <a:srgbClr val="FFFFFF"/>
+              </a:contourClr>
+            </a:sp3d>
+          </p:spPr>
+          <p:txBody>
+            <a:bodyPr wrap="square" rtlCol="0">
+              <a:noAutofit/>
+            </a:bodyPr>
+            <a:lstStyle/>
+            <a:p>
+              <a:pPr algn="ctr"/>
+              <a:r>
+                <a:rPr lang="en-SG" sz="2800" b="1" dirty="0" smtClean="0">
+                  <a:solidFill>
+                    <a:schemeClr val="bg1"/>
+                  </a:solidFill>
+                </a:rPr>
+                <a:t>Upcoming [12-Oct]</a:t>
+              </a:r>
+            </a:p>
+            <a:p>
+              <a:pPr algn="ctr"/>
+              <a:endParaRPr lang="en-SG" sz="2800" b="1" dirty="0">
+                <a:solidFill>
+                  <a:schemeClr val="bg1"/>
+                </a:solidFill>
+                <a:latin typeface="Viner Hand ITC" panose="03070502030502020203" pitchFamily="66" charset="0"/>
+              </a:endParaRPr>
+            </a:p>
+            <a:p>
+              <a:pPr algn="ctr"/>
+              <a:endParaRPr lang="en-SG" sz="2800" b="1" dirty="0">
+                <a:solidFill>
+                  <a:schemeClr val="bg1"/>
+                </a:solidFill>
+                <a:latin typeface="Viner Hand ITC" panose="03070502030502020203" pitchFamily="66" charset="0"/>
+              </a:endParaRPr>
+            </a:p>
+            <a:p>
+              <a:pPr algn="ctr"/>
+              <a:r>
+                <a:rPr lang="en-SG" sz="2800" b="1" dirty="0" smtClean="0">
+                  <a:solidFill>
+                    <a:schemeClr val="bg1"/>
+                  </a:solidFill>
+                  <a:latin typeface="Segoe Print" panose="02000600000000000000" pitchFamily="2" charset="0"/>
+                </a:rPr>
+                <a:t>1</a:t>
+              </a:r>
+              <a:r>
+                <a:rPr lang="en-SG" sz="2800" b="1" dirty="0">
+                  <a:solidFill>
+                    <a:schemeClr val="bg1"/>
+                  </a:solidFill>
+                  <a:latin typeface="Segoe Print" panose="02000600000000000000" pitchFamily="2" charset="0"/>
+                </a:rPr>
+                <a:t>. User Guide </a:t>
+              </a:r>
+            </a:p>
+            <a:p>
+              <a:pPr algn="ctr"/>
+              <a:endParaRPr lang="en-SG" sz="2800" b="1" dirty="0" smtClean="0">
+                <a:solidFill>
+                  <a:schemeClr val="bg1"/>
+                </a:solidFill>
+                <a:latin typeface="Viner Hand ITC" panose="03070502030502020203" pitchFamily="66" charset="0"/>
+              </a:endParaRPr>
+            </a:p>
+          </p:txBody>
+        </p:sp>
+        <p:sp>
+          <p:nvSpPr>
+            <p:cNvPr id="7" name="Rectangle 6"/>
+            <p:cNvSpPr/>
+            <p:nvPr/>
+          </p:nvSpPr>
+          <p:spPr>
+            <a:xfrm>
+              <a:off x="2289893" y="818533"/>
+              <a:ext cx="4072747" cy="4065597"/>
+            </a:xfrm>
+            <a:prstGeom prst="rect">
+              <a:avLst/>
+            </a:prstGeom>
+            <a:solidFill>
+              <a:srgbClr val="7E57C2"/>
+            </a:solidFill>
+            <a:ln>
+              <a:solidFill>
+                <a:schemeClr val="bg1"/>
+              </a:solidFill>
+            </a:ln>
+            <a:effectLst>
+              <a:outerShdw blurRad="107950" dist="12700" dir="5400000" algn="ctr">
+                <a:srgbClr val="000000"/>
+              </a:outerShdw>
+            </a:effectLst>
+            <a:scene3d>
+              <a:camera prst="orthographicFront">
+                <a:rot lat="0" lon="0" rev="0"/>
+              </a:camera>
+              <a:lightRig rig="soft" dir="t">
+                <a:rot lat="0" lon="0" rev="0"/>
+              </a:lightRig>
+            </a:scene3d>
+            <a:sp3d contourW="44450" prstMaterial="matte">
+              <a:bevelT w="63500" h="63500" prst="artDeco"/>
+              <a:contourClr>
+                <a:srgbClr val="FFFFFF"/>
+              </a:contourClr>
+            </a:sp3d>
+          </p:spPr>
+          <p:style>
+            <a:lnRef idx="2">
+              <a:schemeClr val="accent1">
+                <a:shade val="50000"/>
+              </a:schemeClr>
+            </a:lnRef>
+            <a:fillRef idx="1">
+              <a:schemeClr val="accent1"/>
+            </a:fillRef>
+            <a:effectRef idx="0">
+              <a:schemeClr val="accent1"/>
+            </a:effectRef>
+            <a:fontRef idx="minor">
+              <a:schemeClr val="lt1"/>
+            </a:fontRef>
+          </p:style>
+          <p:txBody>
+            <a:bodyPr rtlCol="0" anchor="ctr"/>
+            <a:lstStyle/>
+            <a:p>
+              <a:pPr algn="ctr"/>
+              <a:endParaRPr lang="en-SG"/>
+            </a:p>
+          </p:txBody>
+        </p:sp>
+        <p:sp>
+          <p:nvSpPr>
+            <p:cNvPr id="8" name="Rectangle 7"/>
+            <p:cNvSpPr/>
+            <p:nvPr/>
+          </p:nvSpPr>
+          <p:spPr>
+            <a:xfrm>
+              <a:off x="2289892" y="6061259"/>
+              <a:ext cx="7274812" cy="609600"/>
+            </a:xfrm>
+            <a:prstGeom prst="rect">
+              <a:avLst/>
+            </a:prstGeom>
+            <a:solidFill>
+              <a:srgbClr val="4527A0"/>
+            </a:solidFill>
+            <a:ln>
+              <a:solidFill>
+                <a:schemeClr val="bg1"/>
+              </a:solidFill>
+            </a:ln>
+            <a:effectLst>
+              <a:outerShdw blurRad="107950" dist="12700" dir="5400000" algn="ctr">
+                <a:srgbClr val="000000"/>
+              </a:outerShdw>
+            </a:effectLst>
+            <a:scene3d>
+              <a:camera prst="orthographicFront">
+                <a:rot lat="0" lon="0" rev="0"/>
+              </a:camera>
+              <a:lightRig rig="soft" dir="t">
+                <a:rot lat="0" lon="0" rev="0"/>
+              </a:lightRig>
+            </a:scene3d>
+            <a:sp3d contourW="44450" prstMaterial="matte">
+              <a:bevelT w="63500" h="63500" prst="artDeco"/>
+              <a:contourClr>
+                <a:srgbClr val="FFFFFF"/>
+              </a:contourClr>
+            </a:sp3d>
+          </p:spPr>
+          <p:style>
+            <a:lnRef idx="0">
+              <a:schemeClr val="accent5"/>
+            </a:lnRef>
+            <a:fillRef idx="1003">
+              <a:schemeClr val="dk2"/>
+            </a:fillRef>
+            <a:effectRef idx="3">
+              <a:schemeClr val="accent5"/>
+            </a:effectRef>
+            <a:fontRef idx="minor">
+              <a:schemeClr val="lt1"/>
+            </a:fontRef>
+          </p:style>
+          <p:txBody>
+            <a:bodyPr rtlCol="0" anchor="ctr"/>
+            <a:lstStyle/>
+            <a:p>
+              <a:r>
+                <a:rPr lang="en-SG" dirty="0" smtClean="0"/>
+                <a:t>&gt;&gt;  </a:t>
+              </a:r>
+              <a:r>
+                <a:rPr lang="en-SG" b="1" dirty="0" smtClean="0">
+                  <a:solidFill>
+                    <a:schemeClr val="bg1"/>
+                  </a:solidFill>
+                </a:rPr>
+                <a:t>undo</a:t>
+              </a:r>
+              <a:endParaRPr lang="en-SG" b="1" dirty="0">
+                <a:solidFill>
+                  <a:schemeClr val="bg1"/>
+                </a:solidFill>
+              </a:endParaRPr>
+            </a:p>
+          </p:txBody>
+        </p:sp>
+        <p:sp>
+          <p:nvSpPr>
+            <p:cNvPr id="9" name="Rectangle 8"/>
+            <p:cNvSpPr/>
+            <p:nvPr/>
+          </p:nvSpPr>
+          <p:spPr>
+            <a:xfrm>
+              <a:off x="2289893" y="4933499"/>
+              <a:ext cx="7274812" cy="1127760"/>
+            </a:xfrm>
+            <a:prstGeom prst="rect">
+              <a:avLst/>
+            </a:prstGeom>
+            <a:solidFill>
+              <a:srgbClr val="B39DDB"/>
+            </a:solidFill>
+            <a:ln>
+              <a:solidFill>
+                <a:schemeClr val="bg1"/>
+              </a:solidFill>
+            </a:ln>
+            <a:effectLst>
+              <a:outerShdw blurRad="107950" dist="12700" dir="5400000" algn="ctr">
+                <a:srgbClr val="000000"/>
+              </a:outerShdw>
+            </a:effectLst>
+            <a:scene3d>
+              <a:camera prst="orthographicFront">
+                <a:rot lat="0" lon="0" rev="0"/>
+              </a:camera>
+              <a:lightRig rig="soft" dir="t">
+                <a:rot lat="0" lon="0" rev="0"/>
+              </a:lightRig>
+            </a:scene3d>
+            <a:sp3d contourW="44450" prstMaterial="matte">
+              <a:bevelT w="63500" h="63500" prst="artDeco"/>
+              <a:contourClr>
+                <a:srgbClr val="FFFFFF"/>
+              </a:contourClr>
+            </a:sp3d>
+          </p:spPr>
+          <p:style>
+            <a:lnRef idx="2">
+              <a:schemeClr val="accent1">
+                <a:shade val="50000"/>
+              </a:schemeClr>
+            </a:lnRef>
+            <a:fillRef idx="1">
+              <a:schemeClr val="accent1"/>
+            </a:fillRef>
+            <a:effectRef idx="0">
+              <a:schemeClr val="accent1"/>
+            </a:effectRef>
+            <a:fontRef idx="minor">
+              <a:schemeClr val="lt1"/>
+            </a:fontRef>
+          </p:style>
+          <p:txBody>
+            <a:bodyPr rtlCol="0" anchor="t" anchorCtr="0"/>
+            <a:lstStyle/>
+            <a:p>
+              <a:r>
+                <a:rPr lang="en-SG" b="1" dirty="0" smtClean="0">
+                  <a:solidFill>
+                    <a:schemeClr val="tx1"/>
+                  </a:solidFill>
+                </a:rPr>
+                <a:t>Undone </a:t>
+              </a:r>
+              <a:r>
+                <a:rPr lang="en-SG" b="1" dirty="0" smtClean="0">
+                  <a:solidFill>
+                    <a:schemeClr val="tx1"/>
+                  </a:solidFill>
+                </a:rPr>
+                <a:t>the following </a:t>
+              </a:r>
+              <a:r>
+                <a:rPr lang="en-SG" b="1" dirty="0" smtClean="0">
+                  <a:solidFill>
+                    <a:schemeClr val="tx1"/>
+                  </a:solidFill>
+                </a:rPr>
+                <a:t>command: </a:t>
+              </a:r>
+            </a:p>
+            <a:p>
+              <a:r>
+                <a:rPr lang="en-SG" b="1" dirty="0" smtClean="0">
+                  <a:solidFill>
+                    <a:schemeClr val="tx1"/>
+                  </a:solidFill>
+                </a:rPr>
+                <a:t>Updated 1. User Guide Time to 14:00</a:t>
+              </a:r>
+              <a:endParaRPr lang="en-SG" b="1" dirty="0">
+                <a:solidFill>
+                  <a:schemeClr val="tx1"/>
+                </a:solidFill>
+              </a:endParaRPr>
+            </a:p>
+          </p:txBody>
+        </p:sp>
+        <p:graphicFrame>
+          <p:nvGraphicFramePr>
+            <p:cNvPr id="10" name="Object 9"/>
+            <p:cNvGraphicFramePr>
+              <a:graphicFrameLocks noChangeAspect="1"/>
+            </p:cNvGraphicFramePr>
+            <p:nvPr>
+              <p:extLst/>
+            </p:nvPr>
+          </p:nvGraphicFramePr>
+          <p:xfrm>
+            <a:off x="2332179" y="818533"/>
+            <a:ext cx="4030461" cy="4057369"/>
+          </p:xfrm>
+          <a:graphic>
+            <a:graphicData uri="http://schemas.openxmlformats.org/presentationml/2006/ole">
+              <mc:AlternateContent xmlns:mc="http://schemas.openxmlformats.org/markup-compatibility/2006">
+                <mc:Choice xmlns:v="urn:schemas-microsoft-com:vml" Requires="v">
+                  <p:oleObj spid="_x0000_s5125" name="Worksheet" r:id="rId3" imgW="3028999" imgH="1479425" progId="Excel.Sheet.12">
+                    <p:embed/>
+                  </p:oleObj>
+                </mc:Choice>
+                <mc:Fallback>
+                  <p:oleObj name="Worksheet" r:id="rId3" imgW="3028999" imgH="1479425" progId="Excel.Sheet.12">
+                    <p:embed/>
+                    <p:pic>
+                      <p:nvPicPr>
+                        <p:cNvPr id="0" name=""/>
+                        <p:cNvPicPr/>
+                        <p:nvPr/>
+                      </p:nvPicPr>
+                      <p:blipFill>
+                        <a:blip r:embed="rId4"/>
+                        <a:stretch>
+                          <a:fillRect/>
+                        </a:stretch>
+                      </p:blipFill>
+                      <p:spPr>
+                        <a:xfrm>
+                          <a:off x="2332179" y="818533"/>
+                          <a:ext cx="4030461" cy="4057369"/>
+                        </a:xfrm>
+                        <a:prstGeom prst="rect">
+                          <a:avLst/>
+                        </a:prstGeom>
+                        <a:solidFill>
+                          <a:srgbClr val="7E57C2"/>
+                        </a:solidFill>
+                      </p:spPr>
+                    </p:pic>
+                  </p:oleObj>
+                </mc:Fallback>
+              </mc:AlternateContent>
+            </a:graphicData>
+          </a:graphic>
+        </p:graphicFrame>
+        <p:sp>
+          <p:nvSpPr>
+            <p:cNvPr id="11" name="TextBox 10"/>
+            <p:cNvSpPr txBox="1">
+              <a:spLocks noChangeAspect="1"/>
+            </p:cNvSpPr>
+            <p:nvPr/>
+          </p:nvSpPr>
+          <p:spPr>
+            <a:xfrm>
+              <a:off x="9606990" y="187976"/>
+              <a:ext cx="5105917" cy="6482883"/>
+            </a:xfrm>
+            <a:prstGeom prst="rect">
+              <a:avLst/>
+            </a:prstGeom>
+            <a:solidFill>
+              <a:srgbClr val="5E35B1"/>
+            </a:solidFill>
+            <a:ln>
+              <a:solidFill>
+                <a:schemeClr val="bg1"/>
+              </a:solidFill>
+            </a:ln>
+            <a:effectLst>
+              <a:outerShdw blurRad="107950" dist="12700" dir="5400000" algn="ctr">
+                <a:srgbClr val="000000"/>
+              </a:outerShdw>
+            </a:effectLst>
+            <a:scene3d>
+              <a:camera prst="orthographicFront">
+                <a:rot lat="0" lon="0" rev="0"/>
+              </a:camera>
+              <a:lightRig rig="soft" dir="t">
+                <a:rot lat="0" lon="0" rev="0"/>
+              </a:lightRig>
+            </a:scene3d>
+            <a:sp3d contourW="44450" prstMaterial="matte">
+              <a:bevelT w="63500" h="63500" prst="artDeco"/>
+              <a:contourClr>
+                <a:srgbClr val="FFFFFF"/>
+              </a:contourClr>
+            </a:sp3d>
+          </p:spPr>
+          <p:txBody>
+            <a:bodyPr wrap="square" lIns="36000" tIns="72000" rIns="36000" rtlCol="0">
+              <a:noAutofit/>
+            </a:bodyPr>
+            <a:lstStyle/>
+            <a:p>
+              <a:pPr algn="ctr"/>
+              <a:r>
+                <a:rPr lang="en-SG" sz="2800" b="1" dirty="0" smtClean="0">
+                  <a:solidFill>
+                    <a:schemeClr val="bg1"/>
+                  </a:solidFill>
+                </a:rPr>
+                <a:t>Upcoming [12-Oct]</a:t>
+              </a:r>
+            </a:p>
+            <a:p>
+              <a:pPr algn="ctr"/>
+              <a:endParaRPr lang="en-SG" sz="2800" b="1" dirty="0">
+                <a:solidFill>
+                  <a:schemeClr val="bg1"/>
+                </a:solidFill>
+                <a:latin typeface="Viner Hand ITC" panose="03070502030502020203" pitchFamily="66" charset="0"/>
+              </a:endParaRPr>
+            </a:p>
+            <a:p>
+              <a:pPr algn="ctr"/>
+              <a:endParaRPr lang="en-SG" sz="2800" b="1" dirty="0" smtClean="0">
+                <a:solidFill>
+                  <a:schemeClr val="bg1"/>
+                </a:solidFill>
+                <a:latin typeface="Viner Hand ITC" panose="03070502030502020203" pitchFamily="66" charset="0"/>
+              </a:endParaRPr>
+            </a:p>
+            <a:p>
+              <a:pPr marL="514350" indent="-514350">
+                <a:buAutoNum type="arabicPeriod"/>
+              </a:pPr>
+              <a:r>
+                <a:rPr lang="en-SG" sz="2800" b="1" dirty="0" smtClean="0">
+                  <a:solidFill>
+                    <a:schemeClr val="bg1"/>
+                  </a:solidFill>
+                  <a:latin typeface="Segoe Print" panose="02000600000000000000" pitchFamily="2" charset="0"/>
+                </a:rPr>
+                <a:t>User Guide</a:t>
+              </a:r>
+            </a:p>
+            <a:p>
+              <a:r>
+                <a:rPr lang="en-SG" sz="2800" b="1" dirty="0" smtClean="0">
+                  <a:solidFill>
+                    <a:schemeClr val="bg1"/>
+                  </a:solidFill>
+                  <a:latin typeface="Segoe Print" panose="02000600000000000000" pitchFamily="2" charset="0"/>
+                </a:rPr>
+                <a:t>#Cs2103 due 12-oct-16</a:t>
+              </a:r>
+              <a:endParaRPr lang="en-SG" sz="2800" b="1" dirty="0" smtClean="0">
+                <a:solidFill>
+                  <a:schemeClr val="bg1"/>
+                </a:solidFill>
+                <a:latin typeface="Viner Hand ITC" panose="03070502030502020203" pitchFamily="66" charset="0"/>
+              </a:endParaRPr>
+            </a:p>
+          </p:txBody>
+        </p:sp>
+      </p:grpSp>
+    </p:spTree>
+    <p:extLst>
+      <p:ext uri="{BB962C8B-B14F-4D97-AF65-F5344CB8AC3E}">
+        <p14:creationId xmlns:p14="http://schemas.microsoft.com/office/powerpoint/2010/main" val="1777786773"/>
+      </p:ext>
+    </p:extLst>
+  </p:cSld>
+  <p:clrMapOvr>
+    <a:masterClrMapping/>
+  </p:clrMapOvr>
+</p:sld>
+</file>
+
+<file path=ppt/slides/slide8.xml><?xml version="1.0" encoding="utf-8"?>
+<p:sld xmlns:a="http://schemas.openxmlformats.org/drawingml/2006/main" xmlns:r="http://schemas.openxmlformats.org/officeDocument/2006/relationships" xmlns:p="http://schemas.openxmlformats.org/presentationml/2006/main">
+  <p:cSld>
+    <p:spTree>
+      <p:nvGrpSpPr>
+        <p:cNvPr id="1" name=""/>
+        <p:cNvGrpSpPr/>
+        <p:nvPr/>
+      </p:nvGrpSpPr>
+      <p:grpSpPr>
+        <a:xfrm>
+          <a:off x="0" y="0"/>
+          <a:ext cx="0" cy="0"/>
+          <a:chOff x="0" y="0"/>
+          <a:chExt cx="0" cy="0"/>
+        </a:xfrm>
+      </p:grpSpPr>
+      <p:sp>
+        <p:nvSpPr>
+          <p:cNvPr id="2" name="Title 1"/>
+          <p:cNvSpPr>
+            <a:spLocks noGrp="1"/>
+          </p:cNvSpPr>
+          <p:nvPr>
+            <p:ph type="title"/>
+          </p:nvPr>
+        </p:nvSpPr>
+        <p:spPr/>
+        <p:txBody>
+          <a:bodyPr/>
+          <a:lstStyle/>
+          <a:p>
+            <a:endParaRPr lang="en-SG"/>
+          </a:p>
+        </p:txBody>
+      </p:sp>
+      <p:sp>
+        <p:nvSpPr>
+          <p:cNvPr id="3" name="Content Placeholder 2"/>
+          <p:cNvSpPr>
+            <a:spLocks noGrp="1"/>
+          </p:cNvSpPr>
+          <p:nvPr>
+            <p:ph idx="1"/>
+          </p:nvPr>
+        </p:nvSpPr>
+        <p:spPr/>
+        <p:txBody>
+          <a:bodyPr/>
+          <a:lstStyle/>
+          <a:p>
+            <a:endParaRPr lang="en-SG"/>
+          </a:p>
+        </p:txBody>
+      </p:sp>
+      <p:grpSp>
+        <p:nvGrpSpPr>
+          <p:cNvPr id="4" name="Group 3"/>
+          <p:cNvGrpSpPr/>
+          <p:nvPr/>
+        </p:nvGrpSpPr>
+        <p:grpSpPr>
+          <a:xfrm>
+            <a:off x="137285" y="-432920"/>
+            <a:ext cx="12423015" cy="6482883"/>
+            <a:chOff x="2289892" y="187976"/>
+            <a:chExt cx="12423015" cy="6482883"/>
+          </a:xfrm>
+        </p:grpSpPr>
+        <p:sp>
+          <p:nvSpPr>
+            <p:cNvPr id="5" name="Rectangle 4"/>
+            <p:cNvSpPr/>
+            <p:nvPr/>
+          </p:nvSpPr>
+          <p:spPr>
+            <a:xfrm>
+              <a:off x="2289893" y="187976"/>
+              <a:ext cx="7274811" cy="581188"/>
+            </a:xfrm>
+            <a:prstGeom prst="rect">
+              <a:avLst/>
+            </a:prstGeom>
+            <a:solidFill>
+              <a:srgbClr val="4527A0"/>
+            </a:solidFill>
+            <a:ln>
+              <a:solidFill>
+                <a:schemeClr val="bg1"/>
+              </a:solidFill>
+            </a:ln>
+            <a:effectLst>
+              <a:outerShdw blurRad="107950" dist="12700" dir="5400000" algn="ctr">
+                <a:srgbClr val="000000"/>
+              </a:outerShdw>
+            </a:effectLst>
+            <a:scene3d>
+              <a:camera prst="orthographicFront">
+                <a:rot lat="0" lon="0" rev="0"/>
+              </a:camera>
+              <a:lightRig rig="soft" dir="t">
+                <a:rot lat="0" lon="0" rev="0"/>
+              </a:lightRig>
+            </a:scene3d>
+            <a:sp3d contourW="44450" prstMaterial="matte">
+              <a:bevelT w="63500" h="63500" prst="artDeco"/>
+              <a:contourClr>
+                <a:srgbClr val="FFFFFF"/>
+              </a:contourClr>
+            </a:sp3d>
+          </p:spPr>
+          <p:style>
+            <a:lnRef idx="2">
+              <a:schemeClr val="accent1">
+                <a:shade val="50000"/>
+              </a:schemeClr>
+            </a:lnRef>
+            <a:fillRef idx="1">
+              <a:schemeClr val="accent1"/>
+            </a:fillRef>
+            <a:effectRef idx="0">
+              <a:schemeClr val="accent1"/>
+            </a:effectRef>
+            <a:fontRef idx="minor">
+              <a:schemeClr val="lt1"/>
+            </a:fontRef>
+          </p:style>
+          <p:txBody>
+            <a:bodyPr rtlCol="0" anchor="ctr"/>
+            <a:lstStyle/>
+            <a:p>
+              <a:pPr algn="ctr"/>
+              <a:r>
+                <a:rPr lang="en-SG" sz="2800" b="1" dirty="0" err="1" smtClean="0">
+                  <a:latin typeface="Segoe Script" panose="030B0504020000000003" pitchFamily="66" charset="0"/>
+                  <a:cs typeface="Segoe UI Semibold" panose="020B0702040204020203" pitchFamily="34" charset="0"/>
+                </a:rPr>
+                <a:t>SmartyDo</a:t>
+              </a:r>
+              <a:endParaRPr lang="en-SG" sz="2800" b="1" dirty="0">
+                <a:latin typeface="Segoe Script" panose="030B0504020000000003" pitchFamily="66" charset="0"/>
+                <a:cs typeface="Segoe UI Semibold" panose="020B0702040204020203" pitchFamily="34" charset="0"/>
+              </a:endParaRPr>
+            </a:p>
+          </p:txBody>
+        </p:sp>
+        <p:sp>
+          <p:nvSpPr>
+            <p:cNvPr id="6" name="TextBox 5"/>
+            <p:cNvSpPr txBox="1">
+              <a:spLocks noChangeAspect="1"/>
+            </p:cNvSpPr>
+            <p:nvPr/>
+          </p:nvSpPr>
+          <p:spPr>
+            <a:xfrm>
+              <a:off x="6362641" y="818533"/>
+              <a:ext cx="3202063" cy="4065597"/>
+            </a:xfrm>
+            <a:prstGeom prst="rect">
+              <a:avLst/>
+            </a:prstGeom>
+            <a:solidFill>
+              <a:srgbClr val="5E35B1"/>
+            </a:solidFill>
+            <a:ln>
+              <a:solidFill>
+                <a:schemeClr val="bg1"/>
+              </a:solidFill>
+            </a:ln>
+            <a:effectLst>
+              <a:outerShdw blurRad="107950" dist="12700" dir="5400000" algn="ctr">
+                <a:srgbClr val="000000"/>
+              </a:outerShdw>
+            </a:effectLst>
+            <a:scene3d>
+              <a:camera prst="orthographicFront">
+                <a:rot lat="0" lon="0" rev="0"/>
+              </a:camera>
+              <a:lightRig rig="soft" dir="t">
+                <a:rot lat="0" lon="0" rev="0"/>
+              </a:lightRig>
+            </a:scene3d>
+            <a:sp3d contourW="44450" prstMaterial="matte">
+              <a:bevelT w="63500" h="63500" prst="artDeco"/>
+              <a:contourClr>
+                <a:srgbClr val="FFFFFF"/>
+              </a:contourClr>
+            </a:sp3d>
+          </p:spPr>
+          <p:txBody>
+            <a:bodyPr wrap="square" rtlCol="0">
+              <a:noAutofit/>
+            </a:bodyPr>
+            <a:lstStyle/>
+            <a:p>
+              <a:pPr algn="ctr"/>
+              <a:r>
+                <a:rPr lang="en-SG" sz="2800" b="1" dirty="0" smtClean="0">
+                  <a:solidFill>
+                    <a:schemeClr val="bg1"/>
+                  </a:solidFill>
+                </a:rPr>
+                <a:t>Upcoming [12-Oct]</a:t>
+              </a:r>
+            </a:p>
+            <a:p>
+              <a:pPr algn="ctr"/>
+              <a:endParaRPr lang="en-SG" sz="2800" b="1" dirty="0">
+                <a:solidFill>
+                  <a:schemeClr val="bg1"/>
+                </a:solidFill>
+                <a:latin typeface="Viner Hand ITC" panose="03070502030502020203" pitchFamily="66" charset="0"/>
+              </a:endParaRPr>
+            </a:p>
+            <a:p>
+              <a:pPr algn="ctr"/>
+              <a:endParaRPr lang="en-SG" sz="2800" b="1" dirty="0">
+                <a:solidFill>
+                  <a:schemeClr val="bg1"/>
+                </a:solidFill>
+                <a:latin typeface="Viner Hand ITC" panose="03070502030502020203" pitchFamily="66" charset="0"/>
+              </a:endParaRPr>
+            </a:p>
+            <a:p>
+              <a:pPr algn="ctr"/>
+              <a:r>
+                <a:rPr lang="en-SG" sz="2800" b="1" dirty="0" smtClean="0">
+                  <a:solidFill>
+                    <a:schemeClr val="bg1"/>
+                  </a:solidFill>
+                  <a:latin typeface="Segoe Print" panose="02000600000000000000" pitchFamily="2" charset="0"/>
+                </a:rPr>
+                <a:t>1</a:t>
+              </a:r>
+              <a:r>
+                <a:rPr lang="en-SG" sz="2800" b="1" dirty="0">
+                  <a:solidFill>
+                    <a:schemeClr val="bg1"/>
+                  </a:solidFill>
+                  <a:latin typeface="Segoe Print" panose="02000600000000000000" pitchFamily="2" charset="0"/>
+                </a:rPr>
+                <a:t>. User Guide </a:t>
+              </a:r>
+            </a:p>
+            <a:p>
+              <a:pPr algn="ctr"/>
+              <a:endParaRPr lang="en-SG" sz="2800" b="1" dirty="0" smtClean="0">
+                <a:solidFill>
+                  <a:schemeClr val="bg1"/>
+                </a:solidFill>
+                <a:latin typeface="Viner Hand ITC" panose="03070502030502020203" pitchFamily="66" charset="0"/>
+              </a:endParaRPr>
+            </a:p>
+          </p:txBody>
+        </p:sp>
+        <p:sp>
+          <p:nvSpPr>
+            <p:cNvPr id="7" name="Rectangle 6"/>
+            <p:cNvSpPr/>
+            <p:nvPr/>
+          </p:nvSpPr>
+          <p:spPr>
+            <a:xfrm>
+              <a:off x="2289893" y="818533"/>
+              <a:ext cx="4072747" cy="4065597"/>
+            </a:xfrm>
+            <a:prstGeom prst="rect">
+              <a:avLst/>
+            </a:prstGeom>
+            <a:solidFill>
+              <a:srgbClr val="7E57C2"/>
+            </a:solidFill>
+            <a:ln>
+              <a:solidFill>
+                <a:schemeClr val="bg1"/>
+              </a:solidFill>
+            </a:ln>
+            <a:effectLst>
+              <a:outerShdw blurRad="107950" dist="12700" dir="5400000" algn="ctr">
+                <a:srgbClr val="000000"/>
+              </a:outerShdw>
+            </a:effectLst>
+            <a:scene3d>
+              <a:camera prst="orthographicFront">
+                <a:rot lat="0" lon="0" rev="0"/>
+              </a:camera>
+              <a:lightRig rig="soft" dir="t">
+                <a:rot lat="0" lon="0" rev="0"/>
+              </a:lightRig>
+            </a:scene3d>
+            <a:sp3d contourW="44450" prstMaterial="matte">
+              <a:bevelT w="63500" h="63500" prst="artDeco"/>
+              <a:contourClr>
+                <a:srgbClr val="FFFFFF"/>
+              </a:contourClr>
+            </a:sp3d>
+          </p:spPr>
+          <p:style>
+            <a:lnRef idx="2">
+              <a:schemeClr val="accent1">
+                <a:shade val="50000"/>
+              </a:schemeClr>
+            </a:lnRef>
+            <a:fillRef idx="1">
+              <a:schemeClr val="accent1"/>
+            </a:fillRef>
+            <a:effectRef idx="0">
+              <a:schemeClr val="accent1"/>
+            </a:effectRef>
+            <a:fontRef idx="minor">
+              <a:schemeClr val="lt1"/>
+            </a:fontRef>
+          </p:style>
+          <p:txBody>
+            <a:bodyPr rtlCol="0" anchor="ctr"/>
+            <a:lstStyle/>
+            <a:p>
+              <a:pPr algn="ctr"/>
+              <a:endParaRPr lang="en-SG"/>
+            </a:p>
+          </p:txBody>
+        </p:sp>
+        <p:sp>
+          <p:nvSpPr>
+            <p:cNvPr id="8" name="Rectangle 7"/>
+            <p:cNvSpPr/>
+            <p:nvPr/>
+          </p:nvSpPr>
+          <p:spPr>
+            <a:xfrm>
+              <a:off x="2289892" y="6061259"/>
+              <a:ext cx="7274812" cy="609600"/>
+            </a:xfrm>
+            <a:prstGeom prst="rect">
+              <a:avLst/>
+            </a:prstGeom>
+            <a:solidFill>
+              <a:srgbClr val="4527A0"/>
+            </a:solidFill>
+            <a:ln>
+              <a:solidFill>
+                <a:schemeClr val="bg1"/>
+              </a:solidFill>
+            </a:ln>
+            <a:effectLst>
+              <a:outerShdw blurRad="107950" dist="12700" dir="5400000" algn="ctr">
+                <a:srgbClr val="000000"/>
+              </a:outerShdw>
+            </a:effectLst>
+            <a:scene3d>
+              <a:camera prst="orthographicFront">
+                <a:rot lat="0" lon="0" rev="0"/>
+              </a:camera>
+              <a:lightRig rig="soft" dir="t">
+                <a:rot lat="0" lon="0" rev="0"/>
+              </a:lightRig>
+            </a:scene3d>
+            <a:sp3d contourW="44450" prstMaterial="matte">
+              <a:bevelT w="63500" h="63500" prst="artDeco"/>
+              <a:contourClr>
+                <a:srgbClr val="FFFFFF"/>
+              </a:contourClr>
+            </a:sp3d>
+          </p:spPr>
+          <p:style>
+            <a:lnRef idx="0">
+              <a:schemeClr val="accent5"/>
+            </a:lnRef>
+            <a:fillRef idx="1003">
+              <a:schemeClr val="dk2"/>
+            </a:fillRef>
+            <a:effectRef idx="3">
+              <a:schemeClr val="accent5"/>
+            </a:effectRef>
+            <a:fontRef idx="minor">
+              <a:schemeClr val="lt1"/>
+            </a:fontRef>
+          </p:style>
+          <p:txBody>
+            <a:bodyPr rtlCol="0" anchor="ctr"/>
+            <a:lstStyle/>
+            <a:p>
+              <a:r>
+                <a:rPr lang="en-SG" dirty="0" smtClean="0"/>
+                <a:t>&gt;&gt;  </a:t>
+              </a:r>
+              <a:r>
+                <a:rPr lang="en-SG" b="1" dirty="0" smtClean="0">
+                  <a:solidFill>
+                    <a:schemeClr val="bg1"/>
+                  </a:solidFill>
+                </a:rPr>
+                <a:t>redo</a:t>
+              </a:r>
+              <a:endParaRPr lang="en-SG" b="1" dirty="0">
+                <a:solidFill>
+                  <a:schemeClr val="bg1"/>
+                </a:solidFill>
+              </a:endParaRPr>
+            </a:p>
+          </p:txBody>
+        </p:sp>
+        <p:sp>
+          <p:nvSpPr>
+            <p:cNvPr id="9" name="Rectangle 8"/>
+            <p:cNvSpPr/>
+            <p:nvPr/>
+          </p:nvSpPr>
+          <p:spPr>
+            <a:xfrm>
+              <a:off x="2289893" y="4933499"/>
+              <a:ext cx="7274812" cy="1127760"/>
+            </a:xfrm>
+            <a:prstGeom prst="rect">
+              <a:avLst/>
+            </a:prstGeom>
+            <a:solidFill>
+              <a:srgbClr val="B39DDB"/>
+            </a:solidFill>
+            <a:ln>
+              <a:solidFill>
+                <a:schemeClr val="bg1"/>
+              </a:solidFill>
+            </a:ln>
+            <a:effectLst>
+              <a:outerShdw blurRad="107950" dist="12700" dir="5400000" algn="ctr">
+                <a:srgbClr val="000000"/>
+              </a:outerShdw>
+            </a:effectLst>
+            <a:scene3d>
+              <a:camera prst="orthographicFront">
+                <a:rot lat="0" lon="0" rev="0"/>
+              </a:camera>
+              <a:lightRig rig="soft" dir="t">
+                <a:rot lat="0" lon="0" rev="0"/>
+              </a:lightRig>
+            </a:scene3d>
+            <a:sp3d contourW="44450" prstMaterial="matte">
+              <a:bevelT w="63500" h="63500" prst="artDeco"/>
+              <a:contourClr>
+                <a:srgbClr val="FFFFFF"/>
+              </a:contourClr>
+            </a:sp3d>
+          </p:spPr>
+          <p:style>
+            <a:lnRef idx="2">
+              <a:schemeClr val="accent1">
+                <a:shade val="50000"/>
+              </a:schemeClr>
+            </a:lnRef>
+            <a:fillRef idx="1">
+              <a:schemeClr val="accent1"/>
+            </a:fillRef>
+            <a:effectRef idx="0">
+              <a:schemeClr val="accent1"/>
+            </a:effectRef>
+            <a:fontRef idx="minor">
+              <a:schemeClr val="lt1"/>
+            </a:fontRef>
+          </p:style>
+          <p:txBody>
+            <a:bodyPr rtlCol="0" anchor="t" anchorCtr="0"/>
+            <a:lstStyle/>
+            <a:p>
+              <a:r>
+                <a:rPr lang="en-SG" b="1" dirty="0" smtClean="0">
+                  <a:solidFill>
+                    <a:schemeClr val="tx1"/>
+                  </a:solidFill>
+                </a:rPr>
+                <a:t>Re-executed </a:t>
+              </a:r>
+              <a:r>
+                <a:rPr lang="en-SG" b="1" dirty="0" smtClean="0">
+                  <a:solidFill>
+                    <a:schemeClr val="tx1"/>
+                  </a:solidFill>
+                </a:rPr>
+                <a:t>the following </a:t>
+              </a:r>
+              <a:r>
+                <a:rPr lang="en-SG" b="1" dirty="0" smtClean="0">
+                  <a:solidFill>
+                    <a:schemeClr val="tx1"/>
+                  </a:solidFill>
+                </a:rPr>
+                <a:t>command: </a:t>
+              </a:r>
+            </a:p>
+            <a:p>
+              <a:r>
+                <a:rPr lang="en-SG" b="1" dirty="0" smtClean="0">
+                  <a:solidFill>
+                    <a:schemeClr val="tx1"/>
+                  </a:solidFill>
+                </a:rPr>
+                <a:t>Updated 1. User Guide Time to 14:00</a:t>
+              </a:r>
+              <a:endParaRPr lang="en-SG" b="1" dirty="0">
+                <a:solidFill>
+                  <a:schemeClr val="tx1"/>
+                </a:solidFill>
+              </a:endParaRPr>
+            </a:p>
+          </p:txBody>
+        </p:sp>
+        <p:graphicFrame>
+          <p:nvGraphicFramePr>
+            <p:cNvPr id="10" name="Object 9"/>
+            <p:cNvGraphicFramePr>
+              <a:graphicFrameLocks noChangeAspect="1"/>
+            </p:cNvGraphicFramePr>
+            <p:nvPr>
+              <p:extLst/>
+            </p:nvPr>
+          </p:nvGraphicFramePr>
+          <p:xfrm>
+            <a:off x="2332179" y="818533"/>
+            <a:ext cx="4030461" cy="4057369"/>
+          </p:xfrm>
+          <a:graphic>
+            <a:graphicData uri="http://schemas.openxmlformats.org/presentationml/2006/ole">
+              <mc:AlternateContent xmlns:mc="http://schemas.openxmlformats.org/markup-compatibility/2006">
+                <mc:Choice xmlns:v="urn:schemas-microsoft-com:vml" Requires="v">
+                  <p:oleObj spid="_x0000_s6148" name="Worksheet" r:id="rId3" imgW="3028999" imgH="1479425" progId="Excel.Sheet.12">
+                    <p:embed/>
+                  </p:oleObj>
+                </mc:Choice>
+                <mc:Fallback>
+                  <p:oleObj name="Worksheet" r:id="rId3" imgW="3028999" imgH="1479425" progId="Excel.Sheet.12">
+                    <p:embed/>
+                    <p:pic>
+                      <p:nvPicPr>
+                        <p:cNvPr id="0" name=""/>
+                        <p:cNvPicPr/>
+                        <p:nvPr/>
+                      </p:nvPicPr>
+                      <p:blipFill>
+                        <a:blip r:embed="rId4"/>
+                        <a:stretch>
+                          <a:fillRect/>
+                        </a:stretch>
+                      </p:blipFill>
+                      <p:spPr>
+                        <a:xfrm>
+                          <a:off x="2332179" y="818533"/>
+                          <a:ext cx="4030461" cy="4057369"/>
+                        </a:xfrm>
+                        <a:prstGeom prst="rect">
+                          <a:avLst/>
+                        </a:prstGeom>
+                        <a:solidFill>
+                          <a:srgbClr val="7E57C2"/>
+                        </a:solidFill>
+                      </p:spPr>
+                    </p:pic>
+                  </p:oleObj>
+                </mc:Fallback>
+              </mc:AlternateContent>
+            </a:graphicData>
+          </a:graphic>
+        </p:graphicFrame>
+        <p:sp>
+          <p:nvSpPr>
+            <p:cNvPr id="11" name="TextBox 10"/>
+            <p:cNvSpPr txBox="1">
+              <a:spLocks noChangeAspect="1"/>
+            </p:cNvSpPr>
+            <p:nvPr/>
+          </p:nvSpPr>
+          <p:spPr>
+            <a:xfrm>
+              <a:off x="9606990" y="187976"/>
+              <a:ext cx="5105917" cy="6482883"/>
+            </a:xfrm>
+            <a:prstGeom prst="rect">
+              <a:avLst/>
+            </a:prstGeom>
+            <a:solidFill>
+              <a:srgbClr val="5E35B1"/>
+            </a:solidFill>
+            <a:ln>
+              <a:solidFill>
+                <a:schemeClr val="bg1"/>
+              </a:solidFill>
+            </a:ln>
+            <a:effectLst>
+              <a:outerShdw blurRad="107950" dist="12700" dir="5400000" algn="ctr">
+                <a:srgbClr val="000000"/>
+              </a:outerShdw>
+            </a:effectLst>
+            <a:scene3d>
+              <a:camera prst="orthographicFront">
+                <a:rot lat="0" lon="0" rev="0"/>
+              </a:camera>
+              <a:lightRig rig="soft" dir="t">
+                <a:rot lat="0" lon="0" rev="0"/>
+              </a:lightRig>
+            </a:scene3d>
+            <a:sp3d contourW="44450" prstMaterial="matte">
+              <a:bevelT w="63500" h="63500" prst="artDeco"/>
+              <a:contourClr>
+                <a:srgbClr val="FFFFFF"/>
+              </a:contourClr>
+            </a:sp3d>
+          </p:spPr>
+          <p:txBody>
+            <a:bodyPr wrap="square" lIns="36000" tIns="72000" rIns="36000" rtlCol="0">
+              <a:noAutofit/>
+            </a:bodyPr>
+            <a:lstStyle/>
+            <a:p>
+              <a:pPr algn="ctr"/>
+              <a:r>
+                <a:rPr lang="en-SG" sz="2800" b="1" dirty="0" smtClean="0">
+                  <a:solidFill>
+                    <a:schemeClr val="bg1"/>
+                  </a:solidFill>
+                </a:rPr>
+                <a:t>Upcoming [12-Oct]</a:t>
+              </a:r>
+            </a:p>
+            <a:p>
+              <a:pPr algn="ctr"/>
+              <a:endParaRPr lang="en-SG" sz="2800" b="1" dirty="0">
+                <a:solidFill>
+                  <a:schemeClr val="bg1"/>
+                </a:solidFill>
+                <a:latin typeface="Viner Hand ITC" panose="03070502030502020203" pitchFamily="66" charset="0"/>
+              </a:endParaRPr>
+            </a:p>
+            <a:p>
+              <a:pPr algn="ctr"/>
+              <a:endParaRPr lang="en-SG" sz="2800" b="1" dirty="0" smtClean="0">
+                <a:solidFill>
+                  <a:schemeClr val="bg1"/>
+                </a:solidFill>
+                <a:latin typeface="Viner Hand ITC" panose="03070502030502020203" pitchFamily="66" charset="0"/>
+              </a:endParaRPr>
+            </a:p>
+            <a:p>
+              <a:pPr marL="514350" indent="-514350">
+                <a:buAutoNum type="arabicPeriod"/>
+              </a:pPr>
+              <a:r>
+                <a:rPr lang="en-SG" sz="2800" b="1" dirty="0" smtClean="0">
+                  <a:solidFill>
+                    <a:schemeClr val="bg1"/>
+                  </a:solidFill>
+                  <a:latin typeface="Segoe Print" panose="02000600000000000000" pitchFamily="2" charset="0"/>
+                </a:rPr>
+                <a:t>User Guide</a:t>
+              </a:r>
+            </a:p>
+            <a:p>
+              <a:r>
+                <a:rPr lang="en-SG" sz="2800" b="1" dirty="0" smtClean="0">
+                  <a:solidFill>
+                    <a:schemeClr val="bg1"/>
+                  </a:solidFill>
+                  <a:latin typeface="Segoe Print" panose="02000600000000000000" pitchFamily="2" charset="0"/>
+                </a:rPr>
+                <a:t>#Cs2103 due 12-oct-16 </a:t>
+              </a:r>
+              <a:r>
+                <a:rPr lang="en-SG" sz="2800" b="1" dirty="0">
+                  <a:solidFill>
+                    <a:schemeClr val="bg1"/>
+                  </a:solidFill>
+                  <a:latin typeface="Segoe Print" panose="02000600000000000000" pitchFamily="2" charset="0"/>
+                </a:rPr>
+                <a:t>by 14:00</a:t>
+              </a:r>
+            </a:p>
+            <a:p>
+              <a:endParaRPr lang="en-SG" sz="2800" b="1" dirty="0" smtClean="0">
+                <a:solidFill>
+                  <a:schemeClr val="bg1"/>
+                </a:solidFill>
+                <a:latin typeface="Viner Hand ITC" panose="03070502030502020203" pitchFamily="66" charset="0"/>
+              </a:endParaRPr>
+            </a:p>
+          </p:txBody>
+        </p:sp>
+      </p:grpSp>
+    </p:spTree>
+    <p:extLst>
+      <p:ext uri="{BB962C8B-B14F-4D97-AF65-F5344CB8AC3E}">
+        <p14:creationId xmlns:p14="http://schemas.microsoft.com/office/powerpoint/2010/main" val="4108986493"/>
+      </p:ext>
+    </p:extLst>
+  </p:cSld>
+  <p:clrMapOvr>
+    <a:masterClrMapping/>
+  </p:clrMapOvr>
+</p:sld>
+</file>
+
+<file path=ppt/slides/slide9.xml><?xml version="1.0" encoding="utf-8"?>
+<p:sld xmlns:a="http://schemas.openxmlformats.org/drawingml/2006/main" xmlns:r="http://schemas.openxmlformats.org/officeDocument/2006/relationships" xmlns:p="http://schemas.openxmlformats.org/presentationml/2006/main">
+  <p:cSld>
+    <p:spTree>
+      <p:nvGrpSpPr>
+        <p:cNvPr id="1" name=""/>
+        <p:cNvGrpSpPr/>
+        <p:nvPr/>
+      </p:nvGrpSpPr>
+      <p:grpSpPr>
+        <a:xfrm>
+          <a:off x="0" y="0"/>
+          <a:ext cx="0" cy="0"/>
+          <a:chOff x="0" y="0"/>
+          <a:chExt cx="0" cy="0"/>
+        </a:xfrm>
+      </p:grpSpPr>
+      <p:sp>
+        <p:nvSpPr>
+          <p:cNvPr id="2" name="Title 1"/>
+          <p:cNvSpPr>
+            <a:spLocks noGrp="1"/>
+          </p:cNvSpPr>
+          <p:nvPr>
+            <p:ph type="title"/>
+          </p:nvPr>
+        </p:nvSpPr>
+        <p:spPr/>
+        <p:txBody>
+          <a:bodyPr/>
+          <a:lstStyle/>
+          <a:p>
+            <a:endParaRPr lang="en-SG"/>
+          </a:p>
+        </p:txBody>
+      </p:sp>
+      <p:sp>
+        <p:nvSpPr>
+          <p:cNvPr id="3" name="Content Placeholder 2"/>
+          <p:cNvSpPr>
+            <a:spLocks noGrp="1"/>
+          </p:cNvSpPr>
+          <p:nvPr>
+            <p:ph idx="1"/>
+          </p:nvPr>
+        </p:nvSpPr>
+        <p:spPr/>
+        <p:txBody>
+          <a:bodyPr/>
+          <a:lstStyle/>
+          <a:p>
+            <a:endParaRPr lang="en-SG" dirty="0"/>
+          </a:p>
+        </p:txBody>
+      </p:sp>
+      <p:grpSp>
+        <p:nvGrpSpPr>
+          <p:cNvPr id="4" name="Group 3"/>
+          <p:cNvGrpSpPr/>
+          <p:nvPr/>
+        </p:nvGrpSpPr>
+        <p:grpSpPr>
+          <a:xfrm>
+            <a:off x="2842385" y="-305920"/>
+            <a:ext cx="7274813" cy="6482883"/>
+            <a:chOff x="2289892" y="187976"/>
+            <a:chExt cx="7274813" cy="6482883"/>
+          </a:xfrm>
+        </p:grpSpPr>
+        <p:sp>
+          <p:nvSpPr>
+            <p:cNvPr id="5" name="Rectangle 4"/>
+            <p:cNvSpPr/>
+            <p:nvPr/>
+          </p:nvSpPr>
+          <p:spPr>
+            <a:xfrm>
+              <a:off x="2289893" y="187976"/>
+              <a:ext cx="7274811" cy="581188"/>
+            </a:xfrm>
+            <a:prstGeom prst="rect">
+              <a:avLst/>
+            </a:prstGeom>
+            <a:solidFill>
+              <a:srgbClr val="4527A0"/>
+            </a:solidFill>
+            <a:ln>
+              <a:solidFill>
+                <a:schemeClr val="bg1"/>
+              </a:solidFill>
+            </a:ln>
+            <a:effectLst>
+              <a:outerShdw blurRad="107950" dist="12700" dir="5400000" algn="ctr">
+                <a:srgbClr val="000000"/>
+              </a:outerShdw>
+            </a:effectLst>
+            <a:scene3d>
+              <a:camera prst="orthographicFront">
+                <a:rot lat="0" lon="0" rev="0"/>
+              </a:camera>
+              <a:lightRig rig="soft" dir="t">
+                <a:rot lat="0" lon="0" rev="0"/>
+              </a:lightRig>
+            </a:scene3d>
+            <a:sp3d contourW="44450" prstMaterial="matte">
+              <a:bevelT w="63500" h="63500" prst="artDeco"/>
+              <a:contourClr>
+                <a:srgbClr val="FFFFFF"/>
+              </a:contourClr>
+            </a:sp3d>
+          </p:spPr>
+          <p:style>
+            <a:lnRef idx="2">
+              <a:schemeClr val="accent1">
+                <a:shade val="50000"/>
+              </a:schemeClr>
+            </a:lnRef>
+            <a:fillRef idx="1">
+              <a:schemeClr val="accent1"/>
+            </a:fillRef>
+            <a:effectRef idx="0">
+              <a:schemeClr val="accent1"/>
+            </a:effectRef>
+            <a:fontRef idx="minor">
+              <a:schemeClr val="lt1"/>
+            </a:fontRef>
+          </p:style>
+          <p:txBody>
+            <a:bodyPr rtlCol="0" anchor="ctr"/>
+            <a:lstStyle/>
+            <a:p>
+              <a:pPr algn="ctr"/>
+              <a:r>
+                <a:rPr lang="en-SG" sz="2800" b="1" dirty="0" err="1" smtClean="0">
+                  <a:latin typeface="Segoe Script" panose="030B0504020000000003" pitchFamily="66" charset="0"/>
+                  <a:cs typeface="Segoe UI Semibold" panose="020B0702040204020203" pitchFamily="34" charset="0"/>
+                </a:rPr>
+                <a:t>SmartyDo</a:t>
+              </a:r>
+              <a:endParaRPr lang="en-SG" sz="2800" b="1" dirty="0">
+                <a:latin typeface="Segoe Script" panose="030B0504020000000003" pitchFamily="66" charset="0"/>
+                <a:cs typeface="Segoe UI Semibold" panose="020B0702040204020203" pitchFamily="34" charset="0"/>
+              </a:endParaRPr>
+            </a:p>
+          </p:txBody>
+        </p:sp>
+        <p:sp>
+          <p:nvSpPr>
+            <p:cNvPr id="6" name="TextBox 5"/>
+            <p:cNvSpPr txBox="1">
+              <a:spLocks noChangeAspect="1"/>
+            </p:cNvSpPr>
+            <p:nvPr/>
+          </p:nvSpPr>
+          <p:spPr>
+            <a:xfrm>
+              <a:off x="6362641" y="818533"/>
+              <a:ext cx="3202063" cy="4065597"/>
+            </a:xfrm>
+            <a:prstGeom prst="rect">
+              <a:avLst/>
+            </a:prstGeom>
+            <a:solidFill>
+              <a:srgbClr val="5E35B1"/>
+            </a:solidFill>
+            <a:ln>
+              <a:solidFill>
+                <a:schemeClr val="bg1"/>
+              </a:solidFill>
+            </a:ln>
+            <a:effectLst>
+              <a:outerShdw blurRad="107950" dist="12700" dir="5400000" algn="ctr">
+                <a:srgbClr val="000000"/>
+              </a:outerShdw>
+            </a:effectLst>
+            <a:scene3d>
+              <a:camera prst="orthographicFront">
+                <a:rot lat="0" lon="0" rev="0"/>
+              </a:camera>
+              <a:lightRig rig="soft" dir="t">
+                <a:rot lat="0" lon="0" rev="0"/>
+              </a:lightRig>
+            </a:scene3d>
+            <a:sp3d contourW="44450" prstMaterial="matte">
+              <a:bevelT w="63500" h="63500" prst="artDeco"/>
+              <a:contourClr>
+                <a:srgbClr val="FFFFFF"/>
+              </a:contourClr>
+            </a:sp3d>
+          </p:spPr>
+          <p:txBody>
+            <a:bodyPr wrap="square" rtlCol="0">
+              <a:noAutofit/>
+            </a:bodyPr>
+            <a:lstStyle/>
+            <a:p>
+              <a:pPr algn="ctr"/>
+              <a:r>
+                <a:rPr lang="en-SG" sz="2800" b="1" dirty="0" smtClean="0">
+                  <a:solidFill>
+                    <a:schemeClr val="bg1"/>
+                  </a:solidFill>
+                </a:rPr>
+                <a:t>Upcoming [12-Oct]</a:t>
+              </a:r>
+              <a:endParaRPr lang="en-SG" sz="2800" b="1" dirty="0" smtClean="0">
+                <a:solidFill>
+                  <a:schemeClr val="bg1"/>
+                </a:solidFill>
+                <a:latin typeface="Viner Hand ITC" panose="03070502030502020203" pitchFamily="66" charset="0"/>
+              </a:endParaRPr>
+            </a:p>
+            <a:p>
+              <a:pPr algn="ctr"/>
+              <a:endParaRPr lang="en-SG" sz="2800" b="1" dirty="0">
+                <a:solidFill>
+                  <a:schemeClr val="bg1"/>
+                </a:solidFill>
+                <a:latin typeface="Viner Hand ITC" panose="03070502030502020203" pitchFamily="66" charset="0"/>
+              </a:endParaRPr>
+            </a:p>
+            <a:p>
+              <a:pPr algn="ctr"/>
+              <a:r>
+                <a:rPr lang="en-SG" sz="2800" b="1" dirty="0" smtClean="0">
+                  <a:solidFill>
+                    <a:schemeClr val="bg1"/>
+                  </a:solidFill>
+                  <a:latin typeface="Viner Hand ITC" panose="03070502030502020203" pitchFamily="66" charset="0"/>
+                </a:rPr>
+                <a:t>You have no upcoming tasks!</a:t>
+              </a:r>
+              <a:endParaRPr lang="en-SG" sz="2800" b="1" dirty="0" smtClean="0">
+                <a:solidFill>
+                  <a:schemeClr val="bg1"/>
+                </a:solidFill>
+              </a:endParaRPr>
+            </a:p>
+          </p:txBody>
+        </p:sp>
+        <p:sp>
+          <p:nvSpPr>
+            <p:cNvPr id="7" name="Rectangle 6"/>
+            <p:cNvSpPr/>
+            <p:nvPr/>
+          </p:nvSpPr>
+          <p:spPr>
+            <a:xfrm>
+              <a:off x="2289893" y="818533"/>
+              <a:ext cx="4072747" cy="4065597"/>
+            </a:xfrm>
+            <a:prstGeom prst="rect">
+              <a:avLst/>
+            </a:prstGeom>
+            <a:solidFill>
+              <a:srgbClr val="7E57C2"/>
+            </a:solidFill>
+            <a:ln>
+              <a:solidFill>
+                <a:schemeClr val="bg1"/>
+              </a:solidFill>
+            </a:ln>
+            <a:effectLst>
+              <a:outerShdw blurRad="107950" dist="12700" dir="5400000" algn="ctr">
+                <a:srgbClr val="000000"/>
+              </a:outerShdw>
+            </a:effectLst>
+            <a:scene3d>
+              <a:camera prst="orthographicFront">
+                <a:rot lat="0" lon="0" rev="0"/>
+              </a:camera>
+              <a:lightRig rig="soft" dir="t">
+                <a:rot lat="0" lon="0" rev="0"/>
+              </a:lightRig>
+            </a:scene3d>
+            <a:sp3d contourW="44450" prstMaterial="matte">
+              <a:bevelT w="63500" h="63500" prst="artDeco"/>
+              <a:contourClr>
+                <a:srgbClr val="FFFFFF"/>
+              </a:contourClr>
+            </a:sp3d>
+          </p:spPr>
+          <p:style>
+            <a:lnRef idx="2">
+              <a:schemeClr val="accent1">
+                <a:shade val="50000"/>
+              </a:schemeClr>
+            </a:lnRef>
+            <a:fillRef idx="1">
+              <a:schemeClr val="accent1"/>
+            </a:fillRef>
+            <a:effectRef idx="0">
+              <a:schemeClr val="accent1"/>
+            </a:effectRef>
+            <a:fontRef idx="minor">
+              <a:schemeClr val="lt1"/>
+            </a:fontRef>
+          </p:style>
+          <p:txBody>
+            <a:bodyPr rtlCol="0" anchor="ctr"/>
+            <a:lstStyle/>
+            <a:p>
+              <a:pPr algn="ctr"/>
+              <a:endParaRPr lang="en-SG"/>
+            </a:p>
+          </p:txBody>
+        </p:sp>
+        <p:sp>
+          <p:nvSpPr>
+            <p:cNvPr id="8" name="Rectangle 7"/>
+            <p:cNvSpPr/>
+            <p:nvPr/>
+          </p:nvSpPr>
+          <p:spPr>
+            <a:xfrm>
+              <a:off x="2289892" y="6061259"/>
+              <a:ext cx="7274812" cy="609600"/>
+            </a:xfrm>
+            <a:prstGeom prst="rect">
+              <a:avLst/>
+            </a:prstGeom>
+            <a:solidFill>
+              <a:srgbClr val="4527A0"/>
+            </a:solidFill>
+            <a:ln>
+              <a:solidFill>
+                <a:schemeClr val="bg1"/>
+              </a:solidFill>
+            </a:ln>
+            <a:effectLst>
+              <a:outerShdw blurRad="107950" dist="12700" dir="5400000" algn="ctr">
+                <a:srgbClr val="000000"/>
+              </a:outerShdw>
+            </a:effectLst>
+            <a:scene3d>
+              <a:camera prst="orthographicFront">
+                <a:rot lat="0" lon="0" rev="0"/>
+              </a:camera>
+              <a:lightRig rig="soft" dir="t">
+                <a:rot lat="0" lon="0" rev="0"/>
+              </a:lightRig>
+            </a:scene3d>
+            <a:sp3d contourW="44450" prstMaterial="matte">
+              <a:bevelT w="63500" h="63500" prst="artDeco"/>
+              <a:contourClr>
+                <a:srgbClr val="FFFFFF"/>
+              </a:contourClr>
+            </a:sp3d>
+          </p:spPr>
+          <p:style>
+            <a:lnRef idx="0">
+              <a:schemeClr val="accent5"/>
+            </a:lnRef>
+            <a:fillRef idx="1003">
+              <a:schemeClr val="dk2"/>
+            </a:fillRef>
+            <a:effectRef idx="3">
+              <a:schemeClr val="accent5"/>
+            </a:effectRef>
+            <a:fontRef idx="minor">
+              <a:schemeClr val="lt1"/>
+            </a:fontRef>
+          </p:style>
+          <p:txBody>
+            <a:bodyPr rtlCol="0" anchor="ctr"/>
+            <a:lstStyle/>
+            <a:p>
+              <a:r>
+                <a:rPr lang="en-SG" dirty="0" smtClean="0"/>
+                <a:t>&gt;&gt;  </a:t>
+              </a:r>
+              <a:r>
+                <a:rPr lang="en-SG" b="1" dirty="0" smtClean="0">
+                  <a:solidFill>
+                    <a:schemeClr val="bg1"/>
+                  </a:solidFill>
+                </a:rPr>
+                <a:t>delete 1</a:t>
+              </a:r>
+              <a:endParaRPr lang="en-SG" b="1" dirty="0">
+                <a:solidFill>
+                  <a:schemeClr val="bg1"/>
+                </a:solidFill>
+              </a:endParaRPr>
+            </a:p>
+          </p:txBody>
+        </p:sp>
+        <p:sp>
+          <p:nvSpPr>
+            <p:cNvPr id="9" name="Rectangle 8"/>
+            <p:cNvSpPr/>
+            <p:nvPr/>
+          </p:nvSpPr>
+          <p:spPr>
+            <a:xfrm>
+              <a:off x="2289893" y="4933499"/>
+              <a:ext cx="7274812" cy="1127760"/>
+            </a:xfrm>
+            <a:prstGeom prst="rect">
+              <a:avLst/>
+            </a:prstGeom>
+            <a:solidFill>
+              <a:srgbClr val="B39DDB"/>
+            </a:solidFill>
+            <a:ln>
+              <a:solidFill>
+                <a:schemeClr val="bg1"/>
+              </a:solidFill>
+            </a:ln>
+            <a:effectLst>
+              <a:outerShdw blurRad="107950" dist="12700" dir="5400000" algn="ctr">
+                <a:srgbClr val="000000"/>
+              </a:outerShdw>
+            </a:effectLst>
+            <a:scene3d>
+              <a:camera prst="orthographicFront">
+                <a:rot lat="0" lon="0" rev="0"/>
+              </a:camera>
+              <a:lightRig rig="soft" dir="t">
+                <a:rot lat="0" lon="0" rev="0"/>
+              </a:lightRig>
+            </a:scene3d>
+            <a:sp3d contourW="44450" prstMaterial="matte">
+              <a:bevelT w="63500" h="63500" prst="artDeco"/>
+              <a:contourClr>
+                <a:srgbClr val="FFFFFF"/>
+              </a:contourClr>
+            </a:sp3d>
+          </p:spPr>
+          <p:style>
+            <a:lnRef idx="2">
+              <a:schemeClr val="accent1">
+                <a:shade val="50000"/>
+              </a:schemeClr>
+            </a:lnRef>
+            <a:fillRef idx="1">
+              <a:schemeClr val="accent1"/>
+            </a:fillRef>
+            <a:effectRef idx="0">
+              <a:schemeClr val="accent1"/>
+            </a:effectRef>
+            <a:fontRef idx="minor">
+              <a:schemeClr val="lt1"/>
+            </a:fontRef>
+          </p:style>
+          <p:txBody>
+            <a:bodyPr rtlCol="0" anchor="t" anchorCtr="0"/>
+            <a:lstStyle/>
+            <a:p>
+              <a:r>
+                <a:rPr lang="en-SG" b="1" dirty="0" smtClean="0">
+                  <a:solidFill>
+                    <a:schemeClr val="tx1"/>
+                  </a:solidFill>
+                </a:rPr>
+                <a:t>Your task: </a:t>
+              </a:r>
+              <a:r>
+                <a:rPr lang="en-SG" b="1" dirty="0" err="1" smtClean="0">
+                  <a:solidFill>
+                    <a:schemeClr val="tx1"/>
+                  </a:solidFill>
+                </a:rPr>
+                <a:t>UserGuide</a:t>
+              </a:r>
+              <a:r>
+                <a:rPr lang="en-SG" b="1" dirty="0" smtClean="0">
+                  <a:solidFill>
+                    <a:schemeClr val="tx1"/>
+                  </a:solidFill>
+                </a:rPr>
+                <a:t> </a:t>
+              </a:r>
+              <a:r>
+                <a:rPr lang="en-SG" b="1" dirty="0">
+                  <a:solidFill>
+                    <a:schemeClr val="tx1"/>
+                  </a:solidFill>
+                </a:rPr>
+                <a:t>#</a:t>
+              </a:r>
+              <a:r>
+                <a:rPr lang="en-SG" b="1" dirty="0" smtClean="0">
+                  <a:solidFill>
+                    <a:schemeClr val="tx1"/>
+                  </a:solidFill>
+                </a:rPr>
+                <a:t>CS2103 due 12-oct-16 has been deleted</a:t>
+              </a:r>
+              <a:endParaRPr lang="en-SG" b="1" dirty="0">
+                <a:solidFill>
+                  <a:schemeClr val="tx1"/>
+                </a:solidFill>
+              </a:endParaRPr>
+            </a:p>
+          </p:txBody>
+        </p:sp>
+        <p:graphicFrame>
+          <p:nvGraphicFramePr>
+            <p:cNvPr id="10" name="Object 9"/>
+            <p:cNvGraphicFramePr>
+              <a:graphicFrameLocks noChangeAspect="1"/>
+            </p:cNvGraphicFramePr>
+            <p:nvPr>
+              <p:extLst/>
+            </p:nvPr>
+          </p:nvGraphicFramePr>
+          <p:xfrm>
+            <a:off x="2332179" y="818533"/>
+            <a:ext cx="4030461" cy="4057369"/>
+          </p:xfrm>
+          <a:graphic>
+            <a:graphicData uri="http://schemas.openxmlformats.org/presentationml/2006/ole">
+              <mc:AlternateContent xmlns:mc="http://schemas.openxmlformats.org/markup-compatibility/2006">
+                <mc:Choice xmlns:v="urn:schemas-microsoft-com:vml" Requires="v">
+                  <p:oleObj spid="_x0000_s7172" name="Worksheet" r:id="rId3" imgW="3028999" imgH="1479425" progId="Excel.Sheet.12">
+                    <p:embed/>
+                  </p:oleObj>
+                </mc:Choice>
+                <mc:Fallback>
+                  <p:oleObj name="Worksheet" r:id="rId3" imgW="3028999" imgH="1479425" progId="Excel.Sheet.12">
+                    <p:embed/>
+                    <p:pic>
+                      <p:nvPicPr>
+                        <p:cNvPr id="0" name=""/>
+                        <p:cNvPicPr/>
+                        <p:nvPr/>
+                      </p:nvPicPr>
+                      <p:blipFill>
+                        <a:blip r:embed="rId4"/>
+                        <a:stretch>
+                          <a:fillRect/>
+                        </a:stretch>
+                      </p:blipFill>
+                      <p:spPr>
+                        <a:xfrm>
+                          <a:off x="2332179" y="818533"/>
+                          <a:ext cx="4030461" cy="4057369"/>
+                        </a:xfrm>
+                        <a:prstGeom prst="rect">
+                          <a:avLst/>
+                        </a:prstGeom>
+                        <a:solidFill>
+                          <a:srgbClr val="7E57C2"/>
+                        </a:solidFill>
+                      </p:spPr>
+                    </p:pic>
+                  </p:oleObj>
+                </mc:Fallback>
+              </mc:AlternateContent>
+            </a:graphicData>
+          </a:graphic>
+        </p:graphicFrame>
+      </p:grpSp>
+    </p:spTree>
+    <p:extLst>
+      <p:ext uri="{BB962C8B-B14F-4D97-AF65-F5344CB8AC3E}">
+        <p14:creationId xmlns:p14="http://schemas.microsoft.com/office/powerpoint/2010/main" val="3715080257"/>
+      </p:ext>
+    </p:extLst>
+  </p:cSld>
+  <p:clrMapOvr>
+    <a:masterClrMapping/>
+  </p:clrMapOvr>
+</p:sld>
+</file>
+
 <file path=ppt/theme/theme1.xml><?xml version="1.0" encoding="utf-8"?>
+<a:theme xmlns:a="http://schemas.openxmlformats.org/drawingml/2006/main" name="Office Theme">
+  <a:themeElements>
+    <a:clrScheme name="Blue Warm">
+      <a:dk1>
+        <a:sysClr val="windowText" lastClr="000000"/>
+      </a:dk1>
+      <a:lt1>
+        <a:sysClr val="window" lastClr="FFFFFF"/>
+      </a:lt1>
+      <a:dk2>
+        <a:srgbClr val="242852"/>
+      </a:dk2>
+      <a:lt2>
+        <a:srgbClr val="ACCBF9"/>
+      </a:lt2>
+      <a:accent1>
+        <a:srgbClr val="4A66AC"/>
+      </a:accent1>
+      <a:accent2>
+        <a:srgbClr val="629DD1"/>
+      </a:accent2>
+      <a:accent3>
+        <a:srgbClr val="297FD5"/>
+      </a:accent3>
+      <a:accent4>
+        <a:srgbClr val="7F8FA9"/>
+      </a:accent4>
+      <a:accent5>
+        <a:srgbClr val="5AA2AE"/>
+      </a:accent5>
+      <a:accent6>
+        <a:srgbClr val="9D90A0"/>
+      </a:accent6>
+      <a:hlink>
+        <a:srgbClr val="9454C3"/>
+      </a:hlink>
+      <a:folHlink>
+        <a:srgbClr val="3EBBF0"/>
+      </a:folHlink>
+    </a:clrScheme>
+    <a:fontScheme name="Office">
+      <a:majorFont>
+        <a:latin typeface="Calibri Light" panose="020F0302020204030204"/>
+        <a:ea typeface=""/>
+        <a:cs typeface=""/>
+        <a:font script="Jpan" typeface="ＭＳ Ｐゴシック"/>
+        <a:font script="Hang" typeface="맑은 고딕"/>
+        <a:font script="Hans" typeface="宋体"/>
+        <a:font script="Hant" typeface="新細明體"/>
+        <a:font script="Arab" typeface="Times New Roman"/>
+        <a:font script="Hebr" typeface="Times New Roman"/>
+        <a:font script="Thai" typeface="Angsana New"/>
+        <a:font script="Ethi" typeface="Nyala"/>
+        <a:font script="Beng" typeface="Vrinda"/>
+        <a:font script="Gujr" typeface="Shruti"/>
+        <a:font script="Khmr" typeface="MoolBoran"/>
+        <a:font script="Knda" typeface="Tunga"/>
+        <a:font script="Guru" typeface="Raavi"/>
+        <a:font script="Cans" typeface="Euphemia"/>
+        <a:font script="Cher" typeface="Plantagenet Cherokee"/>
+        <a:font script="Yiii" typeface="Microsoft Yi Baiti"/>
+        <a:font script="Tibt" typeface="Microsoft Himalaya"/>
+        <a:font script="Thaa" typeface="MV Boli"/>
+        <a:font script="Deva" typeface="Mangal"/>
+        <a:font script="Telu" typeface="Gautami"/>
+        <a:font script="Taml" typeface="Latha"/>
+        <a:font script="Syrc" typeface="Estrangelo Edessa"/>
+        <a:font script="Orya" typeface="Kalinga"/>
+        <a:font script="Mlym" typeface="Kartika"/>
+        <a:font script="Laoo" typeface="DokChampa"/>
+        <a:font script="Sinh" typeface="Iskoola Pota"/>
+        <a:font script="Mong" typeface="Mongolian Baiti"/>
+        <a:font script="Viet" typeface="Times New Roman"/>
+        <a:font script="Uigh" typeface="Microsoft Uighur"/>
+        <a:font script="Geor" typeface="Sylfaen"/>
+      </a:majorFont>
+      <a:minorFont>
+        <a:latin typeface="Calibri" panose="020F0502020204030204"/>
+        <a:ea typeface=""/>
+        <a:cs typeface=""/>
+        <a:font script="Jpan" typeface="ＭＳ Ｐゴシック"/>
+        <a:font script="Hang" typeface="맑은 고딕"/>
+        <a:font script="Hans" typeface="宋体"/>
+        <a:font script="Hant" typeface="新細明體"/>
+        <a:font script="Arab" typeface="Arial"/>
+        <a:font script="Hebr" typeface="Arial"/>
+        <a:font script="Thai" typeface="Cordia New"/>
+        <a:font script="Ethi" typeface="Nyala"/>
+        <a:font script="Beng" typeface="Vrinda"/>
+        <a:font script="Gujr" typeface="Shruti"/>
+        <a:font script="Khmr" typeface="DaunPenh"/>
+        <a:font script="Knda" typeface="Tunga"/>
+        <a:font script="Guru" typeface="Raavi"/>
+        <a:font script="Cans" typeface="Euphemia"/>
+        <a:font script="Cher" typeface="Plantagenet Cherokee"/>
+        <a:font script="Yiii" typeface="Microsoft Yi Baiti"/>
+        <a:font script="Tibt" typeface="Microsoft Himalaya"/>
+        <a:font script="Thaa" typeface="MV Boli"/>
+        <a:font script="Deva" typeface="Mangal"/>
+        <a:font script="Telu" typeface="Gautami"/>
+        <a:font script="Taml" typeface="Latha"/>
+        <a:font script="Syrc" typeface="Estrangelo Edessa"/>
+        <a:font script="Orya" typeface="Kalinga"/>
+        <a:font script="Mlym" typeface="Kartika"/>
+        <a:font script="Laoo" typeface="DokChampa"/>
+        <a:font script="Sinh" typeface="Iskoola Pota"/>
+        <a:font script="Mong" typeface="Mongolian Baiti"/>
+        <a:font script="Viet" typeface="Arial"/>
+        <a:font script="Uigh" typeface="Microsoft Uighur"/>
+        <a:font script="Geor" typeface="Sylfaen"/>
+      </a:minorFont>
+    </a:fontScheme>
+    <a:fmtScheme name="Office">
+      <a:fillStyleLst>
+        <a:solidFill>
+          <a:schemeClr val="phClr"/>
+        </a:solidFill>
+        <a:gradFill rotWithShape="1">
+          <a:gsLst>
+            <a:gs pos="0">
+              <a:schemeClr val="phClr">
+                <a:lumMod val="110000"/>
+                <a:satMod val="105000"/>
+                <a:tint val="67000"/>
+              </a:schemeClr>
+            </a:gs>
+            <a:gs pos="50000">
+              <a:schemeClr val="phClr">
+                <a:lumMod val="105000"/>
+                <a:satMod val="103000"/>
+                <a:tint val="73000"/>
+              </a:schemeClr>
+            </a:gs>
+            <a:gs pos="100000">
+              <a:schemeClr val="phClr">
+                <a:lumMod val="105000"/>
+                <a:satMod val="109000"/>
+                <a:tint val="81000"/>
+              </a:schemeClr>
+            </a:gs>
+          </a:gsLst>
+          <a:lin ang="5400000" scaled="0"/>
+        </a:gradFill>
+        <a:gradFill rotWithShape="1">
+          <a:gsLst>
+            <a:gs pos="0">
+              <a:schemeClr val="phClr">
+                <a:satMod val="103000"/>
+                <a:lumMod val="102000"/>
+                <a:tint val="94000"/>
+              </a:schemeClr>
+            </a:gs>
+            <a:gs pos="50000">
+              <a:schemeClr val="phClr">
+                <a:satMod val="110000"/>
+                <a:lumMod val="100000"/>
+                <a:shade val="100000"/>
+              </a:schemeClr>
+            </a:gs>
+            <a:gs pos="100000">
+              <a:schemeClr val="phClr">
+                <a:lumMod val="99000"/>
+                <a:satMod val="120000"/>
+                <a:shade val="78000"/>
+              </a:schemeClr>
+            </a:gs>
+          </a:gsLst>
+          <a:lin ang="5400000" scaled="0"/>
+        </a:gradFill>
+      </a:fillStyleLst>
+      <a:lnStyleLst>
+        <a:ln w="6350" cap="flat" cmpd="sng" algn="ctr">
+          <a:solidFill>
+            <a:schemeClr val="phClr"/>
+          </a:solidFill>
+          <a:prstDash val="solid"/>
+          <a:miter lim="800000"/>
+        </a:ln>
+        <a:ln w="12700" cap="flat" cmpd="sng" algn="ctr">
+          <a:solidFill>
+            <a:schemeClr val="phClr"/>
+          </a:solidFill>
+          <a:prstDash val="solid"/>
+          <a:miter lim="800000"/>
+        </a:ln>
+        <a:ln w="19050" cap="flat" cmpd="sng" algn="ctr">
+          <a:solidFill>
+            <a:schemeClr val="phClr"/>
+          </a:solidFill>
+          <a:prstDash val="solid"/>
+          <a:miter lim="800000"/>
+        </a:ln>
+      </a:lnStyleLst>
+      <a:effectStyleLst>
+        <a:effectStyle>
+          <a:effectLst/>
+        </a:effectStyle>
+        <a:effectStyle>
+          <a:effectLst/>
+        </a:effectStyle>
+        <a:effectStyle>
+          <a:effectLst>
+            <a:outerShdw blurRad="57150" dist="19050" dir="5400000" algn="ctr" rotWithShape="0">
+              <a:srgbClr val="000000">
+                <a:alpha val="63000"/>
+              </a:srgbClr>
+            </a:outerShdw>
+          </a:effectLst>
+        </a:effectStyle>
+      </a:effectStyleLst>
+      <a:bgFillStyleLst>
+        <a:solidFill>
+          <a:schemeClr val="phClr"/>
+        </a:solidFill>
+        <a:solidFill>
+          <a:schemeClr val="phClr">
+            <a:tint val="95000"/>
+            <a:satMod val="170000"/>
+          </a:schemeClr>
+        </a:solidFill>
+        <a:gradFill rotWithShape="1">
+          <a:gsLst>
+            <a:gs pos="0">
+              <a:schemeClr val="phClr">
+                <a:tint val="93000"/>
+                <a:satMod val="150000"/>
+                <a:shade val="98000"/>
+                <a:lumMod val="102000"/>
+              </a:schemeClr>
+            </a:gs>
+            <a:gs pos="50000">
+              <a:schemeClr val="phClr">
+                <a:tint val="98000"/>
+                <a:satMod val="130000"/>
+                <a:shade val="90000"/>
+                <a:lumMod val="103000"/>
+              </a:schemeClr>
+            </a:gs>
+            <a:gs pos="100000">
+              <a:schemeClr val="phClr">
+                <a:shade val="63000"/>
+                <a:satMod val="120000"/>
+              </a:schemeClr>
+            </a:gs>
+          </a:gsLst>
+          <a:lin ang="5400000" scaled="0"/>
+        </a:gradFill>
+      </a:bgFillStyleLst>
+    </a:fmtScheme>
+  </a:themeElements>
+  <a:objectDefaults/>
+  <a:extraClrSchemeLst/>
+  <a:extLst>
+    <a:ext uri="{05A4C25C-085E-4340-85A3-A5531E510DB2}">
+      <thm15:themeFamily xmlns:thm15="http://schemas.microsoft.com/office/thememl/2012/main" name="Office Theme" id="{62F939B6-93AF-4DB8-9C6B-D6C7DFDC589F}" vid="{4A3C46E8-61CC-4603-A589-7422A47A8E4A}"/>
+    </a:ext>
+  </a:extLst>
+</a:theme>
+</file>
+
+<file path=ppt/theme/theme2.xml><?xml version="1.0" encoding="utf-8"?>
 <a:theme xmlns:a="http://schemas.openxmlformats.org/drawingml/2006/main" name="Office Theme">
   <a:themeElements>
     <a:clrScheme name="Office">

--- a/docs/diagrams/UserGuide Drawings.pptx
+++ b/docs/diagrams/UserGuide Drawings.pptx
@@ -207,7 +207,7 @@
           <a:p>
             <a:fld id="{EA886368-25C7-45BA-8F27-139A1E58B4EB}" type="datetimeFigureOut">
               <a:rPr lang="en-SG" smtClean="0"/>
-              <a:t>9/10/2016</a:t>
+              <a:t>20/10/2016</a:t>
             </a:fld>
             <a:endParaRPr lang="en-SG"/>
           </a:p>
@@ -1003,7 +1003,7 @@
           <a:p>
             <a:fld id="{3798F79D-4DD3-4E11-8073-015D66C43647}" type="datetimeFigureOut">
               <a:rPr lang="en-SG" smtClean="0"/>
-              <a:t>9/10/2016</a:t>
+              <a:t>20/10/2016</a:t>
             </a:fld>
             <a:endParaRPr lang="en-SG"/>
           </a:p>
@@ -1173,7 +1173,7 @@
           <a:p>
             <a:fld id="{3798F79D-4DD3-4E11-8073-015D66C43647}" type="datetimeFigureOut">
               <a:rPr lang="en-SG" smtClean="0"/>
-              <a:t>9/10/2016</a:t>
+              <a:t>20/10/2016</a:t>
             </a:fld>
             <a:endParaRPr lang="en-SG"/>
           </a:p>
@@ -1353,7 +1353,7 @@
           <a:p>
             <a:fld id="{3798F79D-4DD3-4E11-8073-015D66C43647}" type="datetimeFigureOut">
               <a:rPr lang="en-SG" smtClean="0"/>
-              <a:t>9/10/2016</a:t>
+              <a:t>20/10/2016</a:t>
             </a:fld>
             <a:endParaRPr lang="en-SG"/>
           </a:p>
@@ -1523,7 +1523,7 @@
           <a:p>
             <a:fld id="{3798F79D-4DD3-4E11-8073-015D66C43647}" type="datetimeFigureOut">
               <a:rPr lang="en-SG" smtClean="0"/>
-              <a:t>9/10/2016</a:t>
+              <a:t>20/10/2016</a:t>
             </a:fld>
             <a:endParaRPr lang="en-SG"/>
           </a:p>
@@ -1769,7 +1769,7 @@
           <a:p>
             <a:fld id="{3798F79D-4DD3-4E11-8073-015D66C43647}" type="datetimeFigureOut">
               <a:rPr lang="en-SG" smtClean="0"/>
-              <a:t>9/10/2016</a:t>
+              <a:t>20/10/2016</a:t>
             </a:fld>
             <a:endParaRPr lang="en-SG"/>
           </a:p>
@@ -2001,7 +2001,7 @@
           <a:p>
             <a:fld id="{3798F79D-4DD3-4E11-8073-015D66C43647}" type="datetimeFigureOut">
               <a:rPr lang="en-SG" smtClean="0"/>
-              <a:t>9/10/2016</a:t>
+              <a:t>20/10/2016</a:t>
             </a:fld>
             <a:endParaRPr lang="en-SG"/>
           </a:p>
@@ -2368,7 +2368,7 @@
           <a:p>
             <a:fld id="{3798F79D-4DD3-4E11-8073-015D66C43647}" type="datetimeFigureOut">
               <a:rPr lang="en-SG" smtClean="0"/>
-              <a:t>9/10/2016</a:t>
+              <a:t>20/10/2016</a:t>
             </a:fld>
             <a:endParaRPr lang="en-SG"/>
           </a:p>
@@ -2486,7 +2486,7 @@
           <a:p>
             <a:fld id="{3798F79D-4DD3-4E11-8073-015D66C43647}" type="datetimeFigureOut">
               <a:rPr lang="en-SG" smtClean="0"/>
-              <a:t>9/10/2016</a:t>
+              <a:t>20/10/2016</a:t>
             </a:fld>
             <a:endParaRPr lang="en-SG"/>
           </a:p>
@@ -2581,7 +2581,7 @@
           <a:p>
             <a:fld id="{3798F79D-4DD3-4E11-8073-015D66C43647}" type="datetimeFigureOut">
               <a:rPr lang="en-SG" smtClean="0"/>
-              <a:t>9/10/2016</a:t>
+              <a:t>20/10/2016</a:t>
             </a:fld>
             <a:endParaRPr lang="en-SG"/>
           </a:p>
@@ -2858,7 +2858,7 @@
           <a:p>
             <a:fld id="{3798F79D-4DD3-4E11-8073-015D66C43647}" type="datetimeFigureOut">
               <a:rPr lang="en-SG" smtClean="0"/>
-              <a:t>9/10/2016</a:t>
+              <a:t>20/10/2016</a:t>
             </a:fld>
             <a:endParaRPr lang="en-SG"/>
           </a:p>
@@ -3111,7 +3111,7 @@
           <a:p>
             <a:fld id="{3798F79D-4DD3-4E11-8073-015D66C43647}" type="datetimeFigureOut">
               <a:rPr lang="en-SG" smtClean="0"/>
-              <a:t>9/10/2016</a:t>
+              <a:t>20/10/2016</a:t>
             </a:fld>
             <a:endParaRPr lang="en-SG"/>
           </a:p>
@@ -3324,7 +3324,7 @@
           <a:p>
             <a:fld id="{3798F79D-4DD3-4E11-8073-015D66C43647}" type="datetimeFigureOut">
               <a:rPr lang="en-SG" smtClean="0"/>
-              <a:t>9/10/2016</a:t>
+              <a:t>20/10/2016</a:t>
             </a:fld>
             <a:endParaRPr lang="en-SG"/>
           </a:p>
@@ -4468,7 +4468,15 @@
                     <a:schemeClr val="bg1"/>
                   </a:solidFill>
                 </a:rPr>
-                <a:t>add  #CS2103 /n User Guide /d 121016 </a:t>
+                <a:t>add  #CS2103 /n User Guide /d </a:t>
+              </a:r>
+              <a:r>
+                <a:rPr lang="en-SG" b="1" dirty="0" smtClean="0">
+                  <a:solidFill>
+                    <a:schemeClr val="bg1"/>
+                  </a:solidFill>
+                </a:rPr>
+                <a:t>12-10-16 </a:t>
               </a:r>
               <a:endParaRPr lang="en-SG" b="1" dirty="0">
                 <a:solidFill>
@@ -4578,7 +4586,7 @@
             <a:graphicData uri="http://schemas.openxmlformats.org/presentationml/2006/ole">
               <mc:AlternateContent xmlns:mc="http://schemas.openxmlformats.org/markup-compatibility/2006">
                 <mc:Choice xmlns:v="urn:schemas-microsoft-com:vml" Requires="v">
-                  <p:oleObj spid="_x0000_s2055" name="Worksheet" r:id="rId7" imgW="3028999" imgH="1479425" progId="Excel.Sheet.12">
+                  <p:oleObj spid="_x0000_s2057" name="Worksheet" r:id="rId7" imgW="3028999" imgH="1479425" progId="Excel.Sheet.12">
                     <p:embed/>
                   </p:oleObj>
                 </mc:Choice>
@@ -4847,12 +4855,6 @@
                   </a:rPr>
                   <a:t>User Guide </a:t>
                 </a:r>
-                <a:endParaRPr lang="en-SG" sz="2800" b="1" dirty="0">
-                  <a:solidFill>
-                    <a:schemeClr val="bg1"/>
-                  </a:solidFill>
-                  <a:latin typeface="Segoe Print" panose="02000600000000000000" pitchFamily="2" charset="0"/>
-                </a:endParaRPr>
               </a:p>
             </p:txBody>
           </p:sp>
@@ -5133,7 +5135,7 @@
               <a:graphicData uri="http://schemas.openxmlformats.org/presentationml/2006/ole">
                 <mc:AlternateContent xmlns:mc="http://schemas.openxmlformats.org/markup-compatibility/2006">
                   <mc:Choice xmlns:v="urn:schemas-microsoft-com:vml" Requires="v">
-                    <p:oleObj spid="_x0000_s8197" name="Worksheet" r:id="rId3" imgW="3028999" imgH="1479425" progId="Excel.Sheet.12">
+                    <p:oleObj spid="_x0000_s8199" name="Worksheet" r:id="rId3" imgW="3028999" imgH="1479425" progId="Excel.Sheet.12">
                       <p:embed/>
                     </p:oleObj>
                   </mc:Choice>
@@ -6667,7 +6669,7 @@
             <a:graphicData uri="http://schemas.openxmlformats.org/presentationml/2006/ole">
               <mc:AlternateContent xmlns:mc="http://schemas.openxmlformats.org/markup-compatibility/2006">
                 <mc:Choice xmlns:v="urn:schemas-microsoft-com:vml" Requires="v">
-                  <p:oleObj spid="_x0000_s1039" name="Worksheet" r:id="rId5" imgW="3028999" imgH="1479425" progId="Excel.Sheet.12">
+                  <p:oleObj spid="_x0000_s1041" name="Worksheet" r:id="rId5" imgW="3028999" imgH="1479425" progId="Excel.Sheet.12">
                     <p:embed/>
                   </p:oleObj>
                 </mc:Choice>
@@ -7112,7 +7114,15 @@
                     <a:schemeClr val="bg1"/>
                   </a:solidFill>
                 </a:rPr>
-                <a:t>view 121016</a:t>
+                <a:t>view </a:t>
+              </a:r>
+              <a:r>
+                <a:rPr lang="en-SG" b="1" dirty="0" smtClean="0">
+                  <a:solidFill>
+                    <a:schemeClr val="bg1"/>
+                  </a:solidFill>
+                </a:rPr>
+                <a:t>12-10-2016</a:t>
               </a:r>
               <a:endParaRPr lang="en-SG" b="1" dirty="0">
                 <a:solidFill>
@@ -7222,7 +7232,7 @@
             <a:graphicData uri="http://schemas.openxmlformats.org/presentationml/2006/ole">
               <mc:AlternateContent xmlns:mc="http://schemas.openxmlformats.org/markup-compatibility/2006">
                 <mc:Choice xmlns:v="urn:schemas-microsoft-com:vml" Requires="v">
-                  <p:oleObj spid="_x0000_s3079" name="Worksheet" r:id="rId4" imgW="3028999" imgH="1479425" progId="Excel.Sheet.12">
+                  <p:oleObj spid="_x0000_s3082" name="Worksheet" r:id="rId4" imgW="3028999" imgH="1479425" progId="Excel.Sheet.12">
                     <p:embed/>
                   </p:oleObj>
                 </mc:Choice>
@@ -7909,7 +7919,7 @@
             <a:graphicData uri="http://schemas.openxmlformats.org/presentationml/2006/ole">
               <mc:AlternateContent xmlns:mc="http://schemas.openxmlformats.org/markup-compatibility/2006">
                 <mc:Choice xmlns:v="urn:schemas-microsoft-com:vml" Requires="v">
-                  <p:oleObj spid="_x0000_s4102" name="Worksheet" r:id="rId4" imgW="3028999" imgH="1479425" progId="Excel.Sheet.12">
+                  <p:oleObj spid="_x0000_s4104" name="Worksheet" r:id="rId4" imgW="3028999" imgH="1479425" progId="Excel.Sheet.12">
                     <p:embed/>
                   </p:oleObj>
                 </mc:Choice>
@@ -8552,23 +8562,7 @@
                     <a:schemeClr val="tx1"/>
                   </a:solidFill>
                 </a:rPr>
-                <a:t>Undone </a:t>
-              </a:r>
-              <a:r>
-                <a:rPr lang="en-SG" b="1" dirty="0" smtClean="0">
-                  <a:solidFill>
-                    <a:schemeClr val="tx1"/>
-                  </a:solidFill>
-                </a:rPr>
-                <a:t>the following </a:t>
-              </a:r>
-              <a:r>
-                <a:rPr lang="en-SG" b="1" dirty="0" smtClean="0">
-                  <a:solidFill>
-                    <a:schemeClr val="tx1"/>
-                  </a:solidFill>
-                </a:rPr>
-                <a:t>command: </a:t>
+                <a:t>Undone the following command: </a:t>
               </a:r>
             </a:p>
             <a:p>
@@ -8606,7 +8600,7 @@
             <a:graphicData uri="http://schemas.openxmlformats.org/presentationml/2006/ole">
               <mc:AlternateContent xmlns:mc="http://schemas.openxmlformats.org/markup-compatibility/2006">
                 <mc:Choice xmlns:v="urn:schemas-microsoft-com:vml" Requires="v">
-                  <p:oleObj spid="_x0000_s5125" name="Worksheet" r:id="rId3" imgW="3028999" imgH="1479425" progId="Excel.Sheet.12">
+                  <p:oleObj spid="_x0000_s5127" name="Worksheet" r:id="rId3" imgW="3028999" imgH="1479425" progId="Excel.Sheet.12">
                     <p:embed/>
                   </p:oleObj>
                 </mc:Choice>
@@ -9240,23 +9234,7 @@
                     <a:schemeClr val="tx1"/>
                   </a:solidFill>
                 </a:rPr>
-                <a:t>Re-executed </a:t>
-              </a:r>
-              <a:r>
-                <a:rPr lang="en-SG" b="1" dirty="0" smtClean="0">
-                  <a:solidFill>
-                    <a:schemeClr val="tx1"/>
-                  </a:solidFill>
-                </a:rPr>
-                <a:t>the following </a:t>
-              </a:r>
-              <a:r>
-                <a:rPr lang="en-SG" b="1" dirty="0" smtClean="0">
-                  <a:solidFill>
-                    <a:schemeClr val="tx1"/>
-                  </a:solidFill>
-                </a:rPr>
-                <a:t>command: </a:t>
+                <a:t>Re-executed the following command: </a:t>
               </a:r>
             </a:p>
             <a:p>
@@ -9294,7 +9272,7 @@
             <a:graphicData uri="http://schemas.openxmlformats.org/presentationml/2006/ole">
               <mc:AlternateContent xmlns:mc="http://schemas.openxmlformats.org/markup-compatibility/2006">
                 <mc:Choice xmlns:v="urn:schemas-microsoft-com:vml" Requires="v">
-                  <p:oleObj spid="_x0000_s6148" name="Worksheet" r:id="rId3" imgW="3028999" imgH="1479425" progId="Excel.Sheet.12">
+                  <p:oleObj spid="_x0000_s6150" name="Worksheet" r:id="rId3" imgW="3028999" imgH="1479425" progId="Excel.Sheet.12">
                     <p:embed/>
                   </p:oleObj>
                 </mc:Choice>
@@ -9983,7 +9961,7 @@
             <a:graphicData uri="http://schemas.openxmlformats.org/presentationml/2006/ole">
               <mc:AlternateContent xmlns:mc="http://schemas.openxmlformats.org/markup-compatibility/2006">
                 <mc:Choice xmlns:v="urn:schemas-microsoft-com:vml" Requires="v">
-                  <p:oleObj spid="_x0000_s7172" name="Worksheet" r:id="rId3" imgW="3028999" imgH="1479425" progId="Excel.Sheet.12">
+                  <p:oleObj spid="_x0000_s7174" name="Worksheet" r:id="rId3" imgW="3028999" imgH="1479425" progId="Excel.Sheet.12">
                     <p:embed/>
                   </p:oleObj>
                 </mc:Choice>
